--- a/Numerical Computing Python Slides.pptx
+++ b/Numerical Computing Python Slides.pptx
@@ -398,7 +398,7 @@
           <a:p>
             <a:fld id="{88EB714B-C3CC-4216-88C1-02913905B1CF}" type="datetimeFigureOut">
               <a:rPr lang="en-GB" smtClean="0"/>
-              <a:t>24/02/2021</a:t>
+              <a:t>04/10/2021</a:t>
             </a:fld>
             <a:endParaRPr lang="en-GB"/>
           </a:p>
@@ -1779,7 +1779,7 @@
           <a:p>
             <a:fld id="{EB0080F8-EA1C-491D-963C-2C881B2F918F}" type="datetimeFigureOut">
               <a:rPr lang="en-GB" smtClean="0"/>
-              <a:t>24/02/2021</a:t>
+              <a:t>04/10/2021</a:t>
             </a:fld>
             <a:endParaRPr lang="en-GB"/>
           </a:p>
@@ -1929,7 +1929,7 @@
           <a:p>
             <a:fld id="{EB0080F8-EA1C-491D-963C-2C881B2F918F}" type="datetimeFigureOut">
               <a:rPr lang="en-GB" smtClean="0"/>
-              <a:t>24/02/2021</a:t>
+              <a:t>04/10/2021</a:t>
             </a:fld>
             <a:endParaRPr lang="en-GB"/>
           </a:p>
@@ -3462,7 +3462,7 @@
           <a:p>
             <a:fld id="{EB0080F8-EA1C-491D-963C-2C881B2F918F}" type="datetimeFigureOut">
               <a:rPr lang="en-GB" smtClean="0"/>
-              <a:t>24/02/2021</a:t>
+              <a:t>04/10/2021</a:t>
             </a:fld>
             <a:endParaRPr lang="en-GB"/>
           </a:p>
@@ -3952,7 +3952,7 @@
           <a:p>
             <a:r>
               <a:rPr lang="en-GB" sz="2400" dirty="0"/>
-              <a:t>Graduate School Teaching Fellow</a:t>
+              <a:t>Graduate School Senior Teaching Fellow</a:t>
             </a:r>
           </a:p>
         </p:txBody>
@@ -4514,22 +4514,31 @@
             </a:r>
           </a:p>
           <a:p>
-            <a:pPr lvl="1"/>
-            <a:r>
-              <a:rPr lang="en-GB" sz="2600" dirty="0"/>
+            <a:r>
+              <a:rPr lang="en-GB" sz="2600" dirty="0">
+                <a:latin typeface="+mj-lt"/>
+              </a:rPr>
               <a:t>The link is </a:t>
             </a:r>
             <a:r>
-              <a:rPr lang="en-GB" sz="2600" b="0" i="0" u="sng" dirty="0">
-                <a:solidFill>
-                  <a:srgbClr val="954F72"/>
+              <a:rPr lang="en-GB" sz="2600" u="sng" dirty="0">
+                <a:solidFill>
+                  <a:srgbClr val="000000"/>
                 </a:solidFill>
                 <a:effectLst/>
+                <a:latin typeface="+mj-lt"/>
+                <a:ea typeface="Times New Roman" panose="02020603050405020304" pitchFamily="18" charset="0"/>
+                <a:cs typeface="Calibri" panose="020F0502020204030204" pitchFamily="34" charset="0"/>
                 <a:hlinkClick r:id="rId3"/>
               </a:rPr>
-              <a:t>http://bit.ly/rcds2021</a:t>
-            </a:r>
-            <a:endParaRPr lang="en-GB" sz="2600" dirty="0"/>
+              <a:t>tinyurl.com/rcds2021-22</a:t>
+            </a:r>
+            <a:endParaRPr lang="en-GB" sz="2600" dirty="0">
+              <a:effectLst/>
+              <a:latin typeface="+mj-lt"/>
+              <a:ea typeface="Times New Roman" panose="02020603050405020304" pitchFamily="18" charset="0"/>
+              <a:cs typeface="Times New Roman" panose="02020603050405020304" pitchFamily="18" charset="0"/>
+            </a:endParaRPr>
           </a:p>
           <a:p>
             <a:pPr lvl="1"/>

--- a/Numerical Computing Python Slides.pptx
+++ b/Numerical Computing Python Slides.pptx
@@ -4514,6 +4514,7 @@
             </a:r>
           </a:p>
           <a:p>
+            <a:pPr lvl="1"/>
             <a:r>
               <a:rPr lang="en-GB" sz="2600" dirty="0">
                 <a:latin typeface="+mj-lt"/>

--- a/Numerical Computing Python Slides.pptx
+++ b/Numerical Computing Python Slides.pptx
@@ -5,17 +5,19 @@
     <p:sldMasterId id="2147483648" r:id="rId1"/>
   </p:sldMasterIdLst>
   <p:notesMasterIdLst>
-    <p:notesMasterId r:id="rId7"/>
+    <p:notesMasterId r:id="rId9"/>
   </p:notesMasterIdLst>
   <p:handoutMasterIdLst>
-    <p:handoutMasterId r:id="rId8"/>
+    <p:handoutMasterId r:id="rId10"/>
   </p:handoutMasterIdLst>
   <p:sldIdLst>
     <p:sldId id="264" r:id="rId2"/>
-    <p:sldId id="267" r:id="rId3"/>
-    <p:sldId id="281" r:id="rId4"/>
-    <p:sldId id="329" r:id="rId5"/>
-    <p:sldId id="280" r:id="rId6"/>
+    <p:sldId id="258" r:id="rId3"/>
+    <p:sldId id="257" r:id="rId4"/>
+    <p:sldId id="267" r:id="rId5"/>
+    <p:sldId id="281" r:id="rId6"/>
+    <p:sldId id="329" r:id="rId7"/>
+    <p:sldId id="280" r:id="rId8"/>
   </p:sldIdLst>
   <p:sldSz cx="9144000" cy="6858000" type="screen4x3"/>
   <p:notesSz cx="7099300" cy="10234613"/>
@@ -120,6 +122,8 @@
         <p14:section name="Introduction" id="{45EEEAF5-8C61-4410-A3AB-B2CD0B57ECF0}">
           <p14:sldIdLst>
             <p14:sldId id="264"/>
+            <p14:sldId id="258"/>
+            <p14:sldId id="257"/>
             <p14:sldId id="267"/>
             <p14:sldId id="281"/>
             <p14:sldId id="329"/>
@@ -982,7 +986,7 @@
           <a:p>
             <a:fld id="{6A641EC8-C9F8-4A58-A1A7-F7D817526EEC}" type="slidenum">
               <a:rPr lang="en-GB" smtClean="0"/>
-              <a:t>2</a:t>
+              <a:t>4</a:t>
             </a:fld>
             <a:endParaRPr lang="en-GB"/>
           </a:p>
@@ -1066,7 +1070,7 @@
           <a:p>
             <a:fld id="{6A641EC8-C9F8-4A58-A1A7-F7D817526EEC}" type="slidenum">
               <a:rPr lang="en-GB" smtClean="0"/>
-              <a:t>3</a:t>
+              <a:t>5</a:t>
             </a:fld>
             <a:endParaRPr lang="en-GB"/>
           </a:p>
@@ -1150,7 +1154,7 @@
           <a:p>
             <a:fld id="{6A641EC8-C9F8-4A58-A1A7-F7D817526EEC}" type="slidenum">
               <a:rPr lang="en-GB" smtClean="0"/>
-              <a:t>4</a:t>
+              <a:t>6</a:t>
             </a:fld>
             <a:endParaRPr lang="en-GB"/>
           </a:p>
@@ -1346,7 +1350,7 @@
                   <a:spcPct val="0"/>
                 </a:spcBef>
               </a:pPr>
-              <a:t>5</a:t>
+              <a:t>7</a:t>
             </a:fld>
             <a:endParaRPr lang="en-US" altLang="en-US"/>
           </a:p>
@@ -3997,6 +4001,369 @@
       </p:grpSpPr>
       <p:sp>
         <p:nvSpPr>
+          <p:cNvPr id="4" name="Title 1"/>
+          <p:cNvSpPr txBox="1">
+            <a:spLocks/>
+          </p:cNvSpPr>
+          <p:nvPr/>
+        </p:nvSpPr>
+        <p:spPr>
+          <a:xfrm>
+            <a:off x="401320" y="472966"/>
+            <a:ext cx="5778764" cy="961696"/>
+          </a:xfrm>
+          <a:prstGeom prst="rect">
+            <a:avLst/>
+          </a:prstGeom>
+        </p:spPr>
+        <p:txBody>
+          <a:bodyPr anchor="b"/>
+          <a:lstStyle>
+            <a:lvl1pPr algn="l" defTabSz="457200" rtl="0" eaLnBrk="1" latinLnBrk="0" hangingPunct="1">
+              <a:lnSpc>
+                <a:spcPct val="90000"/>
+              </a:lnSpc>
+              <a:spcBef>
+                <a:spcPct val="0"/>
+              </a:spcBef>
+              <a:buNone/>
+              <a:defRPr sz="4000" b="1" i="0" kern="1200" baseline="0">
+                <a:solidFill>
+                  <a:schemeClr val="tx2"/>
+                </a:solidFill>
+                <a:latin typeface="+mj-lt"/>
+                <a:ea typeface="+mj-ea"/>
+                <a:cs typeface="MetaOT-Bold"/>
+              </a:defRPr>
+            </a:lvl1pPr>
+          </a:lstStyle>
+          <a:p>
+            <a:r>
+              <a:rPr lang="en-US" sz="3200" dirty="0">
+                <a:solidFill>
+                  <a:schemeClr val="accent3"/>
+                </a:solidFill>
+              </a:rPr>
+              <a:t>Expectations:  Covid-safe teaching environments</a:t>
+            </a:r>
+          </a:p>
+        </p:txBody>
+      </p:sp>
+      <p:sp>
+        <p:nvSpPr>
+          <p:cNvPr id="5" name="Subtitle 2"/>
+          <p:cNvSpPr>
+            <a:spLocks noGrp="1"/>
+          </p:cNvSpPr>
+          <p:nvPr>
+            <p:ph type="subTitle" idx="1"/>
+          </p:nvPr>
+        </p:nvSpPr>
+        <p:spPr>
+          <a:xfrm>
+            <a:off x="401320" y="1631731"/>
+            <a:ext cx="8490432" cy="4548352"/>
+          </a:xfrm>
+        </p:spPr>
+        <p:txBody>
+          <a:bodyPr lIns="91440" tIns="45720" rIns="91440" bIns="45720" anchor="t"/>
+          <a:lstStyle/>
+          <a:p>
+            <a:r>
+              <a:rPr lang="en-US" sz="2200" u="sng" dirty="0">
+                <a:ea typeface="+mj-lt"/>
+                <a:cs typeface="+mj-lt"/>
+              </a:rPr>
+              <a:t>Face coverings</a:t>
+            </a:r>
+          </a:p>
+          <a:p>
+            <a:pPr marL="457200" indent="-457200">
+              <a:buFont typeface="Arial" panose="020B0604020202020204" pitchFamily="34" charset="0"/>
+              <a:buChar char="•"/>
+            </a:pPr>
+            <a:r>
+              <a:rPr lang="en-GB" sz="2200" dirty="0">
+                <a:latin typeface="+mn-lt"/>
+                <a:ea typeface="Calibri" panose="020F0502020204030204" pitchFamily="34" charset="0"/>
+                <a:cs typeface="Times New Roman"/>
+              </a:rPr>
+              <a:t>You are expected to wear a face covering </a:t>
+            </a:r>
+            <a:endParaRPr lang="en-GB" sz="2200" dirty="0"/>
+          </a:p>
+          <a:p>
+            <a:pPr marL="457200" indent="-457200">
+              <a:buFont typeface="Arial" panose="020B0604020202020204" pitchFamily="34" charset="0"/>
+              <a:buChar char="•"/>
+            </a:pPr>
+            <a:r>
+              <a:rPr lang="en-US" sz="2200" dirty="0">
+                <a:ea typeface="+mj-lt"/>
+                <a:cs typeface="+mj-lt"/>
+              </a:rPr>
+              <a:t>Tutors will deliver their workshop 2 meters distance from </a:t>
+            </a:r>
+            <a:r>
+              <a:rPr lang="en-US" sz="2200">
+                <a:ea typeface="+mj-lt"/>
+                <a:cs typeface="+mj-lt"/>
+              </a:rPr>
+              <a:t>you </a:t>
+            </a:r>
+            <a:endParaRPr lang="en-US" sz="2200" dirty="0">
+              <a:ea typeface="+mj-lt"/>
+              <a:cs typeface="+mj-lt"/>
+            </a:endParaRPr>
+          </a:p>
+          <a:p>
+            <a:endParaRPr lang="en-US" sz="2200" u="sng" dirty="0">
+              <a:latin typeface="+mn-lt"/>
+              <a:ea typeface="+mj-lt"/>
+              <a:cs typeface="+mj-lt"/>
+            </a:endParaRPr>
+          </a:p>
+          <a:p>
+            <a:r>
+              <a:rPr lang="en-US" sz="2200" u="sng" dirty="0">
+                <a:latin typeface="+mn-lt"/>
+                <a:ea typeface="+mj-lt"/>
+                <a:cs typeface="+mj-lt"/>
+              </a:rPr>
+              <a:t>Hygiene</a:t>
+            </a:r>
+            <a:endParaRPr lang="en-GB" sz="2200" u="sng" dirty="0">
+              <a:latin typeface="+mn-lt"/>
+              <a:ea typeface="Calibri" panose="020F0502020204030204" pitchFamily="34" charset="0"/>
+              <a:cs typeface="Times New Roman"/>
+            </a:endParaRPr>
+          </a:p>
+          <a:p>
+            <a:pPr marL="457200" indent="-457200">
+              <a:buFont typeface="Arial" panose="020B0604020202020204" pitchFamily="34" charset="0"/>
+              <a:buChar char="•"/>
+            </a:pPr>
+            <a:r>
+              <a:rPr lang="en-US" sz="2200" dirty="0"/>
+              <a:t>Where hand </a:t>
+            </a:r>
+            <a:r>
+              <a:rPr lang="en-US" sz="2200" dirty="0" err="1"/>
+              <a:t>sanitiser</a:t>
+            </a:r>
+            <a:r>
+              <a:rPr lang="en-US" sz="2200" dirty="0"/>
+              <a:t> is available, please use it</a:t>
+            </a:r>
+          </a:p>
+          <a:p>
+            <a:pPr marL="457200" indent="-457200">
+              <a:buFont typeface="Arial" panose="020B0604020202020204" pitchFamily="34" charset="0"/>
+              <a:buChar char="•"/>
+            </a:pPr>
+            <a:r>
+              <a:rPr lang="en-US" sz="2200" dirty="0"/>
+              <a:t>Please wipe down any communal/shared course materials/equipment </a:t>
+            </a:r>
+          </a:p>
+          <a:p>
+            <a:pPr marL="457200" indent="-457200">
+              <a:buFont typeface="Arial" panose="020B0604020202020204" pitchFamily="34" charset="0"/>
+              <a:buChar char="•"/>
+            </a:pPr>
+            <a:endParaRPr lang="en-US" sz="2400" dirty="0"/>
+          </a:p>
+        </p:txBody>
+      </p:sp>
+    </p:spTree>
+    <p:extLst>
+      <p:ext uri="{BB962C8B-B14F-4D97-AF65-F5344CB8AC3E}">
+        <p14:creationId xmlns:p14="http://schemas.microsoft.com/office/powerpoint/2010/main" val="70908208"/>
+      </p:ext>
+    </p:extLst>
+  </p:cSld>
+  <p:clrMapOvr>
+    <a:masterClrMapping/>
+  </p:clrMapOvr>
+</p:sld>
+</file>
+
+<file path=ppt/slides/slide3.xml><?xml version="1.0" encoding="utf-8"?>
+<p:sld xmlns:a="http://schemas.openxmlformats.org/drawingml/2006/main" xmlns:r="http://schemas.openxmlformats.org/officeDocument/2006/relationships" xmlns:p="http://schemas.openxmlformats.org/presentationml/2006/main">
+  <p:cSld>
+    <p:spTree>
+      <p:nvGrpSpPr>
+        <p:cNvPr id="1" name=""/>
+        <p:cNvGrpSpPr/>
+        <p:nvPr/>
+      </p:nvGrpSpPr>
+      <p:grpSpPr>
+        <a:xfrm>
+          <a:off x="0" y="0"/>
+          <a:ext cx="0" cy="0"/>
+          <a:chOff x="0" y="0"/>
+          <a:chExt cx="0" cy="0"/>
+        </a:xfrm>
+      </p:grpSpPr>
+      <p:sp>
+        <p:nvSpPr>
+          <p:cNvPr id="4" name="Title 1"/>
+          <p:cNvSpPr txBox="1">
+            <a:spLocks/>
+          </p:cNvSpPr>
+          <p:nvPr/>
+        </p:nvSpPr>
+        <p:spPr>
+          <a:xfrm>
+            <a:off x="401319" y="472966"/>
+            <a:ext cx="5558047" cy="930165"/>
+          </a:xfrm>
+          <a:prstGeom prst="rect">
+            <a:avLst/>
+          </a:prstGeom>
+        </p:spPr>
+        <p:txBody>
+          <a:bodyPr anchor="b"/>
+          <a:lstStyle>
+            <a:lvl1pPr algn="l" defTabSz="457200" rtl="0" eaLnBrk="1" latinLnBrk="0" hangingPunct="1">
+              <a:lnSpc>
+                <a:spcPct val="90000"/>
+              </a:lnSpc>
+              <a:spcBef>
+                <a:spcPct val="0"/>
+              </a:spcBef>
+              <a:buNone/>
+              <a:defRPr sz="4000" b="1" i="0" kern="1200" baseline="0">
+                <a:solidFill>
+                  <a:schemeClr val="tx2"/>
+                </a:solidFill>
+                <a:latin typeface="+mj-lt"/>
+                <a:ea typeface="+mj-ea"/>
+                <a:cs typeface="MetaOT-Bold"/>
+              </a:defRPr>
+            </a:lvl1pPr>
+          </a:lstStyle>
+          <a:p>
+            <a:r>
+              <a:rPr lang="en-US" sz="3200" dirty="0">
+                <a:solidFill>
+                  <a:schemeClr val="accent3"/>
+                </a:solidFill>
+              </a:rPr>
+              <a:t>Expectations:  Covid-safe teaching environments</a:t>
+            </a:r>
+          </a:p>
+        </p:txBody>
+      </p:sp>
+      <p:sp>
+        <p:nvSpPr>
+          <p:cNvPr id="5" name="Subtitle 2"/>
+          <p:cNvSpPr>
+            <a:spLocks noGrp="1"/>
+          </p:cNvSpPr>
+          <p:nvPr>
+            <p:ph type="subTitle" idx="1"/>
+          </p:nvPr>
+        </p:nvSpPr>
+        <p:spPr>
+          <a:xfrm>
+            <a:off x="189186" y="1450427"/>
+            <a:ext cx="8797158" cy="4020208"/>
+          </a:xfrm>
+        </p:spPr>
+        <p:txBody>
+          <a:bodyPr lIns="91440" tIns="45720" rIns="91440" bIns="45720" anchor="t"/>
+          <a:lstStyle/>
+          <a:p>
+            <a:r>
+              <a:rPr lang="en-US" sz="2200" u="sng" dirty="0"/>
+              <a:t>For the purpose of contact tracing</a:t>
+            </a:r>
+            <a:endParaRPr lang="en-US" sz="2200" dirty="0"/>
+          </a:p>
+          <a:p>
+            <a:endParaRPr lang="en-US" sz="2200" dirty="0"/>
+          </a:p>
+          <a:p>
+            <a:r>
+              <a:rPr lang="en-US" sz="2200" dirty="0"/>
+              <a:t>For our standard workshops:</a:t>
+            </a:r>
+          </a:p>
+          <a:p>
+            <a:pPr marL="342900" indent="-342900">
+              <a:buFont typeface="Arial" panose="020B0604020202020204" pitchFamily="34" charset="0"/>
+              <a:buChar char="•"/>
+            </a:pPr>
+            <a:r>
+              <a:rPr lang="en-US" sz="2200" dirty="0"/>
+              <a:t>We will provide the CCT Hub with the complete list of attendees at this workshop</a:t>
+            </a:r>
+          </a:p>
+          <a:p>
+            <a:endParaRPr lang="en-US" sz="2200" dirty="0"/>
+          </a:p>
+          <a:p>
+            <a:r>
+              <a:rPr lang="en-US" sz="2200" dirty="0"/>
+              <a:t>Where our workshops are held in lecture theatres:</a:t>
+            </a:r>
+          </a:p>
+          <a:p>
+            <a:pPr marL="342900" indent="-342900">
+              <a:buFont typeface="Arial" panose="020B0604020202020204" pitchFamily="34" charset="0"/>
+              <a:buChar char="•"/>
+            </a:pPr>
+            <a:r>
+              <a:rPr lang="en-US" sz="2200" dirty="0"/>
+              <a:t>You should keep a record of colleagues that you are sat in </a:t>
+            </a:r>
+            <a:r>
+              <a:rPr lang="en-US" sz="2200"/>
+              <a:t>close contact with </a:t>
+            </a:r>
+            <a:r>
+              <a:rPr lang="en-US" sz="2200" dirty="0"/>
+              <a:t>(within 2 meters)</a:t>
+            </a:r>
+          </a:p>
+          <a:p>
+            <a:endParaRPr lang="en-US" dirty="0"/>
+          </a:p>
+        </p:txBody>
+      </p:sp>
+    </p:spTree>
+    <p:extLst>
+      <p:ext uri="{BB962C8B-B14F-4D97-AF65-F5344CB8AC3E}">
+        <p14:creationId xmlns:p14="http://schemas.microsoft.com/office/powerpoint/2010/main" val="3238657636"/>
+      </p:ext>
+    </p:extLst>
+  </p:cSld>
+  <p:clrMapOvr>
+    <a:masterClrMapping/>
+  </p:clrMapOvr>
+</p:sld>
+</file>
+
+<file path=ppt/slides/slide4.xml><?xml version="1.0" encoding="utf-8"?>
+<p:sld xmlns:a="http://schemas.openxmlformats.org/drawingml/2006/main" xmlns:r="http://schemas.openxmlformats.org/officeDocument/2006/relationships" xmlns:p="http://schemas.openxmlformats.org/presentationml/2006/main">
+  <p:cSld>
+    <p:spTree>
+      <p:nvGrpSpPr>
+        <p:cNvPr id="1" name=""/>
+        <p:cNvGrpSpPr/>
+        <p:nvPr/>
+      </p:nvGrpSpPr>
+      <p:grpSpPr>
+        <a:xfrm>
+          <a:off x="0" y="0"/>
+          <a:ext cx="0" cy="0"/>
+          <a:chOff x="0" y="0"/>
+          <a:chExt cx="0" cy="0"/>
+        </a:xfrm>
+      </p:grpSpPr>
+      <p:sp>
+        <p:nvSpPr>
           <p:cNvPr id="2" name="Title 1"/>
           <p:cNvSpPr>
             <a:spLocks noGrp="1"/>
@@ -4149,7 +4516,7 @@
 </p:sld>
 </file>
 
-<file path=ppt/slides/slide3.xml><?xml version="1.0" encoding="utf-8"?>
+<file path=ppt/slides/slide5.xml><?xml version="1.0" encoding="utf-8"?>
 <p:sld xmlns:a="http://schemas.openxmlformats.org/drawingml/2006/main" xmlns:r="http://schemas.openxmlformats.org/officeDocument/2006/relationships" xmlns:p="http://schemas.openxmlformats.org/presentationml/2006/main">
   <p:cSld>
     <p:spTree>
@@ -4447,7 +4814,7 @@
 </p:sld>
 </file>
 
-<file path=ppt/slides/slide4.xml><?xml version="1.0" encoding="utf-8"?>
+<file path=ppt/slides/slide6.xml><?xml version="1.0" encoding="utf-8"?>
 <p:sld xmlns:a="http://schemas.openxmlformats.org/drawingml/2006/main" xmlns:r="http://schemas.openxmlformats.org/officeDocument/2006/relationships" xmlns:p="http://schemas.openxmlformats.org/presentationml/2006/main">
   <p:cSld>
     <p:spTree>
@@ -4581,7 +4948,7 @@
 </p:sld>
 </file>
 
-<file path=ppt/slides/slide5.xml><?xml version="1.0" encoding="utf-8"?>
+<file path=ppt/slides/slide7.xml><?xml version="1.0" encoding="utf-8"?>
 <p:sld xmlns:a="http://schemas.openxmlformats.org/drawingml/2006/main" xmlns:r="http://schemas.openxmlformats.org/officeDocument/2006/relationships" xmlns:p="http://schemas.openxmlformats.org/presentationml/2006/main">
   <p:cSld>
     <p:spTree>

--- a/Numerical Computing Python Slides.pptx
+++ b/Numerical Computing Python Slides.pptx
@@ -5,19 +5,20 @@
     <p:sldMasterId id="2147483648" r:id="rId1"/>
   </p:sldMasterIdLst>
   <p:notesMasterIdLst>
-    <p:notesMasterId r:id="rId9"/>
+    <p:notesMasterId r:id="rId10"/>
   </p:notesMasterIdLst>
   <p:handoutMasterIdLst>
-    <p:handoutMasterId r:id="rId10"/>
+    <p:handoutMasterId r:id="rId11"/>
   </p:handoutMasterIdLst>
   <p:sldIdLst>
     <p:sldId id="264" r:id="rId2"/>
-    <p:sldId id="258" r:id="rId3"/>
-    <p:sldId id="257" r:id="rId4"/>
-    <p:sldId id="267" r:id="rId5"/>
-    <p:sldId id="281" r:id="rId6"/>
-    <p:sldId id="329" r:id="rId7"/>
-    <p:sldId id="280" r:id="rId8"/>
+    <p:sldId id="504" r:id="rId3"/>
+    <p:sldId id="258" r:id="rId4"/>
+    <p:sldId id="257" r:id="rId5"/>
+    <p:sldId id="267" r:id="rId6"/>
+    <p:sldId id="281" r:id="rId7"/>
+    <p:sldId id="329" r:id="rId8"/>
+    <p:sldId id="280" r:id="rId9"/>
   </p:sldIdLst>
   <p:sldSz cx="9144000" cy="6858000" type="screen4x3"/>
   <p:notesSz cx="7099300" cy="10234613"/>
@@ -122,6 +123,7 @@
         <p14:section name="Introduction" id="{45EEEAF5-8C61-4410-A3AB-B2CD0B57ECF0}">
           <p14:sldIdLst>
             <p14:sldId id="264"/>
+            <p14:sldId id="504"/>
             <p14:sldId id="258"/>
             <p14:sldId id="257"/>
             <p14:sldId id="267"/>
@@ -402,7 +404,7 @@
           <a:p>
             <a:fld id="{88EB714B-C3CC-4216-88C1-02913905B1CF}" type="datetimeFigureOut">
               <a:rPr lang="en-GB" smtClean="0"/>
-              <a:t>04/10/2021</a:t>
+              <a:t>12/10/2021</a:t>
             </a:fld>
             <a:endParaRPr lang="en-GB"/>
           </a:p>
@@ -986,7 +988,7 @@
           <a:p>
             <a:fld id="{6A641EC8-C9F8-4A58-A1A7-F7D817526EEC}" type="slidenum">
               <a:rPr lang="en-GB" smtClean="0"/>
-              <a:t>4</a:t>
+              <a:t>5</a:t>
             </a:fld>
             <a:endParaRPr lang="en-GB"/>
           </a:p>
@@ -1070,7 +1072,7 @@
           <a:p>
             <a:fld id="{6A641EC8-C9F8-4A58-A1A7-F7D817526EEC}" type="slidenum">
               <a:rPr lang="en-GB" smtClean="0"/>
-              <a:t>5</a:t>
+              <a:t>6</a:t>
             </a:fld>
             <a:endParaRPr lang="en-GB"/>
           </a:p>
@@ -1154,7 +1156,7 @@
           <a:p>
             <a:fld id="{6A641EC8-C9F8-4A58-A1A7-F7D817526EEC}" type="slidenum">
               <a:rPr lang="en-GB" smtClean="0"/>
-              <a:t>6</a:t>
+              <a:t>7</a:t>
             </a:fld>
             <a:endParaRPr lang="en-GB"/>
           </a:p>
@@ -1350,7 +1352,7 @@
                   <a:spcPct val="0"/>
                 </a:spcBef>
               </a:pPr>
-              <a:t>7</a:t>
+              <a:t>8</a:t>
             </a:fld>
             <a:endParaRPr lang="en-US" altLang="en-US"/>
           </a:p>
@@ -1783,7 +1785,7 @@
           <a:p>
             <a:fld id="{EB0080F8-EA1C-491D-963C-2C881B2F918F}" type="datetimeFigureOut">
               <a:rPr lang="en-GB" smtClean="0"/>
-              <a:t>04/10/2021</a:t>
+              <a:t>12/10/2021</a:t>
             </a:fld>
             <a:endParaRPr lang="en-GB"/>
           </a:p>
@@ -1933,7 +1935,7 @@
           <a:p>
             <a:fld id="{EB0080F8-EA1C-491D-963C-2C881B2F918F}" type="datetimeFigureOut">
               <a:rPr lang="en-GB" smtClean="0"/>
-              <a:t>04/10/2021</a:t>
+              <a:t>12/10/2021</a:t>
             </a:fld>
             <a:endParaRPr lang="en-GB"/>
           </a:p>
@@ -3466,7 +3468,7 @@
           <a:p>
             <a:fld id="{EB0080F8-EA1C-491D-963C-2C881B2F918F}" type="datetimeFigureOut">
               <a:rPr lang="en-GB" smtClean="0"/>
-              <a:t>04/10/2021</a:t>
+              <a:t>12/10/2021</a:t>
             </a:fld>
             <a:endParaRPr lang="en-GB"/>
           </a:p>
@@ -4001,184 +4003,104 @@
       </p:grpSpPr>
       <p:sp>
         <p:nvSpPr>
-          <p:cNvPr id="4" name="Title 1"/>
-          <p:cNvSpPr txBox="1">
-            <a:spLocks/>
-          </p:cNvSpPr>
+          <p:cNvPr id="2" name="Title 1"/>
+          <p:cNvSpPr>
+            <a:spLocks noGrp="1"/>
+          </p:cNvSpPr>
+          <p:nvPr>
+            <p:ph type="title"/>
+          </p:nvPr>
+        </p:nvSpPr>
+        <p:spPr>
+          <a:xfrm>
+            <a:off x="401319" y="1431416"/>
+            <a:ext cx="8388117" cy="4549506"/>
+          </a:xfrm>
+        </p:spPr>
+        <p:txBody>
+          <a:bodyPr/>
+          <a:lstStyle/>
+          <a:p>
+            <a:pPr algn="ctr"/>
+            <a:r>
+              <a:rPr lang="en-GB" sz="2800" u="sng" dirty="0"/>
+              <a:t>Important Information on Marking your Attendance on Inkpath</a:t>
+            </a:r>
+            <a:br>
+              <a:rPr lang="en-GB" sz="2800" u="sng" dirty="0"/>
+            </a:br>
+            <a:br>
+              <a:rPr lang="en-GB" sz="2800" u="sng" dirty="0"/>
+            </a:br>
+            <a:br>
+              <a:rPr lang="en-GB" sz="2800" dirty="0"/>
+            </a:br>
+            <a:r>
+              <a:rPr lang="en-GB" sz="2800" dirty="0"/>
+              <a:t>After this course you will receive an email from the Graduate School administration team which will provide you with a QR code and instructions to mark your attendance at this course on Inkpath. </a:t>
+            </a:r>
+            <a:br>
+              <a:rPr lang="en-GB" sz="2800" dirty="0"/>
+            </a:br>
+            <a:br>
+              <a:rPr lang="en-GB" sz="2800" dirty="0"/>
+            </a:br>
+            <a:r>
+              <a:rPr lang="en-GB" sz="2800" dirty="0"/>
+              <a:t>Please </a:t>
+            </a:r>
+            <a:r>
+              <a:rPr lang="en-GB" sz="2800" u="sng" dirty="0"/>
+              <a:t>do not</a:t>
+            </a:r>
+            <a:r>
+              <a:rPr lang="en-GB" sz="2800" dirty="0"/>
+              <a:t> mark your attendance until you have received an email from the Graduate School. </a:t>
+            </a:r>
+          </a:p>
+        </p:txBody>
+      </p:sp>
+      <p:sp>
+        <p:nvSpPr>
+          <p:cNvPr id="7" name="TextBox 6"/>
+          <p:cNvSpPr txBox="1"/>
           <p:nvPr/>
         </p:nvSpPr>
         <p:spPr>
           <a:xfrm>
-            <a:off x="401320" y="472966"/>
-            <a:ext cx="5778764" cy="961696"/>
+            <a:off x="552450" y="3214433"/>
+            <a:ext cx="2171700" cy="830997"/>
           </a:xfrm>
           <a:prstGeom prst="rect">
             <a:avLst/>
           </a:prstGeom>
-        </p:spPr>
-        <p:txBody>
-          <a:bodyPr anchor="b"/>
-          <a:lstStyle>
-            <a:lvl1pPr algn="l" defTabSz="457200" rtl="0" eaLnBrk="1" latinLnBrk="0" hangingPunct="1">
-              <a:lnSpc>
-                <a:spcPct val="90000"/>
-              </a:lnSpc>
-              <a:spcBef>
-                <a:spcPct val="0"/>
-              </a:spcBef>
-              <a:buNone/>
-              <a:defRPr sz="4000" b="1" i="0" kern="1200" baseline="0">
-                <a:solidFill>
-                  <a:schemeClr val="tx2"/>
-                </a:solidFill>
-                <a:latin typeface="+mj-lt"/>
-                <a:ea typeface="+mj-ea"/>
-                <a:cs typeface="MetaOT-Bold"/>
-              </a:defRPr>
-            </a:lvl1pPr>
-          </a:lstStyle>
-          <a:p>
-            <a:r>
-              <a:rPr lang="en-US" sz="3200" dirty="0">
-                <a:solidFill>
-                  <a:schemeClr val="accent3"/>
-                </a:solidFill>
-              </a:rPr>
-              <a:t>Expectations:  Covid-safe teaching environments</a:t>
-            </a:r>
-          </a:p>
-        </p:txBody>
-      </p:sp>
-      <p:sp>
-        <p:nvSpPr>
-          <p:cNvPr id="5" name="Subtitle 2"/>
-          <p:cNvSpPr>
-            <a:spLocks noGrp="1"/>
-          </p:cNvSpPr>
-          <p:nvPr>
-            <p:ph type="subTitle" idx="1"/>
-          </p:nvPr>
-        </p:nvSpPr>
-        <p:spPr>
-          <a:xfrm>
-            <a:off x="401320" y="1631731"/>
-            <a:ext cx="8490432" cy="4548352"/>
-          </a:xfrm>
-        </p:spPr>
-        <p:txBody>
-          <a:bodyPr lIns="91440" tIns="45720" rIns="91440" bIns="45720" anchor="t"/>
+          <a:noFill/>
+        </p:spPr>
+        <p:txBody>
+          <a:bodyPr wrap="square" rtlCol="0">
+            <a:spAutoFit/>
+          </a:bodyPr>
           <a:lstStyle/>
           <a:p>
-            <a:r>
-              <a:rPr lang="en-US" sz="2200" u="sng" dirty="0">
-                <a:ea typeface="+mj-lt"/>
-                <a:cs typeface="+mj-lt"/>
-              </a:rPr>
-              <a:t>Face coverings</a:t>
-            </a:r>
-          </a:p>
-          <a:p>
-            <a:pPr marL="457200" indent="-457200">
-              <a:buFont typeface="Arial" panose="020B0604020202020204" pitchFamily="34" charset="0"/>
-              <a:buChar char="•"/>
-            </a:pPr>
-            <a:r>
-              <a:rPr lang="en-GB" sz="2200" dirty="0">
-                <a:latin typeface="+mn-lt"/>
-                <a:ea typeface="Calibri" panose="020F0502020204030204" pitchFamily="34" charset="0"/>
-                <a:cs typeface="Times New Roman"/>
-              </a:rPr>
-              <a:t>You are expected to wear a face covering </a:t>
-            </a:r>
-            <a:endParaRPr lang="en-GB" sz="2200" dirty="0"/>
-          </a:p>
-          <a:p>
-            <a:pPr marL="457200" indent="-457200">
-              <a:buFont typeface="Arial" panose="020B0604020202020204" pitchFamily="34" charset="0"/>
-              <a:buChar char="•"/>
-            </a:pPr>
-            <a:r>
-              <a:rPr lang="en-US" sz="2200" dirty="0">
-                <a:ea typeface="+mj-lt"/>
-                <a:cs typeface="+mj-lt"/>
-              </a:rPr>
-              <a:t>Tutors will deliver their workshop 2 meters distance from </a:t>
-            </a:r>
-            <a:r>
-              <a:rPr lang="en-US" sz="2200">
-                <a:ea typeface="+mj-lt"/>
-                <a:cs typeface="+mj-lt"/>
-              </a:rPr>
-              <a:t>you </a:t>
-            </a:r>
-            <a:endParaRPr lang="en-US" sz="2200" dirty="0">
-              <a:ea typeface="+mj-lt"/>
-              <a:cs typeface="+mj-lt"/>
+            <a:endParaRPr lang="en-GB" sz="2400" dirty="0">
+              <a:solidFill>
+                <a:srgbClr val="002060"/>
+              </a:solidFill>
             </a:endParaRPr>
           </a:p>
           <a:p>
-            <a:endParaRPr lang="en-US" sz="2200" u="sng" dirty="0">
-              <a:latin typeface="+mn-lt"/>
-              <a:ea typeface="+mj-lt"/>
-              <a:cs typeface="+mj-lt"/>
+            <a:endParaRPr lang="en-GB" sz="2400" dirty="0">
+              <a:solidFill>
+                <a:srgbClr val="002060"/>
+              </a:solidFill>
             </a:endParaRPr>
-          </a:p>
-          <a:p>
-            <a:r>
-              <a:rPr lang="en-US" sz="2200" u="sng" dirty="0">
-                <a:latin typeface="+mn-lt"/>
-                <a:ea typeface="+mj-lt"/>
-                <a:cs typeface="+mj-lt"/>
-              </a:rPr>
-              <a:t>Hygiene</a:t>
-            </a:r>
-            <a:endParaRPr lang="en-GB" sz="2200" u="sng" dirty="0">
-              <a:latin typeface="+mn-lt"/>
-              <a:ea typeface="Calibri" panose="020F0502020204030204" pitchFamily="34" charset="0"/>
-              <a:cs typeface="Times New Roman"/>
-            </a:endParaRPr>
-          </a:p>
-          <a:p>
-            <a:pPr marL="457200" indent="-457200">
-              <a:buFont typeface="Arial" panose="020B0604020202020204" pitchFamily="34" charset="0"/>
-              <a:buChar char="•"/>
-            </a:pPr>
-            <a:r>
-              <a:rPr lang="en-US" sz="2200" dirty="0"/>
-              <a:t>Where hand </a:t>
-            </a:r>
-            <a:r>
-              <a:rPr lang="en-US" sz="2200" dirty="0" err="1"/>
-              <a:t>sanitiser</a:t>
-            </a:r>
-            <a:r>
-              <a:rPr lang="en-US" sz="2200" dirty="0"/>
-              <a:t> is available, please use it</a:t>
-            </a:r>
-          </a:p>
-          <a:p>
-            <a:pPr marL="457200" indent="-457200">
-              <a:buFont typeface="Arial" panose="020B0604020202020204" pitchFamily="34" charset="0"/>
-              <a:buChar char="•"/>
-            </a:pPr>
-            <a:r>
-              <a:rPr lang="en-US" sz="2200" dirty="0"/>
-              <a:t>Please wipe down any communal/shared course materials/equipment </a:t>
-            </a:r>
-          </a:p>
-          <a:p>
-            <a:pPr marL="457200" indent="-457200">
-              <a:buFont typeface="Arial" panose="020B0604020202020204" pitchFamily="34" charset="0"/>
-              <a:buChar char="•"/>
-            </a:pPr>
-            <a:endParaRPr lang="en-US" sz="2400" dirty="0"/>
           </a:p>
         </p:txBody>
       </p:sp>
     </p:spTree>
     <p:extLst>
       <p:ext uri="{BB962C8B-B14F-4D97-AF65-F5344CB8AC3E}">
-        <p14:creationId xmlns:p14="http://schemas.microsoft.com/office/powerpoint/2010/main" val="70908208"/>
+        <p14:creationId xmlns:p14="http://schemas.microsoft.com/office/powerpoint/2010/main" val="3686223621"/>
       </p:ext>
     </p:extLst>
   </p:cSld>
@@ -4215,8 +4137,8 @@
         </p:nvSpPr>
         <p:spPr>
           <a:xfrm>
-            <a:off x="401319" y="472966"/>
-            <a:ext cx="5558047" cy="930165"/>
+            <a:off x="401320" y="472966"/>
+            <a:ext cx="5778764" cy="961696"/>
           </a:xfrm>
           <a:prstGeom prst="rect">
             <a:avLst/>
@@ -4267,8 +4189,8 @@
         </p:nvSpPr>
         <p:spPr>
           <a:xfrm>
-            <a:off x="189186" y="1450427"/>
-            <a:ext cx="8797158" cy="4020208"/>
+            <a:off x="401320" y="1631731"/>
+            <a:ext cx="8490432" cy="4548352"/>
           </a:xfrm>
         </p:spPr>
         <p:txBody>
@@ -4276,66 +4198,115 @@
           <a:lstStyle/>
           <a:p>
             <a:r>
-              <a:rPr lang="en-US" sz="2200" u="sng" dirty="0"/>
-              <a:t>For the purpose of contact tracing</a:t>
-            </a:r>
-            <a:endParaRPr lang="en-US" sz="2200" dirty="0"/>
-          </a:p>
-          <a:p>
-            <a:endParaRPr lang="en-US" sz="2200" dirty="0"/>
-          </a:p>
-          <a:p>
-            <a:r>
-              <a:rPr lang="en-US" sz="2200" dirty="0"/>
-              <a:t>For our standard workshops:</a:t>
-            </a:r>
-          </a:p>
-          <a:p>
-            <a:pPr marL="342900" indent="-342900">
+              <a:rPr lang="en-US" sz="2200" u="sng" dirty="0">
+                <a:ea typeface="+mj-lt"/>
+                <a:cs typeface="+mj-lt"/>
+              </a:rPr>
+              <a:t>Face coverings</a:t>
+            </a:r>
+          </a:p>
+          <a:p>
+            <a:pPr marL="457200" indent="-457200">
               <a:buFont typeface="Arial" panose="020B0604020202020204" pitchFamily="34" charset="0"/>
               <a:buChar char="•"/>
             </a:pPr>
             <a:r>
-              <a:rPr lang="en-US" sz="2200" dirty="0"/>
-              <a:t>We will provide the CCT Hub with the complete list of attendees at this workshop</a:t>
-            </a:r>
-          </a:p>
-          <a:p>
-            <a:endParaRPr lang="en-US" sz="2200" dirty="0"/>
-          </a:p>
-          <a:p>
-            <a:r>
-              <a:rPr lang="en-US" sz="2200" dirty="0"/>
-              <a:t>Where our workshops are held in lecture theatres:</a:t>
-            </a:r>
-          </a:p>
-          <a:p>
-            <a:pPr marL="342900" indent="-342900">
+              <a:rPr lang="en-GB" sz="2200" dirty="0">
+                <a:latin typeface="+mn-lt"/>
+                <a:ea typeface="Calibri" panose="020F0502020204030204" pitchFamily="34" charset="0"/>
+                <a:cs typeface="Times New Roman"/>
+              </a:rPr>
+              <a:t>You are expected to wear a face covering </a:t>
+            </a:r>
+            <a:endParaRPr lang="en-GB" sz="2200" dirty="0"/>
+          </a:p>
+          <a:p>
+            <a:pPr marL="457200" indent="-457200">
               <a:buFont typeface="Arial" panose="020B0604020202020204" pitchFamily="34" charset="0"/>
               <a:buChar char="•"/>
             </a:pPr>
             <a:r>
+              <a:rPr lang="en-US" sz="2200" dirty="0">
+                <a:ea typeface="+mj-lt"/>
+                <a:cs typeface="+mj-lt"/>
+              </a:rPr>
+              <a:t>Tutors will deliver their workshop 2 meters distance from </a:t>
+            </a:r>
+            <a:r>
+              <a:rPr lang="en-US" sz="2200">
+                <a:ea typeface="+mj-lt"/>
+                <a:cs typeface="+mj-lt"/>
+              </a:rPr>
+              <a:t>you </a:t>
+            </a:r>
+            <a:endParaRPr lang="en-US" sz="2200" dirty="0">
+              <a:ea typeface="+mj-lt"/>
+              <a:cs typeface="+mj-lt"/>
+            </a:endParaRPr>
+          </a:p>
+          <a:p>
+            <a:endParaRPr lang="en-US" sz="2200" u="sng" dirty="0">
+              <a:latin typeface="+mn-lt"/>
+              <a:ea typeface="+mj-lt"/>
+              <a:cs typeface="+mj-lt"/>
+            </a:endParaRPr>
+          </a:p>
+          <a:p>
+            <a:r>
+              <a:rPr lang="en-US" sz="2200" u="sng" dirty="0">
+                <a:latin typeface="+mn-lt"/>
+                <a:ea typeface="+mj-lt"/>
+                <a:cs typeface="+mj-lt"/>
+              </a:rPr>
+              <a:t>Hygiene</a:t>
+            </a:r>
+            <a:endParaRPr lang="en-GB" sz="2200" u="sng" dirty="0">
+              <a:latin typeface="+mn-lt"/>
+              <a:ea typeface="Calibri" panose="020F0502020204030204" pitchFamily="34" charset="0"/>
+              <a:cs typeface="Times New Roman"/>
+            </a:endParaRPr>
+          </a:p>
+          <a:p>
+            <a:pPr marL="457200" indent="-457200">
+              <a:buFont typeface="Arial" panose="020B0604020202020204" pitchFamily="34" charset="0"/>
+              <a:buChar char="•"/>
+            </a:pPr>
+            <a:r>
               <a:rPr lang="en-US" sz="2200" dirty="0"/>
-              <a:t>You should keep a record of colleagues that you are sat in </a:t>
-            </a:r>
-            <a:r>
-              <a:rPr lang="en-US" sz="2200"/>
-              <a:t>close contact with </a:t>
+              <a:t>Where hand </a:t>
+            </a:r>
+            <a:r>
+              <a:rPr lang="en-US" sz="2200" dirty="0" err="1"/>
+              <a:t>sanitiser</a:t>
             </a:r>
             <a:r>
               <a:rPr lang="en-US" sz="2200" dirty="0"/>
-              <a:t>(within 2 meters)</a:t>
-            </a:r>
-          </a:p>
-          <a:p>
-            <a:endParaRPr lang="en-US" dirty="0"/>
+              <a:t> is available, please use it</a:t>
+            </a:r>
+          </a:p>
+          <a:p>
+            <a:pPr marL="457200" indent="-457200">
+              <a:buFont typeface="Arial" panose="020B0604020202020204" pitchFamily="34" charset="0"/>
+              <a:buChar char="•"/>
+            </a:pPr>
+            <a:r>
+              <a:rPr lang="en-US" sz="2200" dirty="0"/>
+              <a:t>Please wipe down any communal/shared course materials/equipment </a:t>
+            </a:r>
+          </a:p>
+          <a:p>
+            <a:pPr marL="457200" indent="-457200">
+              <a:buFont typeface="Arial" panose="020B0604020202020204" pitchFamily="34" charset="0"/>
+              <a:buChar char="•"/>
+            </a:pPr>
+            <a:endParaRPr lang="en-US" sz="2400" dirty="0"/>
           </a:p>
         </p:txBody>
       </p:sp>
     </p:spTree>
     <p:extLst>
       <p:ext uri="{BB962C8B-B14F-4D97-AF65-F5344CB8AC3E}">
-        <p14:creationId xmlns:p14="http://schemas.microsoft.com/office/powerpoint/2010/main" val="3238657636"/>
+        <p14:creationId xmlns:p14="http://schemas.microsoft.com/office/powerpoint/2010/main" val="70908208"/>
       </p:ext>
     </p:extLst>
   </p:cSld>
@@ -4364,155 +4335,141 @@
       </p:grpSpPr>
       <p:sp>
         <p:nvSpPr>
-          <p:cNvPr id="2" name="Title 1"/>
+          <p:cNvPr id="4" name="Title 1"/>
+          <p:cNvSpPr txBox="1">
+            <a:spLocks/>
+          </p:cNvSpPr>
+          <p:nvPr/>
+        </p:nvSpPr>
+        <p:spPr>
+          <a:xfrm>
+            <a:off x="401319" y="472966"/>
+            <a:ext cx="5558047" cy="930165"/>
+          </a:xfrm>
+          <a:prstGeom prst="rect">
+            <a:avLst/>
+          </a:prstGeom>
+        </p:spPr>
+        <p:txBody>
+          <a:bodyPr anchor="b"/>
+          <a:lstStyle>
+            <a:lvl1pPr algn="l" defTabSz="457200" rtl="0" eaLnBrk="1" latinLnBrk="0" hangingPunct="1">
+              <a:lnSpc>
+                <a:spcPct val="90000"/>
+              </a:lnSpc>
+              <a:spcBef>
+                <a:spcPct val="0"/>
+              </a:spcBef>
+              <a:buNone/>
+              <a:defRPr sz="4000" b="1" i="0" kern="1200" baseline="0">
+                <a:solidFill>
+                  <a:schemeClr val="tx2"/>
+                </a:solidFill>
+                <a:latin typeface="+mj-lt"/>
+                <a:ea typeface="+mj-ea"/>
+                <a:cs typeface="MetaOT-Bold"/>
+              </a:defRPr>
+            </a:lvl1pPr>
+          </a:lstStyle>
+          <a:p>
+            <a:r>
+              <a:rPr lang="en-US" sz="3200" dirty="0">
+                <a:solidFill>
+                  <a:schemeClr val="accent3"/>
+                </a:solidFill>
+              </a:rPr>
+              <a:t>Expectations:  Covid-safe teaching environments</a:t>
+            </a:r>
+          </a:p>
+        </p:txBody>
+      </p:sp>
+      <p:sp>
+        <p:nvSpPr>
+          <p:cNvPr id="5" name="Subtitle 2"/>
           <p:cNvSpPr>
             <a:spLocks noGrp="1"/>
           </p:cNvSpPr>
           <p:nvPr>
-            <p:ph type="title"/>
-          </p:nvPr>
-        </p:nvSpPr>
-        <p:spPr/>
-        <p:txBody>
-          <a:bodyPr/>
+            <p:ph type="subTitle" idx="1"/>
+          </p:nvPr>
+        </p:nvSpPr>
+        <p:spPr>
+          <a:xfrm>
+            <a:off x="189186" y="1450427"/>
+            <a:ext cx="8797158" cy="4020208"/>
+          </a:xfrm>
+        </p:spPr>
+        <p:txBody>
+          <a:bodyPr lIns="91440" tIns="45720" rIns="91440" bIns="45720" anchor="t"/>
           <a:lstStyle/>
           <a:p>
             <a:r>
-              <a:rPr lang="en-GB" sz="4000" dirty="0"/>
-              <a:t>Learning Outcomes</a:t>
-            </a:r>
-          </a:p>
-        </p:txBody>
-      </p:sp>
-      <p:sp>
-        <p:nvSpPr>
-          <p:cNvPr id="3" name="Content Placeholder 2"/>
-          <p:cNvSpPr>
-            <a:spLocks noGrp="1"/>
-          </p:cNvSpPr>
-          <p:nvPr>
-            <p:ph idx="1"/>
-          </p:nvPr>
-        </p:nvSpPr>
-        <p:spPr>
-          <a:xfrm>
-            <a:off x="457200" y="1600200"/>
-            <a:ext cx="8435280" cy="4876800"/>
-          </a:xfrm>
-        </p:spPr>
-        <p:txBody>
-          <a:bodyPr>
-            <a:normAutofit/>
-          </a:bodyPr>
-          <a:lstStyle/>
-          <a:p>
-            <a:pPr marL="514350" lvl="0" indent="-514350">
-              <a:lnSpc>
-                <a:spcPct val="107000"/>
-              </a:lnSpc>
-              <a:buAutoNum type="arabicPeriod"/>
+              <a:rPr lang="en-US" sz="2200" u="sng" dirty="0"/>
+              <a:t>For the purpose of contact tracing</a:t>
+            </a:r>
+            <a:endParaRPr lang="en-US" sz="2200" dirty="0"/>
+          </a:p>
+          <a:p>
+            <a:endParaRPr lang="en-US" sz="2200" dirty="0"/>
+          </a:p>
+          <a:p>
+            <a:r>
+              <a:rPr lang="en-US" sz="2200" dirty="0"/>
+              <a:t>For our standard workshops:</a:t>
+            </a:r>
+          </a:p>
+          <a:p>
+            <a:pPr marL="342900" indent="-342900">
+              <a:buFont typeface="Arial" panose="020B0604020202020204" pitchFamily="34" charset="0"/>
+              <a:buChar char="•"/>
             </a:pPr>
             <a:r>
-              <a:rPr lang="en-GB" sz="3000" b="1" dirty="0">
-                <a:latin typeface="Arial" panose="020B0604020202020204" pitchFamily="34" charset="0"/>
-                <a:cs typeface="Arial" panose="020B0604020202020204" pitchFamily="34" charset="0"/>
-              </a:rPr>
-              <a:t>Describe</a:t>
-            </a:r>
-            <a:r>
-              <a:rPr lang="en-GB" sz="3000" dirty="0">
-                <a:latin typeface="Arial" panose="020B0604020202020204" pitchFamily="34" charset="0"/>
-                <a:cs typeface="Arial" panose="020B0604020202020204" pitchFamily="34" charset="0"/>
-              </a:rPr>
-              <a:t> the key functionality and advantages of NumPy and SciPy</a:t>
-            </a:r>
-          </a:p>
-          <a:p>
-            <a:pPr marL="514350" lvl="0" indent="-514350">
-              <a:lnSpc>
-                <a:spcPct val="107000"/>
-              </a:lnSpc>
-              <a:buAutoNum type="arabicPeriod"/>
+              <a:rPr lang="en-US" sz="2200" dirty="0"/>
+              <a:t>We will provide the CCT Hub with the complete list of attendees at this workshop</a:t>
+            </a:r>
+          </a:p>
+          <a:p>
+            <a:endParaRPr lang="en-US" sz="2200" dirty="0"/>
+          </a:p>
+          <a:p>
+            <a:r>
+              <a:rPr lang="en-US" sz="2200" dirty="0"/>
+              <a:t>Where our workshops are held in lecture theatres:</a:t>
+            </a:r>
+          </a:p>
+          <a:p>
+            <a:pPr marL="342900" indent="-342900">
+              <a:buFont typeface="Arial" panose="020B0604020202020204" pitchFamily="34" charset="0"/>
+              <a:buChar char="•"/>
             </a:pPr>
             <a:r>
-              <a:rPr lang="en-GB" sz="3000" b="1" dirty="0">
-                <a:latin typeface="Arial" panose="020B0604020202020204" pitchFamily="34" charset="0"/>
-                <a:cs typeface="Arial" panose="020B0604020202020204" pitchFamily="34" charset="0"/>
-              </a:rPr>
-              <a:t>Utilise</a:t>
-            </a:r>
-            <a:r>
-              <a:rPr lang="en-GB" sz="3000" dirty="0">
-                <a:latin typeface="Arial" panose="020B0604020202020204" pitchFamily="34" charset="0"/>
-                <a:cs typeface="Arial" panose="020B0604020202020204" pitchFamily="34" charset="0"/>
-              </a:rPr>
-              <a:t> NumPy arrays to store and perform operations on data sets</a:t>
-            </a:r>
-          </a:p>
-          <a:p>
-            <a:pPr marL="514350" lvl="0" indent="-514350">
-              <a:lnSpc>
-                <a:spcPct val="107000"/>
-              </a:lnSpc>
-              <a:buAutoNum type="arabicPeriod"/>
-            </a:pPr>
-            <a:r>
-              <a:rPr lang="en-GB" sz="3000" b="1" dirty="0">
-                <a:latin typeface="Arial" panose="020B0604020202020204" pitchFamily="34" charset="0"/>
-                <a:cs typeface="Arial" panose="020B0604020202020204" pitchFamily="34" charset="0"/>
-              </a:rPr>
-              <a:t>Locate</a:t>
-            </a:r>
-            <a:r>
-              <a:rPr lang="en-GB" sz="3000" dirty="0">
-                <a:latin typeface="Arial" panose="020B0604020202020204" pitchFamily="34" charset="0"/>
-                <a:cs typeface="Arial" panose="020B0604020202020204" pitchFamily="34" charset="0"/>
-              </a:rPr>
-              <a:t> appropriate SciPy functions for a specific problem</a:t>
-            </a:r>
-          </a:p>
-          <a:p>
-            <a:pPr marL="514350" lvl="0" indent="-514350">
-              <a:lnSpc>
-                <a:spcPct val="107000"/>
-              </a:lnSpc>
-              <a:buAutoNum type="arabicPeriod"/>
-            </a:pPr>
-            <a:r>
-              <a:rPr lang="en-GB" sz="3000" b="1" dirty="0">
-                <a:latin typeface="Arial" panose="020B0604020202020204" pitchFamily="34" charset="0"/>
-                <a:cs typeface="Arial" panose="020B0604020202020204" pitchFamily="34" charset="0"/>
-              </a:rPr>
-              <a:t>Create</a:t>
-            </a:r>
-            <a:r>
-              <a:rPr lang="en-GB" sz="3000" dirty="0">
-                <a:latin typeface="Arial" panose="020B0604020202020204" pitchFamily="34" charset="0"/>
-                <a:cs typeface="Arial" panose="020B0604020202020204" pitchFamily="34" charset="0"/>
-              </a:rPr>
-              <a:t> basic programs using NumPy and SciPy to solve numerical problems</a:t>
-            </a:r>
+              <a:rPr lang="en-US" sz="2200" dirty="0"/>
+              <a:t>You should keep a record of colleagues that you are sat in </a:t>
+            </a:r>
+            <a:r>
+              <a:rPr lang="en-US" sz="2200"/>
+              <a:t>close contact with </a:t>
+            </a:r>
+            <a:r>
+              <a:rPr lang="en-US" sz="2200" dirty="0"/>
+              <a:t>(within 2 meters)</a:t>
+            </a:r>
+          </a:p>
+          <a:p>
+            <a:endParaRPr lang="en-US" dirty="0"/>
           </a:p>
         </p:txBody>
       </p:sp>
     </p:spTree>
     <p:extLst>
       <p:ext uri="{BB962C8B-B14F-4D97-AF65-F5344CB8AC3E}">
-        <p14:creationId xmlns:p14="http://schemas.microsoft.com/office/powerpoint/2010/main" val="3248724752"/>
+        <p14:creationId xmlns:p14="http://schemas.microsoft.com/office/powerpoint/2010/main" val="3238657636"/>
       </p:ext>
     </p:extLst>
   </p:cSld>
   <p:clrMapOvr>
     <a:masterClrMapping/>
   </p:clrMapOvr>
-  <mc:AlternateContent xmlns:mc="http://schemas.openxmlformats.org/markup-compatibility/2006" xmlns:p14="http://schemas.microsoft.com/office/powerpoint/2010/main">
-    <mc:Choice Requires="p14">
-      <p:transition p14:dur="10"/>
-    </mc:Choice>
-    <mc:Fallback xmlns="">
-      <p:transition/>
-    </mc:Fallback>
-  </mc:AlternateContent>
 </p:sld>
 </file>
 
@@ -4550,7 +4507,7 @@
           <a:p>
             <a:r>
               <a:rPr lang="en-GB" sz="4000" dirty="0"/>
-              <a:t>Notebook Links</a:t>
+              <a:t>Learning Outcomes</a:t>
             </a:r>
           </a:p>
         </p:txBody>
@@ -4573,230 +4530,103 @@
         </p:spPr>
         <p:txBody>
           <a:bodyPr>
-            <a:normAutofit lnSpcReduction="10000"/>
+            <a:normAutofit/>
           </a:bodyPr>
           <a:lstStyle/>
           <a:p>
-            <a:r>
-              <a:rPr lang="en-GB" b="0" i="0" u="none" strike="noStrike" dirty="0">
-                <a:solidFill>
-                  <a:srgbClr val="C9D1D9"/>
-                </a:solidFill>
-                <a:effectLst/>
-                <a:latin typeface="+mj-lt"/>
-                <a:hlinkClick r:id="rId3"/>
+            <a:pPr marL="514350" lvl="0" indent="-514350">
+              <a:lnSpc>
+                <a:spcPct val="107000"/>
+              </a:lnSpc>
+              <a:buAutoNum type="arabicPeriod"/>
+            </a:pPr>
+            <a:r>
+              <a:rPr lang="en-GB" sz="3000" b="1" dirty="0">
+                <a:latin typeface="Arial" panose="020B0604020202020204" pitchFamily="34" charset="0"/>
+                <a:cs typeface="Arial" panose="020B0604020202020204" pitchFamily="34" charset="0"/>
               </a:rPr>
-              <a:t>What Are NumPy and SciPy</a:t>
-            </a:r>
-            <a:endParaRPr lang="en-GB" b="0" i="0" dirty="0">
-              <a:solidFill>
-                <a:srgbClr val="C9D1D9"/>
-              </a:solidFill>
-              <a:effectLst/>
-              <a:latin typeface="+mj-lt"/>
-            </a:endParaRPr>
-          </a:p>
-          <a:p>
-            <a:pPr algn="l">
-              <a:buFont typeface="Arial" panose="020B0604020202020204" pitchFamily="34" charset="0"/>
-              <a:buChar char="•"/>
+              <a:t>Describe</a:t>
+            </a:r>
+            <a:r>
+              <a:rPr lang="en-GB" sz="3000" dirty="0">
+                <a:latin typeface="Arial" panose="020B0604020202020204" pitchFamily="34" charset="0"/>
+                <a:cs typeface="Arial" panose="020B0604020202020204" pitchFamily="34" charset="0"/>
+              </a:rPr>
+              <a:t> the key functionality and advantages of NumPy and SciPy</a:t>
+            </a:r>
+          </a:p>
+          <a:p>
+            <a:pPr marL="514350" lvl="0" indent="-514350">
+              <a:lnSpc>
+                <a:spcPct val="107000"/>
+              </a:lnSpc>
+              <a:buAutoNum type="arabicPeriod"/>
             </a:pPr>
             <a:r>
-              <a:rPr lang="en-GB" b="0" i="0" u="sng" dirty="0">
-                <a:solidFill>
-                  <a:srgbClr val="C9D1D9"/>
-                </a:solidFill>
-                <a:effectLst/>
-                <a:latin typeface="+mj-lt"/>
-                <a:hlinkClick r:id="rId4"/>
+              <a:rPr lang="en-GB" sz="3000" b="1" dirty="0">
+                <a:latin typeface="Arial" panose="020B0604020202020204" pitchFamily="34" charset="0"/>
+                <a:cs typeface="Arial" panose="020B0604020202020204" pitchFamily="34" charset="0"/>
               </a:rPr>
-              <a:t>Creating and Manipulating NumPy Arrays</a:t>
-            </a:r>
-            <a:endParaRPr lang="en-GB" b="0" i="0" dirty="0">
-              <a:solidFill>
-                <a:srgbClr val="C9D1D9"/>
-              </a:solidFill>
-              <a:effectLst/>
-              <a:latin typeface="+mj-lt"/>
-            </a:endParaRPr>
-          </a:p>
-          <a:p>
-            <a:pPr algn="l">
-              <a:buFont typeface="Arial" panose="020B0604020202020204" pitchFamily="34" charset="0"/>
-              <a:buChar char="•"/>
+              <a:t>Utilise</a:t>
+            </a:r>
+            <a:r>
+              <a:rPr lang="en-GB" sz="3000" dirty="0">
+                <a:latin typeface="Arial" panose="020B0604020202020204" pitchFamily="34" charset="0"/>
+                <a:cs typeface="Arial" panose="020B0604020202020204" pitchFamily="34" charset="0"/>
+              </a:rPr>
+              <a:t> NumPy arrays to store and perform operations on data sets</a:t>
+            </a:r>
+          </a:p>
+          <a:p>
+            <a:pPr marL="514350" lvl="0" indent="-514350">
+              <a:lnSpc>
+                <a:spcPct val="107000"/>
+              </a:lnSpc>
+              <a:buAutoNum type="arabicPeriod"/>
             </a:pPr>
             <a:r>
-              <a:rPr lang="en-GB" b="0" i="0" u="none" strike="noStrike" dirty="0">
-                <a:solidFill>
-                  <a:srgbClr val="C9D1D9"/>
-                </a:solidFill>
-                <a:effectLst/>
-                <a:latin typeface="+mj-lt"/>
-                <a:hlinkClick r:id="rId5"/>
+              <a:rPr lang="en-GB" sz="3000" b="1" dirty="0">
+                <a:latin typeface="Arial" panose="020B0604020202020204" pitchFamily="34" charset="0"/>
+                <a:cs typeface="Arial" panose="020B0604020202020204" pitchFamily="34" charset="0"/>
               </a:rPr>
-              <a:t>Array Operations</a:t>
-            </a:r>
-            <a:endParaRPr lang="en-GB" b="0" i="0" dirty="0">
-              <a:solidFill>
-                <a:srgbClr val="C9D1D9"/>
-              </a:solidFill>
-              <a:effectLst/>
-              <a:latin typeface="+mj-lt"/>
-            </a:endParaRPr>
-          </a:p>
-          <a:p>
-            <a:pPr algn="l">
-              <a:buFont typeface="Arial" panose="020B0604020202020204" pitchFamily="34" charset="0"/>
-              <a:buChar char="•"/>
+              <a:t>Locate</a:t>
+            </a:r>
+            <a:r>
+              <a:rPr lang="en-GB" sz="3000" dirty="0">
+                <a:latin typeface="Arial" panose="020B0604020202020204" pitchFamily="34" charset="0"/>
+                <a:cs typeface="Arial" panose="020B0604020202020204" pitchFamily="34" charset="0"/>
+              </a:rPr>
+              <a:t> appropriate SciPy functions for a specific problem</a:t>
+            </a:r>
+          </a:p>
+          <a:p>
+            <a:pPr marL="514350" lvl="0" indent="-514350">
+              <a:lnSpc>
+                <a:spcPct val="107000"/>
+              </a:lnSpc>
+              <a:buAutoNum type="arabicPeriod"/>
             </a:pPr>
             <a:r>
-              <a:rPr lang="en-GB" b="0" i="0" u="none" strike="noStrike" dirty="0">
-                <a:solidFill>
-                  <a:srgbClr val="C9D1D9"/>
-                </a:solidFill>
-                <a:effectLst/>
-                <a:latin typeface="+mj-lt"/>
-                <a:hlinkClick r:id="rId6"/>
+              <a:rPr lang="en-GB" sz="3000" b="1" dirty="0">
+                <a:latin typeface="Arial" panose="020B0604020202020204" pitchFamily="34" charset="0"/>
+                <a:cs typeface="Arial" panose="020B0604020202020204" pitchFamily="34" charset="0"/>
               </a:rPr>
-              <a:t>Calculus</a:t>
-            </a:r>
-            <a:endParaRPr lang="en-GB" b="0" i="0" dirty="0">
-              <a:solidFill>
-                <a:srgbClr val="C9D1D9"/>
-              </a:solidFill>
-              <a:effectLst/>
-              <a:latin typeface="+mj-lt"/>
-            </a:endParaRPr>
-          </a:p>
-          <a:p>
-            <a:pPr algn="l">
-              <a:buFont typeface="Arial" panose="020B0604020202020204" pitchFamily="34" charset="0"/>
-              <a:buChar char="•"/>
-            </a:pPr>
-            <a:r>
-              <a:rPr lang="en-GB" b="0" i="0" u="none" strike="noStrike" dirty="0">
-                <a:solidFill>
-                  <a:srgbClr val="C9D1D9"/>
-                </a:solidFill>
-                <a:effectLst/>
-                <a:latin typeface="+mj-lt"/>
-                <a:hlinkClick r:id="rId7"/>
+              <a:t>Create</a:t>
+            </a:r>
+            <a:r>
+              <a:rPr lang="en-GB" sz="3000" dirty="0">
+                <a:latin typeface="Arial" panose="020B0604020202020204" pitchFamily="34" charset="0"/>
+                <a:cs typeface="Arial" panose="020B0604020202020204" pitchFamily="34" charset="0"/>
               </a:rPr>
-              <a:t>Built-In Functions</a:t>
-            </a:r>
-            <a:endParaRPr lang="en-GB" b="0" i="0" dirty="0">
-              <a:solidFill>
-                <a:srgbClr val="C9D1D9"/>
-              </a:solidFill>
-              <a:effectLst/>
-              <a:latin typeface="+mj-lt"/>
-            </a:endParaRPr>
-          </a:p>
-          <a:p>
-            <a:pPr algn="l">
-              <a:buFont typeface="Arial" panose="020B0604020202020204" pitchFamily="34" charset="0"/>
-              <a:buChar char="•"/>
-            </a:pPr>
-            <a:r>
-              <a:rPr lang="en-GB" b="0" i="0" u="none" strike="noStrike" dirty="0">
-                <a:solidFill>
-                  <a:srgbClr val="C9D1D9"/>
-                </a:solidFill>
-                <a:effectLst/>
-                <a:latin typeface="+mj-lt"/>
-                <a:hlinkClick r:id="rId8"/>
-              </a:rPr>
-              <a:t>Initial Value Problems</a:t>
-            </a:r>
-            <a:endParaRPr lang="en-GB" b="0" i="0" dirty="0">
-              <a:solidFill>
-                <a:srgbClr val="C9D1D9"/>
-              </a:solidFill>
-              <a:effectLst/>
-              <a:latin typeface="+mj-lt"/>
-            </a:endParaRPr>
-          </a:p>
-          <a:p>
-            <a:pPr algn="l">
-              <a:buFont typeface="Arial" panose="020B0604020202020204" pitchFamily="34" charset="0"/>
-              <a:buChar char="•"/>
-            </a:pPr>
-            <a:r>
-              <a:rPr lang="en-GB" b="0" i="0" u="none" strike="noStrike" dirty="0">
-                <a:solidFill>
-                  <a:srgbClr val="C9D1D9"/>
-                </a:solidFill>
-                <a:effectLst/>
-                <a:latin typeface="+mj-lt"/>
-                <a:hlinkClick r:id="rId9"/>
-              </a:rPr>
-              <a:t>Other Features</a:t>
-            </a:r>
-            <a:endParaRPr lang="en-GB" b="0" i="0" dirty="0">
-              <a:solidFill>
-                <a:srgbClr val="C9D1D9"/>
-              </a:solidFill>
-              <a:effectLst/>
-              <a:latin typeface="+mj-lt"/>
-            </a:endParaRPr>
-          </a:p>
-          <a:p>
-            <a:pPr algn="l">
-              <a:buFont typeface="Arial" panose="020B0604020202020204" pitchFamily="34" charset="0"/>
-              <a:buChar char="•"/>
-            </a:pPr>
-            <a:r>
-              <a:rPr lang="en-GB" b="0" i="0" u="none" strike="noStrike" dirty="0">
-                <a:solidFill>
-                  <a:srgbClr val="C9D1D9"/>
-                </a:solidFill>
-                <a:effectLst/>
-                <a:latin typeface="+mj-lt"/>
-                <a:hlinkClick r:id="rId10"/>
-              </a:rPr>
-              <a:t>Performance Comparison</a:t>
-            </a:r>
-            <a:endParaRPr lang="en-GB" b="0" i="0" dirty="0">
-              <a:solidFill>
-                <a:srgbClr val="C9D1D9"/>
-              </a:solidFill>
-              <a:effectLst/>
-              <a:latin typeface="+mj-lt"/>
-            </a:endParaRPr>
-          </a:p>
-          <a:p>
-            <a:pPr algn="l">
-              <a:buFont typeface="Arial" panose="020B0604020202020204" pitchFamily="34" charset="0"/>
-              <a:buChar char="•"/>
-            </a:pPr>
-            <a:r>
-              <a:rPr lang="en-GB" b="0" i="0" u="none" strike="noStrike" dirty="0">
-                <a:solidFill>
-                  <a:srgbClr val="C9D1D9"/>
-                </a:solidFill>
-                <a:effectLst/>
-                <a:latin typeface="+mj-lt"/>
-                <a:hlinkClick r:id="rId11"/>
-              </a:rPr>
-              <a:t>Projects</a:t>
-            </a:r>
-            <a:endParaRPr lang="en-GB" b="0" i="0" dirty="0">
-              <a:solidFill>
-                <a:srgbClr val="C9D1D9"/>
-              </a:solidFill>
-              <a:effectLst/>
-              <a:latin typeface="+mj-lt"/>
-            </a:endParaRPr>
-          </a:p>
-          <a:p>
-            <a:endParaRPr lang="en-GB" dirty="0"/>
+              <a:t> basic programs using NumPy and SciPy to solve numerical problems</a:t>
+            </a:r>
           </a:p>
         </p:txBody>
       </p:sp>
     </p:spTree>
     <p:extLst>
       <p:ext uri="{BB962C8B-B14F-4D97-AF65-F5344CB8AC3E}">
-        <p14:creationId xmlns:p14="http://schemas.microsoft.com/office/powerpoint/2010/main" val="4074605344"/>
+        <p14:creationId xmlns:p14="http://schemas.microsoft.com/office/powerpoint/2010/main" val="3248724752"/>
       </p:ext>
     </p:extLst>
   </p:cSld>
@@ -4848,6 +4678,304 @@
           <a:p>
             <a:r>
               <a:rPr lang="en-GB" sz="4000" dirty="0"/>
+              <a:t>Notebook Links</a:t>
+            </a:r>
+          </a:p>
+        </p:txBody>
+      </p:sp>
+      <p:sp>
+        <p:nvSpPr>
+          <p:cNvPr id="3" name="Content Placeholder 2"/>
+          <p:cNvSpPr>
+            <a:spLocks noGrp="1"/>
+          </p:cNvSpPr>
+          <p:nvPr>
+            <p:ph idx="1"/>
+          </p:nvPr>
+        </p:nvSpPr>
+        <p:spPr>
+          <a:xfrm>
+            <a:off x="457200" y="1600200"/>
+            <a:ext cx="8435280" cy="4876800"/>
+          </a:xfrm>
+        </p:spPr>
+        <p:txBody>
+          <a:bodyPr>
+            <a:normAutofit lnSpcReduction="10000"/>
+          </a:bodyPr>
+          <a:lstStyle/>
+          <a:p>
+            <a:r>
+              <a:rPr lang="en-GB" b="0" i="0" u="none" strike="noStrike" dirty="0">
+                <a:solidFill>
+                  <a:srgbClr val="C9D1D9"/>
+                </a:solidFill>
+                <a:effectLst/>
+                <a:latin typeface="+mj-lt"/>
+                <a:hlinkClick r:id="rId3"/>
+              </a:rPr>
+              <a:t>What Are NumPy and SciPy</a:t>
+            </a:r>
+            <a:endParaRPr lang="en-GB" b="0" i="0" dirty="0">
+              <a:solidFill>
+                <a:srgbClr val="C9D1D9"/>
+              </a:solidFill>
+              <a:effectLst/>
+              <a:latin typeface="+mj-lt"/>
+            </a:endParaRPr>
+          </a:p>
+          <a:p>
+            <a:pPr algn="l">
+              <a:buFont typeface="Arial" panose="020B0604020202020204" pitchFamily="34" charset="0"/>
+              <a:buChar char="•"/>
+            </a:pPr>
+            <a:r>
+              <a:rPr lang="en-GB" b="0" i="0" u="sng" dirty="0">
+                <a:solidFill>
+                  <a:srgbClr val="C9D1D9"/>
+                </a:solidFill>
+                <a:effectLst/>
+                <a:latin typeface="+mj-lt"/>
+                <a:hlinkClick r:id="rId4"/>
+              </a:rPr>
+              <a:t>Creating and Manipulating NumPy Arrays</a:t>
+            </a:r>
+            <a:endParaRPr lang="en-GB" b="0" i="0" dirty="0">
+              <a:solidFill>
+                <a:srgbClr val="C9D1D9"/>
+              </a:solidFill>
+              <a:effectLst/>
+              <a:latin typeface="+mj-lt"/>
+            </a:endParaRPr>
+          </a:p>
+          <a:p>
+            <a:pPr algn="l">
+              <a:buFont typeface="Arial" panose="020B0604020202020204" pitchFamily="34" charset="0"/>
+              <a:buChar char="•"/>
+            </a:pPr>
+            <a:r>
+              <a:rPr lang="en-GB" b="0" i="0" u="none" strike="noStrike" dirty="0">
+                <a:solidFill>
+                  <a:srgbClr val="C9D1D9"/>
+                </a:solidFill>
+                <a:effectLst/>
+                <a:latin typeface="+mj-lt"/>
+                <a:hlinkClick r:id="rId5"/>
+              </a:rPr>
+              <a:t>Array Operations</a:t>
+            </a:r>
+            <a:endParaRPr lang="en-GB" b="0" i="0" dirty="0">
+              <a:solidFill>
+                <a:srgbClr val="C9D1D9"/>
+              </a:solidFill>
+              <a:effectLst/>
+              <a:latin typeface="+mj-lt"/>
+            </a:endParaRPr>
+          </a:p>
+          <a:p>
+            <a:pPr algn="l">
+              <a:buFont typeface="Arial" panose="020B0604020202020204" pitchFamily="34" charset="0"/>
+              <a:buChar char="•"/>
+            </a:pPr>
+            <a:r>
+              <a:rPr lang="en-GB" b="0" i="0" u="none" strike="noStrike" dirty="0">
+                <a:solidFill>
+                  <a:srgbClr val="C9D1D9"/>
+                </a:solidFill>
+                <a:effectLst/>
+                <a:latin typeface="+mj-lt"/>
+                <a:hlinkClick r:id="rId6"/>
+              </a:rPr>
+              <a:t>Calculus</a:t>
+            </a:r>
+            <a:endParaRPr lang="en-GB" b="0" i="0" dirty="0">
+              <a:solidFill>
+                <a:srgbClr val="C9D1D9"/>
+              </a:solidFill>
+              <a:effectLst/>
+              <a:latin typeface="+mj-lt"/>
+            </a:endParaRPr>
+          </a:p>
+          <a:p>
+            <a:pPr algn="l">
+              <a:buFont typeface="Arial" panose="020B0604020202020204" pitchFamily="34" charset="0"/>
+              <a:buChar char="•"/>
+            </a:pPr>
+            <a:r>
+              <a:rPr lang="en-GB" b="0" i="0" u="none" strike="noStrike" dirty="0">
+                <a:solidFill>
+                  <a:srgbClr val="C9D1D9"/>
+                </a:solidFill>
+                <a:effectLst/>
+                <a:latin typeface="+mj-lt"/>
+                <a:hlinkClick r:id="rId7"/>
+              </a:rPr>
+              <a:t>Built-In Functions</a:t>
+            </a:r>
+            <a:endParaRPr lang="en-GB" b="0" i="0" dirty="0">
+              <a:solidFill>
+                <a:srgbClr val="C9D1D9"/>
+              </a:solidFill>
+              <a:effectLst/>
+              <a:latin typeface="+mj-lt"/>
+            </a:endParaRPr>
+          </a:p>
+          <a:p>
+            <a:pPr algn="l">
+              <a:buFont typeface="Arial" panose="020B0604020202020204" pitchFamily="34" charset="0"/>
+              <a:buChar char="•"/>
+            </a:pPr>
+            <a:r>
+              <a:rPr lang="en-GB" b="0" i="0" u="none" strike="noStrike" dirty="0">
+                <a:solidFill>
+                  <a:srgbClr val="C9D1D9"/>
+                </a:solidFill>
+                <a:effectLst/>
+                <a:latin typeface="+mj-lt"/>
+                <a:hlinkClick r:id="rId8"/>
+              </a:rPr>
+              <a:t>Initial Value Problems</a:t>
+            </a:r>
+            <a:endParaRPr lang="en-GB" b="0" i="0" dirty="0">
+              <a:solidFill>
+                <a:srgbClr val="C9D1D9"/>
+              </a:solidFill>
+              <a:effectLst/>
+              <a:latin typeface="+mj-lt"/>
+            </a:endParaRPr>
+          </a:p>
+          <a:p>
+            <a:pPr algn="l">
+              <a:buFont typeface="Arial" panose="020B0604020202020204" pitchFamily="34" charset="0"/>
+              <a:buChar char="•"/>
+            </a:pPr>
+            <a:r>
+              <a:rPr lang="en-GB" b="0" i="0" u="none" strike="noStrike" dirty="0">
+                <a:solidFill>
+                  <a:srgbClr val="C9D1D9"/>
+                </a:solidFill>
+                <a:effectLst/>
+                <a:latin typeface="+mj-lt"/>
+                <a:hlinkClick r:id="rId9"/>
+              </a:rPr>
+              <a:t>Other Features</a:t>
+            </a:r>
+            <a:endParaRPr lang="en-GB" b="0" i="0" dirty="0">
+              <a:solidFill>
+                <a:srgbClr val="C9D1D9"/>
+              </a:solidFill>
+              <a:effectLst/>
+              <a:latin typeface="+mj-lt"/>
+            </a:endParaRPr>
+          </a:p>
+          <a:p>
+            <a:pPr algn="l">
+              <a:buFont typeface="Arial" panose="020B0604020202020204" pitchFamily="34" charset="0"/>
+              <a:buChar char="•"/>
+            </a:pPr>
+            <a:r>
+              <a:rPr lang="en-GB" b="0" i="0" u="none" strike="noStrike" dirty="0">
+                <a:solidFill>
+                  <a:srgbClr val="C9D1D9"/>
+                </a:solidFill>
+                <a:effectLst/>
+                <a:latin typeface="+mj-lt"/>
+                <a:hlinkClick r:id="rId10"/>
+              </a:rPr>
+              <a:t>Performance Comparison</a:t>
+            </a:r>
+            <a:endParaRPr lang="en-GB" b="0" i="0" dirty="0">
+              <a:solidFill>
+                <a:srgbClr val="C9D1D9"/>
+              </a:solidFill>
+              <a:effectLst/>
+              <a:latin typeface="+mj-lt"/>
+            </a:endParaRPr>
+          </a:p>
+          <a:p>
+            <a:pPr algn="l">
+              <a:buFont typeface="Arial" panose="020B0604020202020204" pitchFamily="34" charset="0"/>
+              <a:buChar char="•"/>
+            </a:pPr>
+            <a:r>
+              <a:rPr lang="en-GB" b="0" i="0" u="none" strike="noStrike" dirty="0">
+                <a:solidFill>
+                  <a:srgbClr val="C9D1D9"/>
+                </a:solidFill>
+                <a:effectLst/>
+                <a:latin typeface="+mj-lt"/>
+                <a:hlinkClick r:id="rId11"/>
+              </a:rPr>
+              <a:t>Projects</a:t>
+            </a:r>
+            <a:endParaRPr lang="en-GB" b="0" i="0" dirty="0">
+              <a:solidFill>
+                <a:srgbClr val="C9D1D9"/>
+              </a:solidFill>
+              <a:effectLst/>
+              <a:latin typeface="+mj-lt"/>
+            </a:endParaRPr>
+          </a:p>
+          <a:p>
+            <a:endParaRPr lang="en-GB" dirty="0"/>
+          </a:p>
+        </p:txBody>
+      </p:sp>
+    </p:spTree>
+    <p:extLst>
+      <p:ext uri="{BB962C8B-B14F-4D97-AF65-F5344CB8AC3E}">
+        <p14:creationId xmlns:p14="http://schemas.microsoft.com/office/powerpoint/2010/main" val="4074605344"/>
+      </p:ext>
+    </p:extLst>
+  </p:cSld>
+  <p:clrMapOvr>
+    <a:masterClrMapping/>
+  </p:clrMapOvr>
+  <mc:AlternateContent xmlns:mc="http://schemas.openxmlformats.org/markup-compatibility/2006" xmlns:p14="http://schemas.microsoft.com/office/powerpoint/2010/main">
+    <mc:Choice Requires="p14">
+      <p:transition p14:dur="10"/>
+    </mc:Choice>
+    <mc:Fallback xmlns="">
+      <p:transition/>
+    </mc:Fallback>
+  </mc:AlternateContent>
+</p:sld>
+</file>
+
+<file path=ppt/slides/slide7.xml><?xml version="1.0" encoding="utf-8"?>
+<p:sld xmlns:a="http://schemas.openxmlformats.org/drawingml/2006/main" xmlns:r="http://schemas.openxmlformats.org/officeDocument/2006/relationships" xmlns:p="http://schemas.openxmlformats.org/presentationml/2006/main">
+  <p:cSld>
+    <p:spTree>
+      <p:nvGrpSpPr>
+        <p:cNvPr id="1" name=""/>
+        <p:cNvGrpSpPr/>
+        <p:nvPr/>
+      </p:nvGrpSpPr>
+      <p:grpSpPr>
+        <a:xfrm>
+          <a:off x="0" y="0"/>
+          <a:ext cx="0" cy="0"/>
+          <a:chOff x="0" y="0"/>
+          <a:chExt cx="0" cy="0"/>
+        </a:xfrm>
+      </p:grpSpPr>
+      <p:sp>
+        <p:nvSpPr>
+          <p:cNvPr id="2" name="Title 1"/>
+          <p:cNvSpPr>
+            <a:spLocks noGrp="1"/>
+          </p:cNvSpPr>
+          <p:nvPr>
+            <p:ph type="title"/>
+          </p:nvPr>
+        </p:nvSpPr>
+        <p:spPr/>
+        <p:txBody>
+          <a:bodyPr/>
+          <a:lstStyle/>
+          <a:p>
+            <a:r>
+              <a:rPr lang="en-GB" sz="4000" dirty="0"/>
               <a:t>Feedback</a:t>
             </a:r>
           </a:p>
@@ -4948,7 +5076,7 @@
 </p:sld>
 </file>
 
-<file path=ppt/slides/slide7.xml><?xml version="1.0" encoding="utf-8"?>
+<file path=ppt/slides/slide8.xml><?xml version="1.0" encoding="utf-8"?>
 <p:sld xmlns:a="http://schemas.openxmlformats.org/drawingml/2006/main" xmlns:r="http://schemas.openxmlformats.org/officeDocument/2006/relationships" xmlns:p="http://schemas.openxmlformats.org/presentationml/2006/main">
   <p:cSld>
     <p:spTree>

--- a/Numerical Computing Python Slides.pptx
+++ b/Numerical Computing Python Slides.pptx
@@ -404,7 +404,7 @@
           <a:p>
             <a:fld id="{88EB714B-C3CC-4216-88C1-02913905B1CF}" type="datetimeFigureOut">
               <a:rPr lang="en-GB" smtClean="0"/>
-              <a:t>12/10/2021</a:t>
+              <a:t>15/10/2021</a:t>
             </a:fld>
             <a:endParaRPr lang="en-GB"/>
           </a:p>
@@ -1785,7 +1785,7 @@
           <a:p>
             <a:fld id="{EB0080F8-EA1C-491D-963C-2C881B2F918F}" type="datetimeFigureOut">
               <a:rPr lang="en-GB" smtClean="0"/>
-              <a:t>12/10/2021</a:t>
+              <a:t>15/10/2021</a:t>
             </a:fld>
             <a:endParaRPr lang="en-GB"/>
           </a:p>
@@ -1935,7 +1935,7 @@
           <a:p>
             <a:fld id="{EB0080F8-EA1C-491D-963C-2C881B2F918F}" type="datetimeFigureOut">
               <a:rPr lang="en-GB" smtClean="0"/>
-              <a:t>12/10/2021</a:t>
+              <a:t>15/10/2021</a:t>
             </a:fld>
             <a:endParaRPr lang="en-GB"/>
           </a:p>
@@ -3468,7 +3468,7 @@
           <a:p>
             <a:fld id="{EB0080F8-EA1C-491D-963C-2C881B2F918F}" type="datetimeFigureOut">
               <a:rPr lang="en-GB" smtClean="0"/>
-              <a:t>12/10/2021</a:t>
+              <a:t>15/10/2021</a:t>
             </a:fld>
             <a:endParaRPr lang="en-GB"/>
           </a:p>

--- a/Numerical Computing Python Slides.pptx
+++ b/Numerical Computing Python Slides.pptx
@@ -404,7 +404,7 @@
           <a:p>
             <a:fld id="{88EB714B-C3CC-4216-88C1-02913905B1CF}" type="datetimeFigureOut">
               <a:rPr lang="en-GB" smtClean="0"/>
-              <a:t>15/10/2021</a:t>
+              <a:t>16/11/2021</a:t>
             </a:fld>
             <a:endParaRPr lang="en-GB"/>
           </a:p>
@@ -1785,7 +1785,7 @@
           <a:p>
             <a:fld id="{EB0080F8-EA1C-491D-963C-2C881B2F918F}" type="datetimeFigureOut">
               <a:rPr lang="en-GB" smtClean="0"/>
-              <a:t>15/10/2021</a:t>
+              <a:t>16/11/2021</a:t>
             </a:fld>
             <a:endParaRPr lang="en-GB"/>
           </a:p>
@@ -1935,7 +1935,7 @@
           <a:p>
             <a:fld id="{EB0080F8-EA1C-491D-963C-2C881B2F918F}" type="datetimeFigureOut">
               <a:rPr lang="en-GB" smtClean="0"/>
-              <a:t>15/10/2021</a:t>
+              <a:t>16/11/2021</a:t>
             </a:fld>
             <a:endParaRPr lang="en-GB"/>
           </a:p>
@@ -3468,7 +3468,7 @@
           <a:p>
             <a:fld id="{EB0080F8-EA1C-491D-963C-2C881B2F918F}" type="datetimeFigureOut">
               <a:rPr lang="en-GB" smtClean="0"/>
-              <a:t>15/10/2021</a:t>
+              <a:t>16/11/2021</a:t>
             </a:fld>
             <a:endParaRPr lang="en-GB"/>
           </a:p>
@@ -4014,7 +4014,7 @@
         <p:spPr>
           <a:xfrm>
             <a:off x="401319" y="1431416"/>
-            <a:ext cx="8388117" cy="4549506"/>
+            <a:ext cx="8388117" cy="3593345"/>
           </a:xfrm>
         </p:spPr>
         <p:txBody>
@@ -4037,7 +4037,7 @@
             </a:br>
             <a:r>
               <a:rPr lang="en-GB" sz="2800" dirty="0"/>
-              <a:t>After this course you will receive an email from the Graduate School administration team which will provide you with a QR code and instructions to mark your attendance at this course on Inkpath. </a:t>
+              <a:t>At the end of each session you will be shown a QR code you can use to mark your attendance</a:t>
             </a:r>
             <a:br>
               <a:rPr lang="en-GB" sz="2800" dirty="0"/>
@@ -4055,7 +4055,7 @@
             </a:r>
             <a:r>
               <a:rPr lang="en-GB" sz="2800" dirty="0"/>
-              <a:t> mark your attendance until you have received an email from the Graduate School. </a:t>
+              <a:t> mark your attendance until you have been shown this QR code</a:t>
             </a:r>
           </a:p>
         </p:txBody>

--- a/Numerical Computing Python Slides.pptx
+++ b/Numerical Computing Python Slides.pptx
@@ -404,7 +404,7 @@
           <a:p>
             <a:fld id="{88EB714B-C3CC-4216-88C1-02913905B1CF}" type="datetimeFigureOut">
               <a:rPr lang="en-GB" smtClean="0"/>
-              <a:t>16/11/2021</a:t>
+              <a:t>19/11/2021</a:t>
             </a:fld>
             <a:endParaRPr lang="en-GB"/>
           </a:p>
@@ -1785,7 +1785,7 @@
           <a:p>
             <a:fld id="{EB0080F8-EA1C-491D-963C-2C881B2F918F}" type="datetimeFigureOut">
               <a:rPr lang="en-GB" smtClean="0"/>
-              <a:t>16/11/2021</a:t>
+              <a:t>19/11/2021</a:t>
             </a:fld>
             <a:endParaRPr lang="en-GB"/>
           </a:p>
@@ -1935,7 +1935,7 @@
           <a:p>
             <a:fld id="{EB0080F8-EA1C-491D-963C-2C881B2F918F}" type="datetimeFigureOut">
               <a:rPr lang="en-GB" smtClean="0"/>
-              <a:t>16/11/2021</a:t>
+              <a:t>19/11/2021</a:t>
             </a:fld>
             <a:endParaRPr lang="en-GB"/>
           </a:p>
@@ -3468,7 +3468,7 @@
           <a:p>
             <a:fld id="{EB0080F8-EA1C-491D-963C-2C881B2F918F}" type="datetimeFigureOut">
               <a:rPr lang="en-GB" smtClean="0"/>
-              <a:t>16/11/2021</a:t>
+              <a:t>19/11/2021</a:t>
             </a:fld>
             <a:endParaRPr lang="en-GB"/>
           </a:p>
@@ -4014,7 +4014,7 @@
         <p:spPr>
           <a:xfrm>
             <a:off x="401319" y="1431416"/>
-            <a:ext cx="8388117" cy="3593345"/>
+            <a:ext cx="8388117" cy="4587644"/>
           </a:xfrm>
         </p:spPr>
         <p:txBody>
@@ -4037,26 +4037,26 @@
             </a:br>
             <a:r>
               <a:rPr lang="en-GB" sz="2800" dirty="0"/>
-              <a:t>At the end of each session you will be shown a QR code you can use to mark your attendance</a:t>
+              <a:t>I will show you a QR code at the end of the session allowing you to mark your attendance on Inkpath. Please do not mark your attendance until then.</a:t>
             </a:r>
             <a:br>
               <a:rPr lang="en-GB" sz="2800" dirty="0"/>
             </a:br>
             <a:br>
-              <a:rPr lang="en-GB" sz="2800" dirty="0"/>
+              <a:rPr lang="en-GB" sz="2800" dirty="0">
+                <a:latin typeface="Calibri" panose="020F0502020204030204" pitchFamily="34" charset="0"/>
+                <a:cs typeface="Calibri" panose="020F0502020204030204" pitchFamily="34" charset="0"/>
+              </a:rPr>
             </a:br>
             <a:r>
-              <a:rPr lang="en-GB" sz="2800" dirty="0"/>
-              <a:t>Please </a:t>
-            </a:r>
-            <a:r>
-              <a:rPr lang="en-GB" sz="2800" u="sng" dirty="0"/>
-              <a:t>do not</a:t>
-            </a:r>
-            <a:r>
-              <a:rPr lang="en-GB" sz="2800" dirty="0"/>
-              <a:t> mark your attendance until you have been shown this QR code</a:t>
-            </a:r>
+              <a:rPr lang="en-GB" sz="2800" dirty="0">
+                <a:effectLst/>
+                <a:ea typeface="Times New Roman" panose="02020603050405020304" pitchFamily="18" charset="0"/>
+                <a:cs typeface="Calibri" panose="020F0502020204030204" pitchFamily="34" charset="0"/>
+              </a:rPr>
+              <a:t>If you are not a Postgraduate Research student and didn’t book via Inkpath, your attendance will be marked on a separate database.</a:t>
+            </a:r>
+            <a:endParaRPr lang="en-GB" sz="2800" dirty="0"/>
           </a:p>
         </p:txBody>
       </p:sp>

--- a/Numerical Computing Python Slides.pptx
+++ b/Numerical Computing Python Slides.pptx
@@ -13,8 +13,8 @@
   <p:sldIdLst>
     <p:sldId id="264" r:id="rId2"/>
     <p:sldId id="504" r:id="rId3"/>
-    <p:sldId id="258" r:id="rId4"/>
-    <p:sldId id="257" r:id="rId5"/>
+    <p:sldId id="505" r:id="rId4"/>
+    <p:sldId id="506" r:id="rId5"/>
     <p:sldId id="267" r:id="rId6"/>
     <p:sldId id="281" r:id="rId7"/>
     <p:sldId id="329" r:id="rId8"/>
@@ -124,8 +124,8 @@
           <p14:sldIdLst>
             <p14:sldId id="264"/>
             <p14:sldId id="504"/>
-            <p14:sldId id="258"/>
-            <p14:sldId id="257"/>
+            <p14:sldId id="505"/>
+            <p14:sldId id="506"/>
             <p14:sldId id="267"/>
             <p14:sldId id="281"/>
             <p14:sldId id="329"/>
@@ -404,7 +404,7 @@
           <a:p>
             <a:fld id="{88EB714B-C3CC-4216-88C1-02913905B1CF}" type="datetimeFigureOut">
               <a:rPr lang="en-GB" smtClean="0"/>
-              <a:t>19/11/2021</a:t>
+              <a:t>02/02/2022</a:t>
             </a:fld>
             <a:endParaRPr lang="en-GB"/>
           </a:p>
@@ -1785,7 +1785,7 @@
           <a:p>
             <a:fld id="{EB0080F8-EA1C-491D-963C-2C881B2F918F}" type="datetimeFigureOut">
               <a:rPr lang="en-GB" smtClean="0"/>
-              <a:t>19/11/2021</a:t>
+              <a:t>02/02/2022</a:t>
             </a:fld>
             <a:endParaRPr lang="en-GB"/>
           </a:p>
@@ -1935,7 +1935,7 @@
           <a:p>
             <a:fld id="{EB0080F8-EA1C-491D-963C-2C881B2F918F}" type="datetimeFigureOut">
               <a:rPr lang="en-GB" smtClean="0"/>
-              <a:t>19/11/2021</a:t>
+              <a:t>02/02/2022</a:t>
             </a:fld>
             <a:endParaRPr lang="en-GB"/>
           </a:p>
@@ -3468,7 +3468,7 @@
           <a:p>
             <a:fld id="{EB0080F8-EA1C-491D-963C-2C881B2F918F}" type="datetimeFigureOut">
               <a:rPr lang="en-GB" smtClean="0"/>
-              <a:t>19/11/2021</a:t>
+              <a:t>02/02/2022</a:t>
             </a:fld>
             <a:endParaRPr lang="en-GB"/>
           </a:p>
@@ -4167,7 +4167,7 @@
           </a:lstStyle>
           <a:p>
             <a:r>
-              <a:rPr lang="en-US" sz="3200" dirty="0">
+              <a:rPr lang="en-US" sz="3200">
                 <a:solidFill>
                   <a:schemeClr val="accent3"/>
                 </a:solidFill>
@@ -4198,7 +4198,7 @@
           <a:lstStyle/>
           <a:p>
             <a:r>
-              <a:rPr lang="en-US" sz="2200" u="sng" dirty="0">
+              <a:rPr lang="en-US" sz="2200" u="sng">
                 <a:ea typeface="+mj-lt"/>
                 <a:cs typeface="+mj-lt"/>
               </a:rPr>
@@ -4211,14 +4211,14 @@
               <a:buChar char="•"/>
             </a:pPr>
             <a:r>
-              <a:rPr lang="en-GB" sz="2200" dirty="0">
+              <a:rPr lang="en-GB" sz="2200">
                 <a:latin typeface="+mn-lt"/>
                 <a:ea typeface="Calibri" panose="020F0502020204030204" pitchFamily="34" charset="0"/>
                 <a:cs typeface="Times New Roman"/>
               </a:rPr>
               <a:t>You are expected to wear a face covering </a:t>
             </a:r>
-            <a:endParaRPr lang="en-GB" sz="2200" dirty="0"/>
+            <a:endParaRPr lang="en-GB" sz="2200"/>
           </a:p>
           <a:p>
             <a:pPr marL="457200" indent="-457200">
@@ -4226,26 +4226,15 @@
               <a:buChar char="•"/>
             </a:pPr>
             <a:r>
-              <a:rPr lang="en-US" sz="2200" dirty="0">
-                <a:ea typeface="+mj-lt"/>
-                <a:cs typeface="+mj-lt"/>
-              </a:rPr>
-              <a:t>Tutors will deliver their workshop 2 meters distance from </a:t>
-            </a:r>
-            <a:r>
               <a:rPr lang="en-US" sz="2200">
                 <a:ea typeface="+mj-lt"/>
                 <a:cs typeface="+mj-lt"/>
               </a:rPr>
-              <a:t>you </a:t>
-            </a:r>
-            <a:endParaRPr lang="en-US" sz="2200" dirty="0">
-              <a:ea typeface="+mj-lt"/>
-              <a:cs typeface="+mj-lt"/>
-            </a:endParaRPr>
-          </a:p>
-          <a:p>
-            <a:endParaRPr lang="en-US" sz="2200" u="sng" dirty="0">
+              <a:t>Tutors will deliver their workshop 2 meters distance from you </a:t>
+            </a:r>
+          </a:p>
+          <a:p>
+            <a:endParaRPr lang="en-US" sz="2200" u="sng">
               <a:latin typeface="+mn-lt"/>
               <a:ea typeface="+mj-lt"/>
               <a:cs typeface="+mj-lt"/>
@@ -4253,14 +4242,14 @@
           </a:p>
           <a:p>
             <a:r>
-              <a:rPr lang="en-US" sz="2200" u="sng" dirty="0">
+              <a:rPr lang="en-US" sz="2200" u="sng">
                 <a:latin typeface="+mn-lt"/>
                 <a:ea typeface="+mj-lt"/>
                 <a:cs typeface="+mj-lt"/>
               </a:rPr>
               <a:t>Hygiene</a:t>
             </a:r>
-            <a:endParaRPr lang="en-GB" sz="2200" u="sng" dirty="0">
+            <a:endParaRPr lang="en-GB" sz="2200" u="sng">
               <a:latin typeface="+mn-lt"/>
               <a:ea typeface="Calibri" panose="020F0502020204030204" pitchFamily="34" charset="0"/>
               <a:cs typeface="Times New Roman"/>
@@ -4272,15 +4261,15 @@
               <a:buChar char="•"/>
             </a:pPr>
             <a:r>
-              <a:rPr lang="en-US" sz="2200" dirty="0"/>
+              <a:rPr lang="en-US" sz="2200"/>
               <a:t>Where hand </a:t>
             </a:r>
             <a:r>
-              <a:rPr lang="en-US" sz="2200" dirty="0" err="1"/>
+              <a:rPr lang="en-US" sz="2200" err="1"/>
               <a:t>sanitiser</a:t>
             </a:r>
             <a:r>
-              <a:rPr lang="en-US" sz="2200" dirty="0"/>
+              <a:rPr lang="en-US" sz="2200"/>
               <a:t> is available, please use it</a:t>
             </a:r>
           </a:p>
@@ -4290,7 +4279,7 @@
               <a:buChar char="•"/>
             </a:pPr>
             <a:r>
-              <a:rPr lang="en-US" sz="2200" dirty="0"/>
+              <a:rPr lang="en-US" sz="2200"/>
               <a:t>Please wipe down any communal/shared course materials/equipment </a:t>
             </a:r>
           </a:p>
@@ -4299,14 +4288,14 @@
               <a:buFont typeface="Arial" panose="020B0604020202020204" pitchFamily="34" charset="0"/>
               <a:buChar char="•"/>
             </a:pPr>
-            <a:endParaRPr lang="en-US" sz="2400" dirty="0"/>
+            <a:endParaRPr lang="en-US" sz="2400"/>
           </a:p>
         </p:txBody>
       </p:sp>
     </p:spTree>
     <p:extLst>
       <p:ext uri="{BB962C8B-B14F-4D97-AF65-F5344CB8AC3E}">
-        <p14:creationId xmlns:p14="http://schemas.microsoft.com/office/powerpoint/2010/main" val="70908208"/>
+        <p14:creationId xmlns:p14="http://schemas.microsoft.com/office/powerpoint/2010/main" val="148123121"/>
       </p:ext>
     </p:extLst>
   </p:cSld>
@@ -4373,7 +4362,7 @@
           </a:lstStyle>
           <a:p>
             <a:r>
-              <a:rPr lang="en-US" sz="3200" dirty="0">
+              <a:rPr lang="en-US" sz="3200">
                 <a:solidFill>
                   <a:schemeClr val="accent3"/>
                 </a:solidFill>
@@ -4404,17 +4393,17 @@
           <a:lstStyle/>
           <a:p>
             <a:r>
-              <a:rPr lang="en-US" sz="2200" u="sng" dirty="0"/>
+              <a:rPr lang="en-US" sz="2200" u="sng"/>
               <a:t>For the purpose of contact tracing</a:t>
             </a:r>
-            <a:endParaRPr lang="en-US" sz="2200" dirty="0"/>
-          </a:p>
-          <a:p>
-            <a:endParaRPr lang="en-US" sz="2200" dirty="0"/>
-          </a:p>
-          <a:p>
-            <a:r>
-              <a:rPr lang="en-US" sz="2200" dirty="0"/>
+            <a:endParaRPr lang="en-US" sz="2200"/>
+          </a:p>
+          <a:p>
+            <a:endParaRPr lang="en-US" sz="2200"/>
+          </a:p>
+          <a:p>
+            <a:r>
+              <a:rPr lang="en-US" sz="2200"/>
               <a:t>For our standard workshops:</a:t>
             </a:r>
           </a:p>
@@ -4424,16 +4413,16 @@
               <a:buChar char="•"/>
             </a:pPr>
             <a:r>
-              <a:rPr lang="en-US" sz="2200" dirty="0"/>
+              <a:rPr lang="en-US" sz="2200"/>
               <a:t>We will provide the CCT Hub with the complete list of attendees at this workshop</a:t>
             </a:r>
           </a:p>
           <a:p>
-            <a:endParaRPr lang="en-US" sz="2200" dirty="0"/>
-          </a:p>
-          <a:p>
-            <a:r>
-              <a:rPr lang="en-US" sz="2200" dirty="0"/>
+            <a:endParaRPr lang="en-US" sz="2200"/>
+          </a:p>
+          <a:p>
+            <a:r>
+              <a:rPr lang="en-US" sz="2200"/>
               <a:t>Where our workshops are held in lecture theatres:</a:t>
             </a:r>
           </a:p>
@@ -4443,27 +4432,19 @@
               <a:buChar char="•"/>
             </a:pPr>
             <a:r>
-              <a:rPr lang="en-US" sz="2200" dirty="0"/>
-              <a:t>You should keep a record of colleagues that you are sat in </a:t>
-            </a:r>
-            <a:r>
               <a:rPr lang="en-US" sz="2200"/>
-              <a:t>close contact with </a:t>
-            </a:r>
-            <a:r>
-              <a:rPr lang="en-US" sz="2200" dirty="0"/>
-              <a:t>(within 2 meters)</a:t>
-            </a:r>
-          </a:p>
-          <a:p>
-            <a:endParaRPr lang="en-US" dirty="0"/>
+              <a:t>You should keep a record of colleagues that you are sat in close contact with (within 2 meters)</a:t>
+            </a:r>
+          </a:p>
+          <a:p>
+            <a:endParaRPr lang="en-US"/>
           </a:p>
         </p:txBody>
       </p:sp>
     </p:spTree>
     <p:extLst>
       <p:ext uri="{BB962C8B-B14F-4D97-AF65-F5344CB8AC3E}">
-        <p14:creationId xmlns:p14="http://schemas.microsoft.com/office/powerpoint/2010/main" val="3238657636"/>
+        <p14:creationId xmlns:p14="http://schemas.microsoft.com/office/powerpoint/2010/main" val="773628109"/>
       </p:ext>
     </p:extLst>
   </p:cSld>

--- a/Numerical Computing Python Slides.pptx
+++ b/Numerical Computing Python Slides.pptx
@@ -5,20 +5,19 @@
     <p:sldMasterId id="2147483648" r:id="rId1"/>
   </p:sldMasterIdLst>
   <p:notesMasterIdLst>
-    <p:notesMasterId r:id="rId10"/>
+    <p:notesMasterId r:id="rId9"/>
   </p:notesMasterIdLst>
   <p:handoutMasterIdLst>
-    <p:handoutMasterId r:id="rId11"/>
+    <p:handoutMasterId r:id="rId10"/>
   </p:handoutMasterIdLst>
   <p:sldIdLst>
     <p:sldId id="264" r:id="rId2"/>
     <p:sldId id="504" r:id="rId3"/>
-    <p:sldId id="505" r:id="rId4"/>
-    <p:sldId id="506" r:id="rId5"/>
-    <p:sldId id="267" r:id="rId6"/>
-    <p:sldId id="281" r:id="rId7"/>
-    <p:sldId id="329" r:id="rId8"/>
-    <p:sldId id="280" r:id="rId9"/>
+    <p:sldId id="258" r:id="rId4"/>
+    <p:sldId id="267" r:id="rId5"/>
+    <p:sldId id="281" r:id="rId6"/>
+    <p:sldId id="329" r:id="rId7"/>
+    <p:sldId id="280" r:id="rId8"/>
   </p:sldIdLst>
   <p:sldSz cx="9144000" cy="6858000" type="screen4x3"/>
   <p:notesSz cx="7099300" cy="10234613"/>
@@ -124,8 +123,7 @@
           <p14:sldIdLst>
             <p14:sldId id="264"/>
             <p14:sldId id="504"/>
-            <p14:sldId id="505"/>
-            <p14:sldId id="506"/>
+            <p14:sldId id="258"/>
             <p14:sldId id="267"/>
             <p14:sldId id="281"/>
             <p14:sldId id="329"/>
@@ -404,7 +402,7 @@
           <a:p>
             <a:fld id="{88EB714B-C3CC-4216-88C1-02913905B1CF}" type="datetimeFigureOut">
               <a:rPr lang="en-GB" smtClean="0"/>
-              <a:t>02/02/2022</a:t>
+              <a:t>08/03/2022</a:t>
             </a:fld>
             <a:endParaRPr lang="en-GB"/>
           </a:p>
@@ -988,7 +986,7 @@
           <a:p>
             <a:fld id="{6A641EC8-C9F8-4A58-A1A7-F7D817526EEC}" type="slidenum">
               <a:rPr lang="en-GB" smtClean="0"/>
-              <a:t>5</a:t>
+              <a:t>4</a:t>
             </a:fld>
             <a:endParaRPr lang="en-GB"/>
           </a:p>
@@ -1072,7 +1070,7 @@
           <a:p>
             <a:fld id="{6A641EC8-C9F8-4A58-A1A7-F7D817526EEC}" type="slidenum">
               <a:rPr lang="en-GB" smtClean="0"/>
-              <a:t>6</a:t>
+              <a:t>5</a:t>
             </a:fld>
             <a:endParaRPr lang="en-GB"/>
           </a:p>
@@ -1156,7 +1154,7 @@
           <a:p>
             <a:fld id="{6A641EC8-C9F8-4A58-A1A7-F7D817526EEC}" type="slidenum">
               <a:rPr lang="en-GB" smtClean="0"/>
-              <a:t>7</a:t>
+              <a:t>6</a:t>
             </a:fld>
             <a:endParaRPr lang="en-GB"/>
           </a:p>
@@ -1352,7 +1350,7 @@
                   <a:spcPct val="0"/>
                 </a:spcBef>
               </a:pPr>
-              <a:t>8</a:t>
+              <a:t>7</a:t>
             </a:fld>
             <a:endParaRPr lang="en-US" altLang="en-US"/>
           </a:p>
@@ -1785,7 +1783,7 @@
           <a:p>
             <a:fld id="{EB0080F8-EA1C-491D-963C-2C881B2F918F}" type="datetimeFigureOut">
               <a:rPr lang="en-GB" smtClean="0"/>
-              <a:t>02/02/2022</a:t>
+              <a:t>08/03/2022</a:t>
             </a:fld>
             <a:endParaRPr lang="en-GB"/>
           </a:p>
@@ -1935,7 +1933,7 @@
           <a:p>
             <a:fld id="{EB0080F8-EA1C-491D-963C-2C881B2F918F}" type="datetimeFigureOut">
               <a:rPr lang="en-GB" smtClean="0"/>
-              <a:t>02/02/2022</a:t>
+              <a:t>08/03/2022</a:t>
             </a:fld>
             <a:endParaRPr lang="en-GB"/>
           </a:p>
@@ -3468,7 +3466,7 @@
           <a:p>
             <a:fld id="{EB0080F8-EA1C-491D-963C-2C881B2F918F}" type="datetimeFigureOut">
               <a:rPr lang="en-GB" smtClean="0"/>
-              <a:t>02/02/2022</a:t>
+              <a:t>08/03/2022</a:t>
             </a:fld>
             <a:endParaRPr lang="en-GB"/>
           </a:p>
@@ -4199,6 +4197,9 @@
           <a:p>
             <a:r>
               <a:rPr lang="en-US" sz="2200" u="sng">
+                <a:solidFill>
+                  <a:schemeClr val="tx1"/>
+                </a:solidFill>
                 <a:ea typeface="+mj-lt"/>
                 <a:cs typeface="+mj-lt"/>
               </a:rPr>
@@ -4211,31 +4212,21 @@
               <a:buChar char="•"/>
             </a:pPr>
             <a:r>
-              <a:rPr lang="en-GB" sz="2200">
+              <a:rPr lang="en-GB" sz="2200" b="0" i="0">
+                <a:solidFill>
+                  <a:schemeClr val="tx1"/>
+                </a:solidFill>
+                <a:effectLst/>
                 <a:latin typeface="+mn-lt"/>
-                <a:ea typeface="Calibri" panose="020F0502020204030204" pitchFamily="34" charset="0"/>
-                <a:cs typeface="Times New Roman"/>
               </a:rPr>
-              <a:t>You are expected to wear a face covering </a:t>
-            </a:r>
-            <a:endParaRPr lang="en-GB" sz="2200"/>
-          </a:p>
-          <a:p>
-            <a:pPr marL="457200" indent="-457200">
-              <a:buFont typeface="Arial" panose="020B0604020202020204" pitchFamily="34" charset="0"/>
-              <a:buChar char="•"/>
-            </a:pPr>
-            <a:r>
-              <a:rPr lang="en-US" sz="2200">
-                <a:ea typeface="+mj-lt"/>
-                <a:cs typeface="+mj-lt"/>
-              </a:rPr>
-              <a:t>Tutors will deliver their workshop 2 meters distance from you </a:t>
+              <a:t>While infection rates remain high, we encourage all members of our community to continue wearing face coverings in most indoor settings on campus, including Graduate School workshops</a:t>
             </a:r>
           </a:p>
           <a:p>
             <a:endParaRPr lang="en-US" sz="2200" u="sng">
-              <a:latin typeface="+mn-lt"/>
+              <a:solidFill>
+                <a:schemeClr val="tx1"/>
+              </a:solidFill>
               <a:ea typeface="+mj-lt"/>
               <a:cs typeface="+mj-lt"/>
             </a:endParaRPr>
@@ -4243,6 +4234,9 @@
           <a:p>
             <a:r>
               <a:rPr lang="en-US" sz="2200" u="sng">
+                <a:solidFill>
+                  <a:schemeClr val="tx1"/>
+                </a:solidFill>
                 <a:latin typeface="+mn-lt"/>
                 <a:ea typeface="+mj-lt"/>
                 <a:cs typeface="+mj-lt"/>
@@ -4250,6 +4244,9 @@
               <a:t>Hygiene</a:t>
             </a:r>
             <a:endParaRPr lang="en-GB" sz="2200" u="sng">
+              <a:solidFill>
+                <a:schemeClr val="tx1"/>
+              </a:solidFill>
               <a:latin typeface="+mn-lt"/>
               <a:ea typeface="Calibri" panose="020F0502020204030204" pitchFamily="34" charset="0"/>
               <a:cs typeface="Times New Roman"/>
@@ -4261,33 +4258,31 @@
               <a:buChar char="•"/>
             </a:pPr>
             <a:r>
-              <a:rPr lang="en-US" sz="2200"/>
+              <a:rPr lang="en-US" sz="2200">
+                <a:solidFill>
+                  <a:schemeClr val="tx1"/>
+                </a:solidFill>
+              </a:rPr>
               <a:t>Where hand </a:t>
             </a:r>
             <a:r>
-              <a:rPr lang="en-US" sz="2200" err="1"/>
+              <a:rPr lang="en-US" sz="2200" err="1">
+                <a:solidFill>
+                  <a:schemeClr val="tx1"/>
+                </a:solidFill>
+              </a:rPr>
               <a:t>sanitiser</a:t>
             </a:r>
             <a:r>
-              <a:rPr lang="en-US" sz="2200"/>
+              <a:rPr lang="en-US" sz="2200">
+                <a:solidFill>
+                  <a:schemeClr val="tx1"/>
+                </a:solidFill>
+              </a:rPr>
               <a:t> is available, please use it</a:t>
             </a:r>
           </a:p>
           <a:p>
-            <a:pPr marL="457200" indent="-457200">
-              <a:buFont typeface="Arial" panose="020B0604020202020204" pitchFamily="34" charset="0"/>
-              <a:buChar char="•"/>
-            </a:pPr>
-            <a:r>
-              <a:rPr lang="en-US" sz="2200"/>
-              <a:t>Please wipe down any communal/shared course materials/equipment </a:t>
-            </a:r>
-          </a:p>
-          <a:p>
-            <a:pPr marL="457200" indent="-457200">
-              <a:buFont typeface="Arial" panose="020B0604020202020204" pitchFamily="34" charset="0"/>
-              <a:buChar char="•"/>
-            </a:pPr>
             <a:endParaRPr lang="en-US" sz="2400"/>
           </a:p>
         </p:txBody>
@@ -4295,7 +4290,7 @@
     </p:spTree>
     <p:extLst>
       <p:ext uri="{BB962C8B-B14F-4D97-AF65-F5344CB8AC3E}">
-        <p14:creationId xmlns:p14="http://schemas.microsoft.com/office/powerpoint/2010/main" val="148123121"/>
+        <p14:creationId xmlns:p14="http://schemas.microsoft.com/office/powerpoint/2010/main" val="70908208"/>
       </p:ext>
     </p:extLst>
   </p:cSld>
@@ -4324,133 +4319,155 @@
       </p:grpSpPr>
       <p:sp>
         <p:nvSpPr>
-          <p:cNvPr id="4" name="Title 1"/>
-          <p:cNvSpPr txBox="1">
-            <a:spLocks/>
-          </p:cNvSpPr>
-          <p:nvPr/>
+          <p:cNvPr id="2" name="Title 1"/>
+          <p:cNvSpPr>
+            <a:spLocks noGrp="1"/>
+          </p:cNvSpPr>
+          <p:nvPr>
+            <p:ph type="title"/>
+          </p:nvPr>
+        </p:nvSpPr>
+        <p:spPr/>
+        <p:txBody>
+          <a:bodyPr/>
+          <a:lstStyle/>
+          <a:p>
+            <a:r>
+              <a:rPr lang="en-GB" sz="4000" dirty="0"/>
+              <a:t>Learning Outcomes</a:t>
+            </a:r>
+          </a:p>
+        </p:txBody>
+      </p:sp>
+      <p:sp>
+        <p:nvSpPr>
+          <p:cNvPr id="3" name="Content Placeholder 2"/>
+          <p:cNvSpPr>
+            <a:spLocks noGrp="1"/>
+          </p:cNvSpPr>
+          <p:nvPr>
+            <p:ph idx="1"/>
+          </p:nvPr>
         </p:nvSpPr>
         <p:spPr>
           <a:xfrm>
-            <a:off x="401319" y="472966"/>
-            <a:ext cx="5558047" cy="930165"/>
+            <a:off x="457200" y="1600200"/>
+            <a:ext cx="8435280" cy="4876800"/>
           </a:xfrm>
-          <a:prstGeom prst="rect">
-            <a:avLst/>
-          </a:prstGeom>
-        </p:spPr>
-        <p:txBody>
-          <a:bodyPr anchor="b"/>
-          <a:lstStyle>
-            <a:lvl1pPr algn="l" defTabSz="457200" rtl="0" eaLnBrk="1" latinLnBrk="0" hangingPunct="1">
+        </p:spPr>
+        <p:txBody>
+          <a:bodyPr>
+            <a:normAutofit/>
+          </a:bodyPr>
+          <a:lstStyle/>
+          <a:p>
+            <a:pPr marL="514350" lvl="0" indent="-514350">
               <a:lnSpc>
-                <a:spcPct val="90000"/>
+                <a:spcPct val="107000"/>
               </a:lnSpc>
-              <a:spcBef>
-                <a:spcPct val="0"/>
-              </a:spcBef>
-              <a:buNone/>
-              <a:defRPr sz="4000" b="1" i="0" kern="1200" baseline="0">
-                <a:solidFill>
-                  <a:schemeClr val="tx2"/>
-                </a:solidFill>
-                <a:latin typeface="+mj-lt"/>
-                <a:ea typeface="+mj-ea"/>
-                <a:cs typeface="MetaOT-Bold"/>
-              </a:defRPr>
-            </a:lvl1pPr>
-          </a:lstStyle>
-          <a:p>
-            <a:r>
-              <a:rPr lang="en-US" sz="3200">
-                <a:solidFill>
-                  <a:schemeClr val="accent3"/>
-                </a:solidFill>
+              <a:buAutoNum type="arabicPeriod"/>
+            </a:pPr>
+            <a:r>
+              <a:rPr lang="en-GB" sz="3000" b="1" dirty="0">
+                <a:latin typeface="Arial" panose="020B0604020202020204" pitchFamily="34" charset="0"/>
+                <a:cs typeface="Arial" panose="020B0604020202020204" pitchFamily="34" charset="0"/>
               </a:rPr>
-              <a:t>Expectations:  Covid-safe teaching environments</a:t>
-            </a:r>
-          </a:p>
-        </p:txBody>
-      </p:sp>
-      <p:sp>
-        <p:nvSpPr>
-          <p:cNvPr id="5" name="Subtitle 2"/>
-          <p:cNvSpPr>
-            <a:spLocks noGrp="1"/>
-          </p:cNvSpPr>
-          <p:nvPr>
-            <p:ph type="subTitle" idx="1"/>
-          </p:nvPr>
-        </p:nvSpPr>
-        <p:spPr>
-          <a:xfrm>
-            <a:off x="189186" y="1450427"/>
-            <a:ext cx="8797158" cy="4020208"/>
-          </a:xfrm>
-        </p:spPr>
-        <p:txBody>
-          <a:bodyPr lIns="91440" tIns="45720" rIns="91440" bIns="45720" anchor="t"/>
-          <a:lstStyle/>
-          <a:p>
-            <a:r>
-              <a:rPr lang="en-US" sz="2200" u="sng"/>
-              <a:t>For the purpose of contact tracing</a:t>
-            </a:r>
-            <a:endParaRPr lang="en-US" sz="2200"/>
-          </a:p>
-          <a:p>
-            <a:endParaRPr lang="en-US" sz="2200"/>
-          </a:p>
-          <a:p>
-            <a:r>
-              <a:rPr lang="en-US" sz="2200"/>
-              <a:t>For our standard workshops:</a:t>
-            </a:r>
-          </a:p>
-          <a:p>
-            <a:pPr marL="342900" indent="-342900">
-              <a:buFont typeface="Arial" panose="020B0604020202020204" pitchFamily="34" charset="0"/>
-              <a:buChar char="•"/>
+              <a:t>Describe</a:t>
+            </a:r>
+            <a:r>
+              <a:rPr lang="en-GB" sz="3000" dirty="0">
+                <a:latin typeface="Arial" panose="020B0604020202020204" pitchFamily="34" charset="0"/>
+                <a:cs typeface="Arial" panose="020B0604020202020204" pitchFamily="34" charset="0"/>
+              </a:rPr>
+              <a:t> the key functionality and advantages of NumPy and SciPy</a:t>
+            </a:r>
+          </a:p>
+          <a:p>
+            <a:pPr marL="514350" lvl="0" indent="-514350">
+              <a:lnSpc>
+                <a:spcPct val="107000"/>
+              </a:lnSpc>
+              <a:buAutoNum type="arabicPeriod"/>
             </a:pPr>
             <a:r>
-              <a:rPr lang="en-US" sz="2200"/>
-              <a:t>We will provide the CCT Hub with the complete list of attendees at this workshop</a:t>
-            </a:r>
-          </a:p>
-          <a:p>
-            <a:endParaRPr lang="en-US" sz="2200"/>
-          </a:p>
-          <a:p>
-            <a:r>
-              <a:rPr lang="en-US" sz="2200"/>
-              <a:t>Where our workshops are held in lecture theatres:</a:t>
-            </a:r>
-          </a:p>
-          <a:p>
-            <a:pPr marL="342900" indent="-342900">
-              <a:buFont typeface="Arial" panose="020B0604020202020204" pitchFamily="34" charset="0"/>
-              <a:buChar char="•"/>
+              <a:rPr lang="en-GB" sz="3000" b="1" dirty="0">
+                <a:latin typeface="Arial" panose="020B0604020202020204" pitchFamily="34" charset="0"/>
+                <a:cs typeface="Arial" panose="020B0604020202020204" pitchFamily="34" charset="0"/>
+              </a:rPr>
+              <a:t>Utilise</a:t>
+            </a:r>
+            <a:r>
+              <a:rPr lang="en-GB" sz="3000" dirty="0">
+                <a:latin typeface="Arial" panose="020B0604020202020204" pitchFamily="34" charset="0"/>
+                <a:cs typeface="Arial" panose="020B0604020202020204" pitchFamily="34" charset="0"/>
+              </a:rPr>
+              <a:t> NumPy arrays to store and perform operations on data sets</a:t>
+            </a:r>
+          </a:p>
+          <a:p>
+            <a:pPr marL="514350" lvl="0" indent="-514350">
+              <a:lnSpc>
+                <a:spcPct val="107000"/>
+              </a:lnSpc>
+              <a:buAutoNum type="arabicPeriod"/>
             </a:pPr>
             <a:r>
-              <a:rPr lang="en-US" sz="2200"/>
-              <a:t>You should keep a record of colleagues that you are sat in close contact with (within 2 meters)</a:t>
-            </a:r>
-          </a:p>
-          <a:p>
-            <a:endParaRPr lang="en-US"/>
+              <a:rPr lang="en-GB" sz="3000" b="1" dirty="0">
+                <a:latin typeface="Arial" panose="020B0604020202020204" pitchFamily="34" charset="0"/>
+                <a:cs typeface="Arial" panose="020B0604020202020204" pitchFamily="34" charset="0"/>
+              </a:rPr>
+              <a:t>Locate</a:t>
+            </a:r>
+            <a:r>
+              <a:rPr lang="en-GB" sz="3000" dirty="0">
+                <a:latin typeface="Arial" panose="020B0604020202020204" pitchFamily="34" charset="0"/>
+                <a:cs typeface="Arial" panose="020B0604020202020204" pitchFamily="34" charset="0"/>
+              </a:rPr>
+              <a:t> appropriate SciPy functions for a specific problem</a:t>
+            </a:r>
+          </a:p>
+          <a:p>
+            <a:pPr marL="514350" lvl="0" indent="-514350">
+              <a:lnSpc>
+                <a:spcPct val="107000"/>
+              </a:lnSpc>
+              <a:buAutoNum type="arabicPeriod"/>
+            </a:pPr>
+            <a:r>
+              <a:rPr lang="en-GB" sz="3000" b="1" dirty="0">
+                <a:latin typeface="Arial" panose="020B0604020202020204" pitchFamily="34" charset="0"/>
+                <a:cs typeface="Arial" panose="020B0604020202020204" pitchFamily="34" charset="0"/>
+              </a:rPr>
+              <a:t>Create</a:t>
+            </a:r>
+            <a:r>
+              <a:rPr lang="en-GB" sz="3000" dirty="0">
+                <a:latin typeface="Arial" panose="020B0604020202020204" pitchFamily="34" charset="0"/>
+                <a:cs typeface="Arial" panose="020B0604020202020204" pitchFamily="34" charset="0"/>
+              </a:rPr>
+              <a:t> basic programs using NumPy and SciPy to solve numerical problems</a:t>
+            </a:r>
           </a:p>
         </p:txBody>
       </p:sp>
     </p:spTree>
     <p:extLst>
       <p:ext uri="{BB962C8B-B14F-4D97-AF65-F5344CB8AC3E}">
-        <p14:creationId xmlns:p14="http://schemas.microsoft.com/office/powerpoint/2010/main" val="773628109"/>
+        <p14:creationId xmlns:p14="http://schemas.microsoft.com/office/powerpoint/2010/main" val="3248724752"/>
       </p:ext>
     </p:extLst>
   </p:cSld>
   <p:clrMapOvr>
     <a:masterClrMapping/>
   </p:clrMapOvr>
+  <mc:AlternateContent xmlns:mc="http://schemas.openxmlformats.org/markup-compatibility/2006" xmlns:p14="http://schemas.microsoft.com/office/powerpoint/2010/main">
+    <mc:Choice Requires="p14">
+      <p:transition p14:dur="10"/>
+    </mc:Choice>
+    <mc:Fallback xmlns="">
+      <p:transition/>
+    </mc:Fallback>
+  </mc:AlternateContent>
 </p:sld>
 </file>
 
@@ -4488,7 +4505,7 @@
           <a:p>
             <a:r>
               <a:rPr lang="en-GB" sz="4000" dirty="0"/>
-              <a:t>Learning Outcomes</a:t>
+              <a:t>Notebook Links</a:t>
             </a:r>
           </a:p>
         </p:txBody>
@@ -4511,103 +4528,230 @@
         </p:spPr>
         <p:txBody>
           <a:bodyPr>
-            <a:normAutofit/>
+            <a:normAutofit lnSpcReduction="10000"/>
           </a:bodyPr>
           <a:lstStyle/>
           <a:p>
-            <a:pPr marL="514350" lvl="0" indent="-514350">
-              <a:lnSpc>
-                <a:spcPct val="107000"/>
-              </a:lnSpc>
-              <a:buAutoNum type="arabicPeriod"/>
+            <a:r>
+              <a:rPr lang="en-GB" b="0" i="0" u="none" strike="noStrike" dirty="0">
+                <a:solidFill>
+                  <a:srgbClr val="C9D1D9"/>
+                </a:solidFill>
+                <a:effectLst/>
+                <a:latin typeface="+mj-lt"/>
+                <a:hlinkClick r:id="rId3"/>
+              </a:rPr>
+              <a:t>What Are NumPy and SciPy</a:t>
+            </a:r>
+            <a:endParaRPr lang="en-GB" b="0" i="0" dirty="0">
+              <a:solidFill>
+                <a:srgbClr val="C9D1D9"/>
+              </a:solidFill>
+              <a:effectLst/>
+              <a:latin typeface="+mj-lt"/>
+            </a:endParaRPr>
+          </a:p>
+          <a:p>
+            <a:pPr algn="l">
+              <a:buFont typeface="Arial" panose="020B0604020202020204" pitchFamily="34" charset="0"/>
+              <a:buChar char="•"/>
             </a:pPr>
             <a:r>
-              <a:rPr lang="en-GB" sz="3000" b="1" dirty="0">
-                <a:latin typeface="Arial" panose="020B0604020202020204" pitchFamily="34" charset="0"/>
-                <a:cs typeface="Arial" panose="020B0604020202020204" pitchFamily="34" charset="0"/>
+              <a:rPr lang="en-GB" b="0" i="0" u="sng" dirty="0">
+                <a:solidFill>
+                  <a:srgbClr val="C9D1D9"/>
+                </a:solidFill>
+                <a:effectLst/>
+                <a:latin typeface="+mj-lt"/>
+                <a:hlinkClick r:id="rId4"/>
               </a:rPr>
-              <a:t>Describe</a:t>
-            </a:r>
-            <a:r>
-              <a:rPr lang="en-GB" sz="3000" dirty="0">
-                <a:latin typeface="Arial" panose="020B0604020202020204" pitchFamily="34" charset="0"/>
-                <a:cs typeface="Arial" panose="020B0604020202020204" pitchFamily="34" charset="0"/>
+              <a:t>Creating and Manipulating NumPy Arrays</a:t>
+            </a:r>
+            <a:endParaRPr lang="en-GB" b="0" i="0" dirty="0">
+              <a:solidFill>
+                <a:srgbClr val="C9D1D9"/>
+              </a:solidFill>
+              <a:effectLst/>
+              <a:latin typeface="+mj-lt"/>
+            </a:endParaRPr>
+          </a:p>
+          <a:p>
+            <a:pPr algn="l">
+              <a:buFont typeface="Arial" panose="020B0604020202020204" pitchFamily="34" charset="0"/>
+              <a:buChar char="•"/>
+            </a:pPr>
+            <a:r>
+              <a:rPr lang="en-GB" b="0" i="0" u="none" strike="noStrike" dirty="0">
+                <a:solidFill>
+                  <a:srgbClr val="C9D1D9"/>
+                </a:solidFill>
+                <a:effectLst/>
+                <a:latin typeface="+mj-lt"/>
+                <a:hlinkClick r:id="rId5"/>
               </a:rPr>
-              <a:t> the key functionality and advantages of NumPy and SciPy</a:t>
-            </a:r>
-          </a:p>
-          <a:p>
-            <a:pPr marL="514350" lvl="0" indent="-514350">
-              <a:lnSpc>
-                <a:spcPct val="107000"/>
-              </a:lnSpc>
-              <a:buAutoNum type="arabicPeriod"/>
+              <a:t>Array Operations</a:t>
+            </a:r>
+            <a:endParaRPr lang="en-GB" b="0" i="0" dirty="0">
+              <a:solidFill>
+                <a:srgbClr val="C9D1D9"/>
+              </a:solidFill>
+              <a:effectLst/>
+              <a:latin typeface="+mj-lt"/>
+            </a:endParaRPr>
+          </a:p>
+          <a:p>
+            <a:pPr algn="l">
+              <a:buFont typeface="Arial" panose="020B0604020202020204" pitchFamily="34" charset="0"/>
+              <a:buChar char="•"/>
             </a:pPr>
             <a:r>
-              <a:rPr lang="en-GB" sz="3000" b="1" dirty="0">
-                <a:latin typeface="Arial" panose="020B0604020202020204" pitchFamily="34" charset="0"/>
-                <a:cs typeface="Arial" panose="020B0604020202020204" pitchFamily="34" charset="0"/>
+              <a:rPr lang="en-GB" b="0" i="0" u="none" strike="noStrike" dirty="0">
+                <a:solidFill>
+                  <a:srgbClr val="C9D1D9"/>
+                </a:solidFill>
+                <a:effectLst/>
+                <a:latin typeface="+mj-lt"/>
+                <a:hlinkClick r:id="rId6"/>
               </a:rPr>
-              <a:t>Utilise</a:t>
-            </a:r>
-            <a:r>
-              <a:rPr lang="en-GB" sz="3000" dirty="0">
-                <a:latin typeface="Arial" panose="020B0604020202020204" pitchFamily="34" charset="0"/>
-                <a:cs typeface="Arial" panose="020B0604020202020204" pitchFamily="34" charset="0"/>
+              <a:t>Calculus</a:t>
+            </a:r>
+            <a:endParaRPr lang="en-GB" b="0" i="0" dirty="0">
+              <a:solidFill>
+                <a:srgbClr val="C9D1D9"/>
+              </a:solidFill>
+              <a:effectLst/>
+              <a:latin typeface="+mj-lt"/>
+            </a:endParaRPr>
+          </a:p>
+          <a:p>
+            <a:pPr algn="l">
+              <a:buFont typeface="Arial" panose="020B0604020202020204" pitchFamily="34" charset="0"/>
+              <a:buChar char="•"/>
+            </a:pPr>
+            <a:r>
+              <a:rPr lang="en-GB" b="0" i="0" u="none" strike="noStrike" dirty="0">
+                <a:solidFill>
+                  <a:srgbClr val="C9D1D9"/>
+                </a:solidFill>
+                <a:effectLst/>
+                <a:latin typeface="+mj-lt"/>
+                <a:hlinkClick r:id="rId7"/>
               </a:rPr>
-              <a:t> NumPy arrays to store and perform operations on data sets</a:t>
-            </a:r>
-          </a:p>
-          <a:p>
-            <a:pPr marL="514350" lvl="0" indent="-514350">
-              <a:lnSpc>
-                <a:spcPct val="107000"/>
-              </a:lnSpc>
-              <a:buAutoNum type="arabicPeriod"/>
+              <a:t>Built-In Functions</a:t>
+            </a:r>
+            <a:endParaRPr lang="en-GB" b="0" i="0" dirty="0">
+              <a:solidFill>
+                <a:srgbClr val="C9D1D9"/>
+              </a:solidFill>
+              <a:effectLst/>
+              <a:latin typeface="+mj-lt"/>
+            </a:endParaRPr>
+          </a:p>
+          <a:p>
+            <a:pPr algn="l">
+              <a:buFont typeface="Arial" panose="020B0604020202020204" pitchFamily="34" charset="0"/>
+              <a:buChar char="•"/>
             </a:pPr>
             <a:r>
-              <a:rPr lang="en-GB" sz="3000" b="1" dirty="0">
-                <a:latin typeface="Arial" panose="020B0604020202020204" pitchFamily="34" charset="0"/>
-                <a:cs typeface="Arial" panose="020B0604020202020204" pitchFamily="34" charset="0"/>
+              <a:rPr lang="en-GB" b="0" i="0" u="none" strike="noStrike" dirty="0">
+                <a:solidFill>
+                  <a:srgbClr val="C9D1D9"/>
+                </a:solidFill>
+                <a:effectLst/>
+                <a:latin typeface="+mj-lt"/>
+                <a:hlinkClick r:id="rId8"/>
               </a:rPr>
-              <a:t>Locate</a:t>
-            </a:r>
-            <a:r>
-              <a:rPr lang="en-GB" sz="3000" dirty="0">
-                <a:latin typeface="Arial" panose="020B0604020202020204" pitchFamily="34" charset="0"/>
-                <a:cs typeface="Arial" panose="020B0604020202020204" pitchFamily="34" charset="0"/>
+              <a:t>Initial Value Problems</a:t>
+            </a:r>
+            <a:endParaRPr lang="en-GB" b="0" i="0" dirty="0">
+              <a:solidFill>
+                <a:srgbClr val="C9D1D9"/>
+              </a:solidFill>
+              <a:effectLst/>
+              <a:latin typeface="+mj-lt"/>
+            </a:endParaRPr>
+          </a:p>
+          <a:p>
+            <a:pPr algn="l">
+              <a:buFont typeface="Arial" panose="020B0604020202020204" pitchFamily="34" charset="0"/>
+              <a:buChar char="•"/>
+            </a:pPr>
+            <a:r>
+              <a:rPr lang="en-GB" b="0" i="0" u="none" strike="noStrike" dirty="0">
+                <a:solidFill>
+                  <a:srgbClr val="C9D1D9"/>
+                </a:solidFill>
+                <a:effectLst/>
+                <a:latin typeface="+mj-lt"/>
+                <a:hlinkClick r:id="rId9"/>
               </a:rPr>
-              <a:t> appropriate SciPy functions for a specific problem</a:t>
-            </a:r>
-          </a:p>
-          <a:p>
-            <a:pPr marL="514350" lvl="0" indent="-514350">
-              <a:lnSpc>
-                <a:spcPct val="107000"/>
-              </a:lnSpc>
-              <a:buAutoNum type="arabicPeriod"/>
+              <a:t>Other Features</a:t>
+            </a:r>
+            <a:endParaRPr lang="en-GB" b="0" i="0" dirty="0">
+              <a:solidFill>
+                <a:srgbClr val="C9D1D9"/>
+              </a:solidFill>
+              <a:effectLst/>
+              <a:latin typeface="+mj-lt"/>
+            </a:endParaRPr>
+          </a:p>
+          <a:p>
+            <a:pPr algn="l">
+              <a:buFont typeface="Arial" panose="020B0604020202020204" pitchFamily="34" charset="0"/>
+              <a:buChar char="•"/>
             </a:pPr>
             <a:r>
-              <a:rPr lang="en-GB" sz="3000" b="1" dirty="0">
-                <a:latin typeface="Arial" panose="020B0604020202020204" pitchFamily="34" charset="0"/>
-                <a:cs typeface="Arial" panose="020B0604020202020204" pitchFamily="34" charset="0"/>
+              <a:rPr lang="en-GB" b="0" i="0" u="none" strike="noStrike" dirty="0">
+                <a:solidFill>
+                  <a:srgbClr val="C9D1D9"/>
+                </a:solidFill>
+                <a:effectLst/>
+                <a:latin typeface="+mj-lt"/>
+                <a:hlinkClick r:id="rId10"/>
               </a:rPr>
-              <a:t>Create</a:t>
-            </a:r>
-            <a:r>
-              <a:rPr lang="en-GB" sz="3000" dirty="0">
-                <a:latin typeface="Arial" panose="020B0604020202020204" pitchFamily="34" charset="0"/>
-                <a:cs typeface="Arial" panose="020B0604020202020204" pitchFamily="34" charset="0"/>
+              <a:t>Performance Comparison</a:t>
+            </a:r>
+            <a:endParaRPr lang="en-GB" b="0" i="0" dirty="0">
+              <a:solidFill>
+                <a:srgbClr val="C9D1D9"/>
+              </a:solidFill>
+              <a:effectLst/>
+              <a:latin typeface="+mj-lt"/>
+            </a:endParaRPr>
+          </a:p>
+          <a:p>
+            <a:pPr algn="l">
+              <a:buFont typeface="Arial" panose="020B0604020202020204" pitchFamily="34" charset="0"/>
+              <a:buChar char="•"/>
+            </a:pPr>
+            <a:r>
+              <a:rPr lang="en-GB" b="0" i="0" u="none" strike="noStrike" dirty="0">
+                <a:solidFill>
+                  <a:srgbClr val="C9D1D9"/>
+                </a:solidFill>
+                <a:effectLst/>
+                <a:latin typeface="+mj-lt"/>
+                <a:hlinkClick r:id="rId11"/>
               </a:rPr>
-              <a:t> basic programs using NumPy and SciPy to solve numerical problems</a:t>
-            </a:r>
+              <a:t>Projects</a:t>
+            </a:r>
+            <a:endParaRPr lang="en-GB" b="0" i="0" dirty="0">
+              <a:solidFill>
+                <a:srgbClr val="C9D1D9"/>
+              </a:solidFill>
+              <a:effectLst/>
+              <a:latin typeface="+mj-lt"/>
+            </a:endParaRPr>
+          </a:p>
+          <a:p>
+            <a:endParaRPr lang="en-GB" dirty="0"/>
           </a:p>
         </p:txBody>
       </p:sp>
     </p:spTree>
     <p:extLst>
       <p:ext uri="{BB962C8B-B14F-4D97-AF65-F5344CB8AC3E}">
-        <p14:creationId xmlns:p14="http://schemas.microsoft.com/office/powerpoint/2010/main" val="3248724752"/>
+        <p14:creationId xmlns:p14="http://schemas.microsoft.com/office/powerpoint/2010/main" val="4074605344"/>
       </p:ext>
     </p:extLst>
   </p:cSld>
@@ -4659,304 +4803,6 @@
           <a:p>
             <a:r>
               <a:rPr lang="en-GB" sz="4000" dirty="0"/>
-              <a:t>Notebook Links</a:t>
-            </a:r>
-          </a:p>
-        </p:txBody>
-      </p:sp>
-      <p:sp>
-        <p:nvSpPr>
-          <p:cNvPr id="3" name="Content Placeholder 2"/>
-          <p:cNvSpPr>
-            <a:spLocks noGrp="1"/>
-          </p:cNvSpPr>
-          <p:nvPr>
-            <p:ph idx="1"/>
-          </p:nvPr>
-        </p:nvSpPr>
-        <p:spPr>
-          <a:xfrm>
-            <a:off x="457200" y="1600200"/>
-            <a:ext cx="8435280" cy="4876800"/>
-          </a:xfrm>
-        </p:spPr>
-        <p:txBody>
-          <a:bodyPr>
-            <a:normAutofit lnSpcReduction="10000"/>
-          </a:bodyPr>
-          <a:lstStyle/>
-          <a:p>
-            <a:r>
-              <a:rPr lang="en-GB" b="0" i="0" u="none" strike="noStrike" dirty="0">
-                <a:solidFill>
-                  <a:srgbClr val="C9D1D9"/>
-                </a:solidFill>
-                <a:effectLst/>
-                <a:latin typeface="+mj-lt"/>
-                <a:hlinkClick r:id="rId3"/>
-              </a:rPr>
-              <a:t>What Are NumPy and SciPy</a:t>
-            </a:r>
-            <a:endParaRPr lang="en-GB" b="0" i="0" dirty="0">
-              <a:solidFill>
-                <a:srgbClr val="C9D1D9"/>
-              </a:solidFill>
-              <a:effectLst/>
-              <a:latin typeface="+mj-lt"/>
-            </a:endParaRPr>
-          </a:p>
-          <a:p>
-            <a:pPr algn="l">
-              <a:buFont typeface="Arial" panose="020B0604020202020204" pitchFamily="34" charset="0"/>
-              <a:buChar char="•"/>
-            </a:pPr>
-            <a:r>
-              <a:rPr lang="en-GB" b="0" i="0" u="sng" dirty="0">
-                <a:solidFill>
-                  <a:srgbClr val="C9D1D9"/>
-                </a:solidFill>
-                <a:effectLst/>
-                <a:latin typeface="+mj-lt"/>
-                <a:hlinkClick r:id="rId4"/>
-              </a:rPr>
-              <a:t>Creating and Manipulating NumPy Arrays</a:t>
-            </a:r>
-            <a:endParaRPr lang="en-GB" b="0" i="0" dirty="0">
-              <a:solidFill>
-                <a:srgbClr val="C9D1D9"/>
-              </a:solidFill>
-              <a:effectLst/>
-              <a:latin typeface="+mj-lt"/>
-            </a:endParaRPr>
-          </a:p>
-          <a:p>
-            <a:pPr algn="l">
-              <a:buFont typeface="Arial" panose="020B0604020202020204" pitchFamily="34" charset="0"/>
-              <a:buChar char="•"/>
-            </a:pPr>
-            <a:r>
-              <a:rPr lang="en-GB" b="0" i="0" u="none" strike="noStrike" dirty="0">
-                <a:solidFill>
-                  <a:srgbClr val="C9D1D9"/>
-                </a:solidFill>
-                <a:effectLst/>
-                <a:latin typeface="+mj-lt"/>
-                <a:hlinkClick r:id="rId5"/>
-              </a:rPr>
-              <a:t>Array Operations</a:t>
-            </a:r>
-            <a:endParaRPr lang="en-GB" b="0" i="0" dirty="0">
-              <a:solidFill>
-                <a:srgbClr val="C9D1D9"/>
-              </a:solidFill>
-              <a:effectLst/>
-              <a:latin typeface="+mj-lt"/>
-            </a:endParaRPr>
-          </a:p>
-          <a:p>
-            <a:pPr algn="l">
-              <a:buFont typeface="Arial" panose="020B0604020202020204" pitchFamily="34" charset="0"/>
-              <a:buChar char="•"/>
-            </a:pPr>
-            <a:r>
-              <a:rPr lang="en-GB" b="0" i="0" u="none" strike="noStrike" dirty="0">
-                <a:solidFill>
-                  <a:srgbClr val="C9D1D9"/>
-                </a:solidFill>
-                <a:effectLst/>
-                <a:latin typeface="+mj-lt"/>
-                <a:hlinkClick r:id="rId6"/>
-              </a:rPr>
-              <a:t>Calculus</a:t>
-            </a:r>
-            <a:endParaRPr lang="en-GB" b="0" i="0" dirty="0">
-              <a:solidFill>
-                <a:srgbClr val="C9D1D9"/>
-              </a:solidFill>
-              <a:effectLst/>
-              <a:latin typeface="+mj-lt"/>
-            </a:endParaRPr>
-          </a:p>
-          <a:p>
-            <a:pPr algn="l">
-              <a:buFont typeface="Arial" panose="020B0604020202020204" pitchFamily="34" charset="0"/>
-              <a:buChar char="•"/>
-            </a:pPr>
-            <a:r>
-              <a:rPr lang="en-GB" b="0" i="0" u="none" strike="noStrike" dirty="0">
-                <a:solidFill>
-                  <a:srgbClr val="C9D1D9"/>
-                </a:solidFill>
-                <a:effectLst/>
-                <a:latin typeface="+mj-lt"/>
-                <a:hlinkClick r:id="rId7"/>
-              </a:rPr>
-              <a:t>Built-In Functions</a:t>
-            </a:r>
-            <a:endParaRPr lang="en-GB" b="0" i="0" dirty="0">
-              <a:solidFill>
-                <a:srgbClr val="C9D1D9"/>
-              </a:solidFill>
-              <a:effectLst/>
-              <a:latin typeface="+mj-lt"/>
-            </a:endParaRPr>
-          </a:p>
-          <a:p>
-            <a:pPr algn="l">
-              <a:buFont typeface="Arial" panose="020B0604020202020204" pitchFamily="34" charset="0"/>
-              <a:buChar char="•"/>
-            </a:pPr>
-            <a:r>
-              <a:rPr lang="en-GB" b="0" i="0" u="none" strike="noStrike" dirty="0">
-                <a:solidFill>
-                  <a:srgbClr val="C9D1D9"/>
-                </a:solidFill>
-                <a:effectLst/>
-                <a:latin typeface="+mj-lt"/>
-                <a:hlinkClick r:id="rId8"/>
-              </a:rPr>
-              <a:t>Initial Value Problems</a:t>
-            </a:r>
-            <a:endParaRPr lang="en-GB" b="0" i="0" dirty="0">
-              <a:solidFill>
-                <a:srgbClr val="C9D1D9"/>
-              </a:solidFill>
-              <a:effectLst/>
-              <a:latin typeface="+mj-lt"/>
-            </a:endParaRPr>
-          </a:p>
-          <a:p>
-            <a:pPr algn="l">
-              <a:buFont typeface="Arial" panose="020B0604020202020204" pitchFamily="34" charset="0"/>
-              <a:buChar char="•"/>
-            </a:pPr>
-            <a:r>
-              <a:rPr lang="en-GB" b="0" i="0" u="none" strike="noStrike" dirty="0">
-                <a:solidFill>
-                  <a:srgbClr val="C9D1D9"/>
-                </a:solidFill>
-                <a:effectLst/>
-                <a:latin typeface="+mj-lt"/>
-                <a:hlinkClick r:id="rId9"/>
-              </a:rPr>
-              <a:t>Other Features</a:t>
-            </a:r>
-            <a:endParaRPr lang="en-GB" b="0" i="0" dirty="0">
-              <a:solidFill>
-                <a:srgbClr val="C9D1D9"/>
-              </a:solidFill>
-              <a:effectLst/>
-              <a:latin typeface="+mj-lt"/>
-            </a:endParaRPr>
-          </a:p>
-          <a:p>
-            <a:pPr algn="l">
-              <a:buFont typeface="Arial" panose="020B0604020202020204" pitchFamily="34" charset="0"/>
-              <a:buChar char="•"/>
-            </a:pPr>
-            <a:r>
-              <a:rPr lang="en-GB" b="0" i="0" u="none" strike="noStrike" dirty="0">
-                <a:solidFill>
-                  <a:srgbClr val="C9D1D9"/>
-                </a:solidFill>
-                <a:effectLst/>
-                <a:latin typeface="+mj-lt"/>
-                <a:hlinkClick r:id="rId10"/>
-              </a:rPr>
-              <a:t>Performance Comparison</a:t>
-            </a:r>
-            <a:endParaRPr lang="en-GB" b="0" i="0" dirty="0">
-              <a:solidFill>
-                <a:srgbClr val="C9D1D9"/>
-              </a:solidFill>
-              <a:effectLst/>
-              <a:latin typeface="+mj-lt"/>
-            </a:endParaRPr>
-          </a:p>
-          <a:p>
-            <a:pPr algn="l">
-              <a:buFont typeface="Arial" panose="020B0604020202020204" pitchFamily="34" charset="0"/>
-              <a:buChar char="•"/>
-            </a:pPr>
-            <a:r>
-              <a:rPr lang="en-GB" b="0" i="0" u="none" strike="noStrike" dirty="0">
-                <a:solidFill>
-                  <a:srgbClr val="C9D1D9"/>
-                </a:solidFill>
-                <a:effectLst/>
-                <a:latin typeface="+mj-lt"/>
-                <a:hlinkClick r:id="rId11"/>
-              </a:rPr>
-              <a:t>Projects</a:t>
-            </a:r>
-            <a:endParaRPr lang="en-GB" b="0" i="0" dirty="0">
-              <a:solidFill>
-                <a:srgbClr val="C9D1D9"/>
-              </a:solidFill>
-              <a:effectLst/>
-              <a:latin typeface="+mj-lt"/>
-            </a:endParaRPr>
-          </a:p>
-          <a:p>
-            <a:endParaRPr lang="en-GB" dirty="0"/>
-          </a:p>
-        </p:txBody>
-      </p:sp>
-    </p:spTree>
-    <p:extLst>
-      <p:ext uri="{BB962C8B-B14F-4D97-AF65-F5344CB8AC3E}">
-        <p14:creationId xmlns:p14="http://schemas.microsoft.com/office/powerpoint/2010/main" val="4074605344"/>
-      </p:ext>
-    </p:extLst>
-  </p:cSld>
-  <p:clrMapOvr>
-    <a:masterClrMapping/>
-  </p:clrMapOvr>
-  <mc:AlternateContent xmlns:mc="http://schemas.openxmlformats.org/markup-compatibility/2006" xmlns:p14="http://schemas.microsoft.com/office/powerpoint/2010/main">
-    <mc:Choice Requires="p14">
-      <p:transition p14:dur="10"/>
-    </mc:Choice>
-    <mc:Fallback xmlns="">
-      <p:transition/>
-    </mc:Fallback>
-  </mc:AlternateContent>
-</p:sld>
-</file>
-
-<file path=ppt/slides/slide7.xml><?xml version="1.0" encoding="utf-8"?>
-<p:sld xmlns:a="http://schemas.openxmlformats.org/drawingml/2006/main" xmlns:r="http://schemas.openxmlformats.org/officeDocument/2006/relationships" xmlns:p="http://schemas.openxmlformats.org/presentationml/2006/main">
-  <p:cSld>
-    <p:spTree>
-      <p:nvGrpSpPr>
-        <p:cNvPr id="1" name=""/>
-        <p:cNvGrpSpPr/>
-        <p:nvPr/>
-      </p:nvGrpSpPr>
-      <p:grpSpPr>
-        <a:xfrm>
-          <a:off x="0" y="0"/>
-          <a:ext cx="0" cy="0"/>
-          <a:chOff x="0" y="0"/>
-          <a:chExt cx="0" cy="0"/>
-        </a:xfrm>
-      </p:grpSpPr>
-      <p:sp>
-        <p:nvSpPr>
-          <p:cNvPr id="2" name="Title 1"/>
-          <p:cNvSpPr>
-            <a:spLocks noGrp="1"/>
-          </p:cNvSpPr>
-          <p:nvPr>
-            <p:ph type="title"/>
-          </p:nvPr>
-        </p:nvSpPr>
-        <p:spPr/>
-        <p:txBody>
-          <a:bodyPr/>
-          <a:lstStyle/>
-          <a:p>
-            <a:r>
-              <a:rPr lang="en-GB" sz="4000" dirty="0"/>
               <a:t>Feedback</a:t>
             </a:r>
           </a:p>
@@ -5057,7 +4903,7 @@
 </p:sld>
 </file>
 
-<file path=ppt/slides/slide8.xml><?xml version="1.0" encoding="utf-8"?>
+<file path=ppt/slides/slide7.xml><?xml version="1.0" encoding="utf-8"?>
 <p:sld xmlns:a="http://schemas.openxmlformats.org/drawingml/2006/main" xmlns:r="http://schemas.openxmlformats.org/officeDocument/2006/relationships" xmlns:p="http://schemas.openxmlformats.org/presentationml/2006/main">
   <p:cSld>
     <p:spTree>

--- a/Numerical Computing Python Slides.pptx
+++ b/Numerical Computing Python Slides.pptx
@@ -13,7 +13,7 @@
   <p:sldIdLst>
     <p:sldId id="264" r:id="rId2"/>
     <p:sldId id="504" r:id="rId3"/>
-    <p:sldId id="258" r:id="rId4"/>
+    <p:sldId id="538" r:id="rId4"/>
     <p:sldId id="267" r:id="rId5"/>
     <p:sldId id="281" r:id="rId6"/>
     <p:sldId id="329" r:id="rId7"/>
@@ -123,7 +123,7 @@
           <p14:sldIdLst>
             <p14:sldId id="264"/>
             <p14:sldId id="504"/>
-            <p14:sldId id="258"/>
+            <p14:sldId id="538"/>
             <p14:sldId id="267"/>
             <p14:sldId id="281"/>
             <p14:sldId id="329"/>
@@ -402,7 +402,7 @@
           <a:p>
             <a:fld id="{88EB714B-C3CC-4216-88C1-02913905B1CF}" type="datetimeFigureOut">
               <a:rPr lang="en-GB" smtClean="0"/>
-              <a:t>08/03/2022</a:t>
+              <a:t>08/04/2022</a:t>
             </a:fld>
             <a:endParaRPr lang="en-GB"/>
           </a:p>
@@ -1783,7 +1783,7 @@
           <a:p>
             <a:fld id="{EB0080F8-EA1C-491D-963C-2C881B2F918F}" type="datetimeFigureOut">
               <a:rPr lang="en-GB" smtClean="0"/>
-              <a:t>08/03/2022</a:t>
+              <a:t>08/04/2022</a:t>
             </a:fld>
             <a:endParaRPr lang="en-GB"/>
           </a:p>
@@ -1933,7 +1933,7 @@
           <a:p>
             <a:fld id="{EB0080F8-EA1C-491D-963C-2C881B2F918F}" type="datetimeFigureOut">
               <a:rPr lang="en-GB" smtClean="0"/>
-              <a:t>08/03/2022</a:t>
+              <a:t>08/04/2022</a:t>
             </a:fld>
             <a:endParaRPr lang="en-GB"/>
           </a:p>
@@ -3466,7 +3466,7 @@
           <a:p>
             <a:fld id="{EB0080F8-EA1C-491D-963C-2C881B2F918F}" type="datetimeFigureOut">
               <a:rPr lang="en-GB" smtClean="0"/>
-              <a:t>08/03/2022</a:t>
+              <a:t>08/04/2022</a:t>
             </a:fld>
             <a:endParaRPr lang="en-GB"/>
           </a:p>
@@ -4165,7 +4165,7 @@
           </a:lstStyle>
           <a:p>
             <a:r>
-              <a:rPr lang="en-US" sz="3200">
+              <a:rPr lang="en-US" sz="3200" dirty="0">
                 <a:solidFill>
                   <a:schemeClr val="accent3"/>
                 </a:solidFill>
@@ -4195,102 +4195,137 @@
           <a:bodyPr lIns="91440" tIns="45720" rIns="91440" bIns="45720" anchor="t"/>
           <a:lstStyle/>
           <a:p>
-            <a:r>
-              <a:rPr lang="en-US" sz="2200" u="sng">
-                <a:solidFill>
-                  <a:schemeClr val="tx1"/>
-                </a:solidFill>
-                <a:ea typeface="+mj-lt"/>
-                <a:cs typeface="+mj-lt"/>
-              </a:rPr>
-              <a:t>Face coverings</a:t>
-            </a:r>
-          </a:p>
-          <a:p>
-            <a:pPr marL="457200" indent="-457200">
+            <a:pPr marL="285750" indent="-285750">
               <a:buFont typeface="Arial" panose="020B0604020202020204" pitchFamily="34" charset="0"/>
               <a:buChar char="•"/>
             </a:pPr>
             <a:r>
-              <a:rPr lang="en-GB" sz="2200" b="0" i="0">
+              <a:rPr lang="en-GB" sz="2400" dirty="0">
                 <a:solidFill>
                   <a:schemeClr val="tx1"/>
                 </a:solidFill>
-                <a:effectLst/>
-                <a:latin typeface="+mn-lt"/>
+                <a:latin typeface="Arial" panose="020B0604020202020204" pitchFamily="34" charset="0"/>
+                <a:ea typeface="MS PGothic" panose="020B0600070205080204" pitchFamily="34" charset="-128"/>
               </a:rPr>
-              <a:t>While infection rates remain high, we encourage all members of our community to continue wearing face coverings in most indoor settings on campus, including Graduate School workshops</a:t>
-            </a:r>
-          </a:p>
-          <a:p>
-            <a:endParaRPr lang="en-US" sz="2200" u="sng">
+              <a:t>You are encouraged to wear a face covering indoors, especially in crowded, enclosed spaces, unless you are exempt.  This includes </a:t>
+            </a:r>
+            <a:r>
+              <a:rPr lang="en-GB" sz="2400" b="1" dirty="0">
+                <a:solidFill>
+                  <a:schemeClr val="tx1"/>
+                </a:solidFill>
+                <a:latin typeface="Arial" panose="020B0604020202020204" pitchFamily="34" charset="0"/>
+                <a:ea typeface="MS PGothic" panose="020B0600070205080204" pitchFamily="34" charset="-128"/>
+              </a:rPr>
+              <a:t>for Graduate School workshops</a:t>
+            </a:r>
+          </a:p>
+          <a:p>
+            <a:endParaRPr lang="en-US" sz="2400" dirty="0">
               <a:solidFill>
                 <a:schemeClr val="tx1"/>
               </a:solidFill>
-              <a:ea typeface="+mj-lt"/>
-              <a:cs typeface="+mj-lt"/>
             </a:endParaRPr>
           </a:p>
           <a:p>
-            <a:r>
-              <a:rPr lang="en-US" sz="2200" u="sng">
+            <a:pPr marL="285750" indent="-285750">
+              <a:buFont typeface="Arial" panose="020B0604020202020204" pitchFamily="34" charset="0"/>
+              <a:buChar char="•"/>
+            </a:pPr>
+            <a:r>
+              <a:rPr lang="en-GB" sz="2400" dirty="0">
                 <a:solidFill>
                   <a:schemeClr val="tx1"/>
                 </a:solidFill>
-                <a:latin typeface="+mn-lt"/>
-                <a:ea typeface="+mj-lt"/>
-                <a:cs typeface="+mj-lt"/>
+                <a:effectLst/>
+                <a:latin typeface="Arial" panose="020B0604020202020204" pitchFamily="34" charset="0"/>
+                <a:ea typeface="MS PGothic" panose="020B0600070205080204" pitchFamily="34" charset="-128"/>
               </a:rPr>
-              <a:t>Hygiene</a:t>
-            </a:r>
-            <a:endParaRPr lang="en-GB" sz="2200" u="sng">
+              <a:t>Cover your coughs and sneezes to reduce the spread of particles </a:t>
+            </a:r>
+          </a:p>
+          <a:p>
+            <a:endParaRPr lang="en-GB" sz="2400" dirty="0">
               <a:solidFill>
                 <a:schemeClr val="tx1"/>
               </a:solidFill>
-              <a:latin typeface="+mn-lt"/>
-              <a:ea typeface="Calibri" panose="020F0502020204030204" pitchFamily="34" charset="0"/>
-              <a:cs typeface="Times New Roman"/>
+              <a:effectLst/>
+              <a:latin typeface="Arial" panose="020B0604020202020204" pitchFamily="34" charset="0"/>
+              <a:ea typeface="MS PGothic" panose="020B0600070205080204" pitchFamily="34" charset="-128"/>
             </a:endParaRPr>
           </a:p>
           <a:p>
-            <a:pPr marL="457200" indent="-457200">
+            <a:pPr marL="285750" indent="-285750">
               <a:buFont typeface="Arial" panose="020B0604020202020204" pitchFamily="34" charset="0"/>
               <a:buChar char="•"/>
             </a:pPr>
             <a:r>
-              <a:rPr lang="en-US" sz="2200">
+              <a:rPr lang="en-GB" sz="2400" dirty="0">
                 <a:solidFill>
                   <a:schemeClr val="tx1"/>
                 </a:solidFill>
+                <a:latin typeface="Arial" panose="020B0604020202020204" pitchFamily="34" charset="0"/>
+                <a:ea typeface="MS PGothic" panose="020B0600070205080204" pitchFamily="34" charset="-128"/>
               </a:rPr>
-              <a:t>Where hand </a:t>
-            </a:r>
-            <a:r>
-              <a:rPr lang="en-US" sz="2200" err="1">
+              <a:t>R</a:t>
+            </a:r>
+            <a:r>
+              <a:rPr lang="en-GB" sz="2400" dirty="0">
                 <a:solidFill>
                   <a:schemeClr val="tx1"/>
                 </a:solidFill>
+                <a:effectLst/>
+                <a:latin typeface="Arial" panose="020B0604020202020204" pitchFamily="34" charset="0"/>
+                <a:ea typeface="MS PGothic" panose="020B0600070205080204" pitchFamily="34" charset="-128"/>
               </a:rPr>
-              <a:t>sanitiser</a:t>
-            </a:r>
-            <a:r>
-              <a:rPr lang="en-US" sz="2200">
+              <a:t>espect people’s wishes for extra space </a:t>
+            </a:r>
+          </a:p>
+          <a:p>
+            <a:endParaRPr lang="en-GB" sz="2400" dirty="0">
+              <a:solidFill>
+                <a:schemeClr val="tx1"/>
+              </a:solidFill>
+              <a:latin typeface="Arial" panose="020B0604020202020204" pitchFamily="34" charset="0"/>
+              <a:ea typeface="MS PGothic" panose="020B0600070205080204" pitchFamily="34" charset="-128"/>
+            </a:endParaRPr>
+          </a:p>
+          <a:p>
+            <a:pPr marL="285750" indent="-285750">
+              <a:buFont typeface="Arial" panose="020B0604020202020204" pitchFamily="34" charset="0"/>
+              <a:buChar char="•"/>
+            </a:pPr>
+            <a:r>
+              <a:rPr lang="en-GB" sz="2400" dirty="0">
                 <a:solidFill>
                   <a:schemeClr val="tx1"/>
                 </a:solidFill>
+                <a:effectLst/>
+                <a:latin typeface="Arial" panose="020B0604020202020204" pitchFamily="34" charset="0"/>
+                <a:ea typeface="MS PGothic" panose="020B0600070205080204" pitchFamily="34" charset="-128"/>
               </a:rPr>
-              <a:t> is available, please use it</a:t>
-            </a:r>
-          </a:p>
-          <a:p>
-            <a:endParaRPr lang="en-US" sz="2400"/>
+              <a:t>Use hand sanitiser where it is available to you</a:t>
+            </a:r>
+          </a:p>
+          <a:p>
+            <a:r>
+              <a:rPr lang="en-GB" sz="2400" dirty="0">
+                <a:solidFill>
+                  <a:schemeClr val="tx1"/>
+                </a:solidFill>
+                <a:effectLst/>
+                <a:latin typeface="Arial" panose="020B0604020202020204" pitchFamily="34" charset="0"/>
+                <a:ea typeface="MS PGothic" panose="020B0600070205080204" pitchFamily="34" charset="-128"/>
+              </a:rPr>
+              <a:t> </a:t>
+            </a:r>
           </a:p>
         </p:txBody>
       </p:sp>
     </p:spTree>
     <p:extLst>
       <p:ext uri="{BB962C8B-B14F-4D97-AF65-F5344CB8AC3E}">
-        <p14:creationId xmlns:p14="http://schemas.microsoft.com/office/powerpoint/2010/main" val="70908208"/>
+        <p14:creationId xmlns:p14="http://schemas.microsoft.com/office/powerpoint/2010/main" val="2596273163"/>
       </p:ext>
     </p:extLst>
   </p:cSld>

--- a/Numerical Computing Python Slides.pptx
+++ b/Numerical Computing Python Slides.pptx
@@ -5,19 +5,18 @@
     <p:sldMasterId id="2147483648" r:id="rId1"/>
   </p:sldMasterIdLst>
   <p:notesMasterIdLst>
-    <p:notesMasterId r:id="rId9"/>
+    <p:notesMasterId r:id="rId8"/>
   </p:notesMasterIdLst>
   <p:handoutMasterIdLst>
-    <p:handoutMasterId r:id="rId10"/>
+    <p:handoutMasterId r:id="rId9"/>
   </p:handoutMasterIdLst>
   <p:sldIdLst>
     <p:sldId id="264" r:id="rId2"/>
     <p:sldId id="504" r:id="rId3"/>
-    <p:sldId id="538" r:id="rId4"/>
-    <p:sldId id="267" r:id="rId5"/>
-    <p:sldId id="281" r:id="rId6"/>
-    <p:sldId id="329" r:id="rId7"/>
-    <p:sldId id="280" r:id="rId8"/>
+    <p:sldId id="267" r:id="rId4"/>
+    <p:sldId id="281" r:id="rId5"/>
+    <p:sldId id="329" r:id="rId6"/>
+    <p:sldId id="280" r:id="rId7"/>
   </p:sldIdLst>
   <p:sldSz cx="9144000" cy="6858000" type="screen4x3"/>
   <p:notesSz cx="7099300" cy="10234613"/>
@@ -123,7 +122,6 @@
           <p14:sldIdLst>
             <p14:sldId id="264"/>
             <p14:sldId id="504"/>
-            <p14:sldId id="538"/>
             <p14:sldId id="267"/>
             <p14:sldId id="281"/>
             <p14:sldId id="329"/>
@@ -402,7 +400,7 @@
           <a:p>
             <a:fld id="{88EB714B-C3CC-4216-88C1-02913905B1CF}" type="datetimeFigureOut">
               <a:rPr lang="en-GB" smtClean="0"/>
-              <a:t>08/04/2022</a:t>
+              <a:t>20/05/2022</a:t>
             </a:fld>
             <a:endParaRPr lang="en-GB"/>
           </a:p>
@@ -986,7 +984,7 @@
           <a:p>
             <a:fld id="{6A641EC8-C9F8-4A58-A1A7-F7D817526EEC}" type="slidenum">
               <a:rPr lang="en-GB" smtClean="0"/>
-              <a:t>4</a:t>
+              <a:t>3</a:t>
             </a:fld>
             <a:endParaRPr lang="en-GB"/>
           </a:p>
@@ -1070,7 +1068,7 @@
           <a:p>
             <a:fld id="{6A641EC8-C9F8-4A58-A1A7-F7D817526EEC}" type="slidenum">
               <a:rPr lang="en-GB" smtClean="0"/>
-              <a:t>5</a:t>
+              <a:t>4</a:t>
             </a:fld>
             <a:endParaRPr lang="en-GB"/>
           </a:p>
@@ -1154,7 +1152,7 @@
           <a:p>
             <a:fld id="{6A641EC8-C9F8-4A58-A1A7-F7D817526EEC}" type="slidenum">
               <a:rPr lang="en-GB" smtClean="0"/>
-              <a:t>6</a:t>
+              <a:t>5</a:t>
             </a:fld>
             <a:endParaRPr lang="en-GB"/>
           </a:p>
@@ -1350,7 +1348,7 @@
                   <a:spcPct val="0"/>
                 </a:spcBef>
               </a:pPr>
-              <a:t>7</a:t>
+              <a:t>6</a:t>
             </a:fld>
             <a:endParaRPr lang="en-US" altLang="en-US"/>
           </a:p>
@@ -1783,7 +1781,7 @@
           <a:p>
             <a:fld id="{EB0080F8-EA1C-491D-963C-2C881B2F918F}" type="datetimeFigureOut">
               <a:rPr lang="en-GB" smtClean="0"/>
-              <a:t>08/04/2022</a:t>
+              <a:t>20/05/2022</a:t>
             </a:fld>
             <a:endParaRPr lang="en-GB"/>
           </a:p>
@@ -1933,7 +1931,7 @@
           <a:p>
             <a:fld id="{EB0080F8-EA1C-491D-963C-2C881B2F918F}" type="datetimeFigureOut">
               <a:rPr lang="en-GB" smtClean="0"/>
-              <a:t>08/04/2022</a:t>
+              <a:t>20/05/2022</a:t>
             </a:fld>
             <a:endParaRPr lang="en-GB"/>
           </a:p>
@@ -3466,7 +3464,7 @@
           <a:p>
             <a:fld id="{EB0080F8-EA1C-491D-963C-2C881B2F918F}" type="datetimeFigureOut">
               <a:rPr lang="en-GB" smtClean="0"/>
-              <a:t>08/04/2022</a:t>
+              <a:t>20/05/2022</a:t>
             </a:fld>
             <a:endParaRPr lang="en-GB"/>
           </a:p>
@@ -4127,197 +4125,133 @@
       </p:grpSpPr>
       <p:sp>
         <p:nvSpPr>
-          <p:cNvPr id="4" name="Title 1"/>
-          <p:cNvSpPr txBox="1">
-            <a:spLocks/>
-          </p:cNvSpPr>
-          <p:nvPr/>
+          <p:cNvPr id="2" name="Title 1"/>
+          <p:cNvSpPr>
+            <a:spLocks noGrp="1"/>
+          </p:cNvSpPr>
+          <p:nvPr>
+            <p:ph type="title"/>
+          </p:nvPr>
+        </p:nvSpPr>
+        <p:spPr/>
+        <p:txBody>
+          <a:bodyPr/>
+          <a:lstStyle/>
+          <a:p>
+            <a:r>
+              <a:rPr lang="en-GB" sz="4000" dirty="0"/>
+              <a:t>Learning Outcomes</a:t>
+            </a:r>
+          </a:p>
+        </p:txBody>
+      </p:sp>
+      <p:sp>
+        <p:nvSpPr>
+          <p:cNvPr id="3" name="Content Placeholder 2"/>
+          <p:cNvSpPr>
+            <a:spLocks noGrp="1"/>
+          </p:cNvSpPr>
+          <p:nvPr>
+            <p:ph idx="1"/>
+          </p:nvPr>
         </p:nvSpPr>
         <p:spPr>
           <a:xfrm>
-            <a:off x="401320" y="472966"/>
-            <a:ext cx="5778764" cy="961696"/>
+            <a:off x="457200" y="1600200"/>
+            <a:ext cx="8435280" cy="4876800"/>
           </a:xfrm>
-          <a:prstGeom prst="rect">
-            <a:avLst/>
-          </a:prstGeom>
-        </p:spPr>
-        <p:txBody>
-          <a:bodyPr anchor="b"/>
-          <a:lstStyle>
-            <a:lvl1pPr algn="l" defTabSz="457200" rtl="0" eaLnBrk="1" latinLnBrk="0" hangingPunct="1">
+        </p:spPr>
+        <p:txBody>
+          <a:bodyPr>
+            <a:normAutofit/>
+          </a:bodyPr>
+          <a:lstStyle/>
+          <a:p>
+            <a:pPr marL="514350" lvl="0" indent="-514350">
               <a:lnSpc>
-                <a:spcPct val="90000"/>
+                <a:spcPct val="107000"/>
               </a:lnSpc>
-              <a:spcBef>
-                <a:spcPct val="0"/>
-              </a:spcBef>
-              <a:buNone/>
-              <a:defRPr sz="4000" b="1" i="0" kern="1200" baseline="0">
-                <a:solidFill>
-                  <a:schemeClr val="tx2"/>
-                </a:solidFill>
-                <a:latin typeface="+mj-lt"/>
-                <a:ea typeface="+mj-ea"/>
-                <a:cs typeface="MetaOT-Bold"/>
-              </a:defRPr>
-            </a:lvl1pPr>
-          </a:lstStyle>
-          <a:p>
-            <a:r>
-              <a:rPr lang="en-US" sz="3200" dirty="0">
-                <a:solidFill>
-                  <a:schemeClr val="accent3"/>
-                </a:solidFill>
+              <a:buAutoNum type="arabicPeriod"/>
+            </a:pPr>
+            <a:r>
+              <a:rPr lang="en-GB" sz="3000" b="1" dirty="0">
+                <a:latin typeface="Arial" panose="020B0604020202020204" pitchFamily="34" charset="0"/>
+                <a:cs typeface="Arial" panose="020B0604020202020204" pitchFamily="34" charset="0"/>
               </a:rPr>
-              <a:t>Expectations:  Covid-safe teaching environments</a:t>
-            </a:r>
-          </a:p>
-        </p:txBody>
-      </p:sp>
-      <p:sp>
-        <p:nvSpPr>
-          <p:cNvPr id="5" name="Subtitle 2"/>
-          <p:cNvSpPr>
-            <a:spLocks noGrp="1"/>
-          </p:cNvSpPr>
-          <p:nvPr>
-            <p:ph type="subTitle" idx="1"/>
-          </p:nvPr>
-        </p:nvSpPr>
-        <p:spPr>
-          <a:xfrm>
-            <a:off x="401320" y="1631731"/>
-            <a:ext cx="8490432" cy="4548352"/>
-          </a:xfrm>
-        </p:spPr>
-        <p:txBody>
-          <a:bodyPr lIns="91440" tIns="45720" rIns="91440" bIns="45720" anchor="t"/>
-          <a:lstStyle/>
-          <a:p>
-            <a:pPr marL="285750" indent="-285750">
-              <a:buFont typeface="Arial" panose="020B0604020202020204" pitchFamily="34" charset="0"/>
-              <a:buChar char="•"/>
+              <a:t>Describe</a:t>
+            </a:r>
+            <a:r>
+              <a:rPr lang="en-GB" sz="3000" dirty="0">
+                <a:latin typeface="Arial" panose="020B0604020202020204" pitchFamily="34" charset="0"/>
+                <a:cs typeface="Arial" panose="020B0604020202020204" pitchFamily="34" charset="0"/>
+              </a:rPr>
+              <a:t> the key functionality and advantages of NumPy and SciPy</a:t>
+            </a:r>
+          </a:p>
+          <a:p>
+            <a:pPr marL="514350" lvl="0" indent="-514350">
+              <a:lnSpc>
+                <a:spcPct val="107000"/>
+              </a:lnSpc>
+              <a:buAutoNum type="arabicPeriod"/>
             </a:pPr>
             <a:r>
-              <a:rPr lang="en-GB" sz="2400" dirty="0">
-                <a:solidFill>
-                  <a:schemeClr val="tx1"/>
-                </a:solidFill>
+              <a:rPr lang="en-GB" sz="3000" b="1" dirty="0">
                 <a:latin typeface="Arial" panose="020B0604020202020204" pitchFamily="34" charset="0"/>
-                <a:ea typeface="MS PGothic" panose="020B0600070205080204" pitchFamily="34" charset="-128"/>
+                <a:cs typeface="Arial" panose="020B0604020202020204" pitchFamily="34" charset="0"/>
               </a:rPr>
-              <a:t>You are encouraged to wear a face covering indoors, especially in crowded, enclosed spaces, unless you are exempt.  This includes </a:t>
-            </a:r>
-            <a:r>
-              <a:rPr lang="en-GB" sz="2400" b="1" dirty="0">
-                <a:solidFill>
-                  <a:schemeClr val="tx1"/>
-                </a:solidFill>
+              <a:t>Utilise</a:t>
+            </a:r>
+            <a:r>
+              <a:rPr lang="en-GB" sz="3000" dirty="0">
                 <a:latin typeface="Arial" panose="020B0604020202020204" pitchFamily="34" charset="0"/>
-                <a:ea typeface="MS PGothic" panose="020B0600070205080204" pitchFamily="34" charset="-128"/>
+                <a:cs typeface="Arial" panose="020B0604020202020204" pitchFamily="34" charset="0"/>
               </a:rPr>
-              <a:t>for Graduate School workshops</a:t>
-            </a:r>
-          </a:p>
-          <a:p>
-            <a:endParaRPr lang="en-US" sz="2400" dirty="0">
-              <a:solidFill>
-                <a:schemeClr val="tx1"/>
-              </a:solidFill>
-            </a:endParaRPr>
-          </a:p>
-          <a:p>
-            <a:pPr marL="285750" indent="-285750">
-              <a:buFont typeface="Arial" panose="020B0604020202020204" pitchFamily="34" charset="0"/>
-              <a:buChar char="•"/>
+              <a:t> NumPy arrays to store and perform operations on data sets</a:t>
+            </a:r>
+          </a:p>
+          <a:p>
+            <a:pPr marL="514350" lvl="0" indent="-514350">
+              <a:lnSpc>
+                <a:spcPct val="107000"/>
+              </a:lnSpc>
+              <a:buAutoNum type="arabicPeriod"/>
             </a:pPr>
             <a:r>
-              <a:rPr lang="en-GB" sz="2400" dirty="0">
-                <a:solidFill>
-                  <a:schemeClr val="tx1"/>
-                </a:solidFill>
-                <a:effectLst/>
+              <a:rPr lang="en-GB" sz="3000" b="1" dirty="0">
                 <a:latin typeface="Arial" panose="020B0604020202020204" pitchFamily="34" charset="0"/>
-                <a:ea typeface="MS PGothic" panose="020B0600070205080204" pitchFamily="34" charset="-128"/>
+                <a:cs typeface="Arial" panose="020B0604020202020204" pitchFamily="34" charset="0"/>
               </a:rPr>
-              <a:t>Cover your coughs and sneezes to reduce the spread of particles </a:t>
-            </a:r>
-          </a:p>
-          <a:p>
-            <a:endParaRPr lang="en-GB" sz="2400" dirty="0">
-              <a:solidFill>
-                <a:schemeClr val="tx1"/>
-              </a:solidFill>
-              <a:effectLst/>
-              <a:latin typeface="Arial" panose="020B0604020202020204" pitchFamily="34" charset="0"/>
-              <a:ea typeface="MS PGothic" panose="020B0600070205080204" pitchFamily="34" charset="-128"/>
-            </a:endParaRPr>
-          </a:p>
-          <a:p>
-            <a:pPr marL="285750" indent="-285750">
-              <a:buFont typeface="Arial" panose="020B0604020202020204" pitchFamily="34" charset="0"/>
-              <a:buChar char="•"/>
+              <a:t>Locate</a:t>
+            </a:r>
+            <a:r>
+              <a:rPr lang="en-GB" sz="3000" dirty="0">
+                <a:latin typeface="Arial" panose="020B0604020202020204" pitchFamily="34" charset="0"/>
+                <a:cs typeface="Arial" panose="020B0604020202020204" pitchFamily="34" charset="0"/>
+              </a:rPr>
+              <a:t> appropriate SciPy functions for a specific problem</a:t>
+            </a:r>
+          </a:p>
+          <a:p>
+            <a:pPr marL="514350" lvl="0" indent="-514350">
+              <a:lnSpc>
+                <a:spcPct val="107000"/>
+              </a:lnSpc>
+              <a:buAutoNum type="arabicPeriod"/>
             </a:pPr>
             <a:r>
-              <a:rPr lang="en-GB" sz="2400" dirty="0">
-                <a:solidFill>
-                  <a:schemeClr val="tx1"/>
-                </a:solidFill>
+              <a:rPr lang="en-GB" sz="3000" b="1" dirty="0">
                 <a:latin typeface="Arial" panose="020B0604020202020204" pitchFamily="34" charset="0"/>
-                <a:ea typeface="MS PGothic" panose="020B0600070205080204" pitchFamily="34" charset="-128"/>
+                <a:cs typeface="Arial" panose="020B0604020202020204" pitchFamily="34" charset="0"/>
               </a:rPr>
-              <a:t>R</a:t>
-            </a:r>
-            <a:r>
-              <a:rPr lang="en-GB" sz="2400" dirty="0">
-                <a:solidFill>
-                  <a:schemeClr val="tx1"/>
-                </a:solidFill>
-                <a:effectLst/>
+              <a:t>Create</a:t>
+            </a:r>
+            <a:r>
+              <a:rPr lang="en-GB" sz="3000" dirty="0">
                 <a:latin typeface="Arial" panose="020B0604020202020204" pitchFamily="34" charset="0"/>
-                <a:ea typeface="MS PGothic" panose="020B0600070205080204" pitchFamily="34" charset="-128"/>
+                <a:cs typeface="Arial" panose="020B0604020202020204" pitchFamily="34" charset="0"/>
               </a:rPr>
-              <a:t>espect people’s wishes for extra space </a:t>
-            </a:r>
-          </a:p>
-          <a:p>
-            <a:endParaRPr lang="en-GB" sz="2400" dirty="0">
-              <a:solidFill>
-                <a:schemeClr val="tx1"/>
-              </a:solidFill>
-              <a:latin typeface="Arial" panose="020B0604020202020204" pitchFamily="34" charset="0"/>
-              <a:ea typeface="MS PGothic" panose="020B0600070205080204" pitchFamily="34" charset="-128"/>
-            </a:endParaRPr>
-          </a:p>
-          <a:p>
-            <a:pPr marL="285750" indent="-285750">
-              <a:buFont typeface="Arial" panose="020B0604020202020204" pitchFamily="34" charset="0"/>
-              <a:buChar char="•"/>
-            </a:pPr>
-            <a:r>
-              <a:rPr lang="en-GB" sz="2400" dirty="0">
-                <a:solidFill>
-                  <a:schemeClr val="tx1"/>
-                </a:solidFill>
-                <a:effectLst/>
-                <a:latin typeface="Arial" panose="020B0604020202020204" pitchFamily="34" charset="0"/>
-                <a:ea typeface="MS PGothic" panose="020B0600070205080204" pitchFamily="34" charset="-128"/>
-              </a:rPr>
-              <a:t>Use hand sanitiser where it is available to you</a:t>
-            </a:r>
-          </a:p>
-          <a:p>
-            <a:r>
-              <a:rPr lang="en-GB" sz="2400" dirty="0">
-                <a:solidFill>
-                  <a:schemeClr val="tx1"/>
-                </a:solidFill>
-                <a:effectLst/>
-                <a:latin typeface="Arial" panose="020B0604020202020204" pitchFamily="34" charset="0"/>
-                <a:ea typeface="MS PGothic" panose="020B0600070205080204" pitchFamily="34" charset="-128"/>
-              </a:rPr>
-              <a:t> </a:t>
+              <a:t> basic programs using NumPy and SciPy to solve numerical problems</a:t>
             </a:r>
           </a:p>
         </p:txBody>
@@ -4325,13 +4259,21 @@
     </p:spTree>
     <p:extLst>
       <p:ext uri="{BB962C8B-B14F-4D97-AF65-F5344CB8AC3E}">
-        <p14:creationId xmlns:p14="http://schemas.microsoft.com/office/powerpoint/2010/main" val="2596273163"/>
+        <p14:creationId xmlns:p14="http://schemas.microsoft.com/office/powerpoint/2010/main" val="3248724752"/>
       </p:ext>
     </p:extLst>
   </p:cSld>
   <p:clrMapOvr>
     <a:masterClrMapping/>
   </p:clrMapOvr>
+  <mc:AlternateContent xmlns:mc="http://schemas.openxmlformats.org/markup-compatibility/2006" xmlns:p14="http://schemas.microsoft.com/office/powerpoint/2010/main">
+    <mc:Choice Requires="p14">
+      <p:transition p14:dur="10"/>
+    </mc:Choice>
+    <mc:Fallback xmlns="">
+      <p:transition/>
+    </mc:Fallback>
+  </mc:AlternateContent>
 </p:sld>
 </file>
 
@@ -4369,7 +4311,7 @@
           <a:p>
             <a:r>
               <a:rPr lang="en-GB" sz="4000" dirty="0"/>
-              <a:t>Learning Outcomes</a:t>
+              <a:t>Notebook Links</a:t>
             </a:r>
           </a:p>
         </p:txBody>
@@ -4392,103 +4334,230 @@
         </p:spPr>
         <p:txBody>
           <a:bodyPr>
-            <a:normAutofit/>
+            <a:normAutofit lnSpcReduction="10000"/>
           </a:bodyPr>
           <a:lstStyle/>
           <a:p>
-            <a:pPr marL="514350" lvl="0" indent="-514350">
-              <a:lnSpc>
-                <a:spcPct val="107000"/>
-              </a:lnSpc>
-              <a:buAutoNum type="arabicPeriod"/>
+            <a:r>
+              <a:rPr lang="en-GB" b="0" i="0" u="none" strike="noStrike" dirty="0">
+                <a:solidFill>
+                  <a:srgbClr val="C9D1D9"/>
+                </a:solidFill>
+                <a:effectLst/>
+                <a:latin typeface="+mj-lt"/>
+                <a:hlinkClick r:id="rId3"/>
+              </a:rPr>
+              <a:t>What Are NumPy and SciPy</a:t>
+            </a:r>
+            <a:endParaRPr lang="en-GB" b="0" i="0" dirty="0">
+              <a:solidFill>
+                <a:srgbClr val="C9D1D9"/>
+              </a:solidFill>
+              <a:effectLst/>
+              <a:latin typeface="+mj-lt"/>
+            </a:endParaRPr>
+          </a:p>
+          <a:p>
+            <a:pPr algn="l">
+              <a:buFont typeface="Arial" panose="020B0604020202020204" pitchFamily="34" charset="0"/>
+              <a:buChar char="•"/>
             </a:pPr>
             <a:r>
-              <a:rPr lang="en-GB" sz="3000" b="1" dirty="0">
-                <a:latin typeface="Arial" panose="020B0604020202020204" pitchFamily="34" charset="0"/>
-                <a:cs typeface="Arial" panose="020B0604020202020204" pitchFamily="34" charset="0"/>
+              <a:rPr lang="en-GB" b="0" i="0" u="sng" dirty="0">
+                <a:solidFill>
+                  <a:srgbClr val="C9D1D9"/>
+                </a:solidFill>
+                <a:effectLst/>
+                <a:latin typeface="+mj-lt"/>
+                <a:hlinkClick r:id="rId4"/>
               </a:rPr>
-              <a:t>Describe</a:t>
-            </a:r>
-            <a:r>
-              <a:rPr lang="en-GB" sz="3000" dirty="0">
-                <a:latin typeface="Arial" panose="020B0604020202020204" pitchFamily="34" charset="0"/>
-                <a:cs typeface="Arial" panose="020B0604020202020204" pitchFamily="34" charset="0"/>
+              <a:t>Creating and Manipulating NumPy Arrays</a:t>
+            </a:r>
+            <a:endParaRPr lang="en-GB" b="0" i="0" dirty="0">
+              <a:solidFill>
+                <a:srgbClr val="C9D1D9"/>
+              </a:solidFill>
+              <a:effectLst/>
+              <a:latin typeface="+mj-lt"/>
+            </a:endParaRPr>
+          </a:p>
+          <a:p>
+            <a:pPr algn="l">
+              <a:buFont typeface="Arial" panose="020B0604020202020204" pitchFamily="34" charset="0"/>
+              <a:buChar char="•"/>
+            </a:pPr>
+            <a:r>
+              <a:rPr lang="en-GB" b="0" i="0" u="none" strike="noStrike" dirty="0">
+                <a:solidFill>
+                  <a:srgbClr val="C9D1D9"/>
+                </a:solidFill>
+                <a:effectLst/>
+                <a:latin typeface="+mj-lt"/>
+                <a:hlinkClick r:id="rId5"/>
               </a:rPr>
-              <a:t> the key functionality and advantages of NumPy and SciPy</a:t>
-            </a:r>
-          </a:p>
-          <a:p>
-            <a:pPr marL="514350" lvl="0" indent="-514350">
-              <a:lnSpc>
-                <a:spcPct val="107000"/>
-              </a:lnSpc>
-              <a:buAutoNum type="arabicPeriod"/>
+              <a:t>Array Operations</a:t>
+            </a:r>
+            <a:endParaRPr lang="en-GB" b="0" i="0" dirty="0">
+              <a:solidFill>
+                <a:srgbClr val="C9D1D9"/>
+              </a:solidFill>
+              <a:effectLst/>
+              <a:latin typeface="+mj-lt"/>
+            </a:endParaRPr>
+          </a:p>
+          <a:p>
+            <a:pPr algn="l">
+              <a:buFont typeface="Arial" panose="020B0604020202020204" pitchFamily="34" charset="0"/>
+              <a:buChar char="•"/>
             </a:pPr>
             <a:r>
-              <a:rPr lang="en-GB" sz="3000" b="1" dirty="0">
-                <a:latin typeface="Arial" panose="020B0604020202020204" pitchFamily="34" charset="0"/>
-                <a:cs typeface="Arial" panose="020B0604020202020204" pitchFamily="34" charset="0"/>
+              <a:rPr lang="en-GB" b="0" i="0" u="none" strike="noStrike" dirty="0">
+                <a:solidFill>
+                  <a:srgbClr val="C9D1D9"/>
+                </a:solidFill>
+                <a:effectLst/>
+                <a:latin typeface="+mj-lt"/>
+                <a:hlinkClick r:id="rId6"/>
               </a:rPr>
-              <a:t>Utilise</a:t>
-            </a:r>
-            <a:r>
-              <a:rPr lang="en-GB" sz="3000" dirty="0">
-                <a:latin typeface="Arial" panose="020B0604020202020204" pitchFamily="34" charset="0"/>
-                <a:cs typeface="Arial" panose="020B0604020202020204" pitchFamily="34" charset="0"/>
+              <a:t>Calculus</a:t>
+            </a:r>
+            <a:endParaRPr lang="en-GB" b="0" i="0" dirty="0">
+              <a:solidFill>
+                <a:srgbClr val="C9D1D9"/>
+              </a:solidFill>
+              <a:effectLst/>
+              <a:latin typeface="+mj-lt"/>
+            </a:endParaRPr>
+          </a:p>
+          <a:p>
+            <a:pPr algn="l">
+              <a:buFont typeface="Arial" panose="020B0604020202020204" pitchFamily="34" charset="0"/>
+              <a:buChar char="•"/>
+            </a:pPr>
+            <a:r>
+              <a:rPr lang="en-GB" b="0" i="0" u="none" strike="noStrike" dirty="0">
+                <a:solidFill>
+                  <a:srgbClr val="C9D1D9"/>
+                </a:solidFill>
+                <a:effectLst/>
+                <a:latin typeface="+mj-lt"/>
+                <a:hlinkClick r:id="rId7"/>
               </a:rPr>
-              <a:t> NumPy arrays to store and perform operations on data sets</a:t>
-            </a:r>
-          </a:p>
-          <a:p>
-            <a:pPr marL="514350" lvl="0" indent="-514350">
-              <a:lnSpc>
-                <a:spcPct val="107000"/>
-              </a:lnSpc>
-              <a:buAutoNum type="arabicPeriod"/>
+              <a:t>Built-In Functions</a:t>
+            </a:r>
+            <a:endParaRPr lang="en-GB" b="0" i="0" dirty="0">
+              <a:solidFill>
+                <a:srgbClr val="C9D1D9"/>
+              </a:solidFill>
+              <a:effectLst/>
+              <a:latin typeface="+mj-lt"/>
+            </a:endParaRPr>
+          </a:p>
+          <a:p>
+            <a:pPr algn="l">
+              <a:buFont typeface="Arial" panose="020B0604020202020204" pitchFamily="34" charset="0"/>
+              <a:buChar char="•"/>
             </a:pPr>
             <a:r>
-              <a:rPr lang="en-GB" sz="3000" b="1" dirty="0">
-                <a:latin typeface="Arial" panose="020B0604020202020204" pitchFamily="34" charset="0"/>
-                <a:cs typeface="Arial" panose="020B0604020202020204" pitchFamily="34" charset="0"/>
+              <a:rPr lang="en-GB" b="0" i="0" u="none" strike="noStrike" dirty="0">
+                <a:solidFill>
+                  <a:srgbClr val="C9D1D9"/>
+                </a:solidFill>
+                <a:effectLst/>
+                <a:latin typeface="+mj-lt"/>
+                <a:hlinkClick r:id="rId8"/>
               </a:rPr>
-              <a:t>Locate</a:t>
-            </a:r>
-            <a:r>
-              <a:rPr lang="en-GB" sz="3000" dirty="0">
-                <a:latin typeface="Arial" panose="020B0604020202020204" pitchFamily="34" charset="0"/>
-                <a:cs typeface="Arial" panose="020B0604020202020204" pitchFamily="34" charset="0"/>
+              <a:t>Initial Value Problems</a:t>
+            </a:r>
+            <a:endParaRPr lang="en-GB" b="0" i="0" dirty="0">
+              <a:solidFill>
+                <a:srgbClr val="C9D1D9"/>
+              </a:solidFill>
+              <a:effectLst/>
+              <a:latin typeface="+mj-lt"/>
+            </a:endParaRPr>
+          </a:p>
+          <a:p>
+            <a:pPr algn="l">
+              <a:buFont typeface="Arial" panose="020B0604020202020204" pitchFamily="34" charset="0"/>
+              <a:buChar char="•"/>
+            </a:pPr>
+            <a:r>
+              <a:rPr lang="en-GB" b="0" i="0" u="none" strike="noStrike" dirty="0">
+                <a:solidFill>
+                  <a:srgbClr val="C9D1D9"/>
+                </a:solidFill>
+                <a:effectLst/>
+                <a:latin typeface="+mj-lt"/>
+                <a:hlinkClick r:id="rId9"/>
               </a:rPr>
-              <a:t> appropriate SciPy functions for a specific problem</a:t>
-            </a:r>
-          </a:p>
-          <a:p>
-            <a:pPr marL="514350" lvl="0" indent="-514350">
-              <a:lnSpc>
-                <a:spcPct val="107000"/>
-              </a:lnSpc>
-              <a:buAutoNum type="arabicPeriod"/>
+              <a:t>Other Features</a:t>
+            </a:r>
+            <a:endParaRPr lang="en-GB" b="0" i="0" dirty="0">
+              <a:solidFill>
+                <a:srgbClr val="C9D1D9"/>
+              </a:solidFill>
+              <a:effectLst/>
+              <a:latin typeface="+mj-lt"/>
+            </a:endParaRPr>
+          </a:p>
+          <a:p>
+            <a:pPr algn="l">
+              <a:buFont typeface="Arial" panose="020B0604020202020204" pitchFamily="34" charset="0"/>
+              <a:buChar char="•"/>
             </a:pPr>
             <a:r>
-              <a:rPr lang="en-GB" sz="3000" b="1" dirty="0">
-                <a:latin typeface="Arial" panose="020B0604020202020204" pitchFamily="34" charset="0"/>
-                <a:cs typeface="Arial" panose="020B0604020202020204" pitchFamily="34" charset="0"/>
+              <a:rPr lang="en-GB" b="0" i="0" u="none" strike="noStrike" dirty="0">
+                <a:solidFill>
+                  <a:srgbClr val="C9D1D9"/>
+                </a:solidFill>
+                <a:effectLst/>
+                <a:latin typeface="+mj-lt"/>
+                <a:hlinkClick r:id="rId10"/>
               </a:rPr>
-              <a:t>Create</a:t>
-            </a:r>
-            <a:r>
-              <a:rPr lang="en-GB" sz="3000" dirty="0">
-                <a:latin typeface="Arial" panose="020B0604020202020204" pitchFamily="34" charset="0"/>
-                <a:cs typeface="Arial" panose="020B0604020202020204" pitchFamily="34" charset="0"/>
+              <a:t>Performance Comparison</a:t>
+            </a:r>
+            <a:endParaRPr lang="en-GB" b="0" i="0" dirty="0">
+              <a:solidFill>
+                <a:srgbClr val="C9D1D9"/>
+              </a:solidFill>
+              <a:effectLst/>
+              <a:latin typeface="+mj-lt"/>
+            </a:endParaRPr>
+          </a:p>
+          <a:p>
+            <a:pPr algn="l">
+              <a:buFont typeface="Arial" panose="020B0604020202020204" pitchFamily="34" charset="0"/>
+              <a:buChar char="•"/>
+            </a:pPr>
+            <a:r>
+              <a:rPr lang="en-GB" b="0" i="0" u="none" strike="noStrike" dirty="0">
+                <a:solidFill>
+                  <a:srgbClr val="C9D1D9"/>
+                </a:solidFill>
+                <a:effectLst/>
+                <a:latin typeface="+mj-lt"/>
+                <a:hlinkClick r:id="rId11"/>
               </a:rPr>
-              <a:t> basic programs using NumPy and SciPy to solve numerical problems</a:t>
-            </a:r>
+              <a:t>Projects</a:t>
+            </a:r>
+            <a:endParaRPr lang="en-GB" b="0" i="0" dirty="0">
+              <a:solidFill>
+                <a:srgbClr val="C9D1D9"/>
+              </a:solidFill>
+              <a:effectLst/>
+              <a:latin typeface="+mj-lt"/>
+            </a:endParaRPr>
+          </a:p>
+          <a:p>
+            <a:endParaRPr lang="en-GB" dirty="0"/>
           </a:p>
         </p:txBody>
       </p:sp>
     </p:spTree>
     <p:extLst>
       <p:ext uri="{BB962C8B-B14F-4D97-AF65-F5344CB8AC3E}">
-        <p14:creationId xmlns:p14="http://schemas.microsoft.com/office/powerpoint/2010/main" val="3248724752"/>
+        <p14:creationId xmlns:p14="http://schemas.microsoft.com/office/powerpoint/2010/main" val="4074605344"/>
       </p:ext>
     </p:extLst>
   </p:cSld>
@@ -4540,304 +4609,6 @@
           <a:p>
             <a:r>
               <a:rPr lang="en-GB" sz="4000" dirty="0"/>
-              <a:t>Notebook Links</a:t>
-            </a:r>
-          </a:p>
-        </p:txBody>
-      </p:sp>
-      <p:sp>
-        <p:nvSpPr>
-          <p:cNvPr id="3" name="Content Placeholder 2"/>
-          <p:cNvSpPr>
-            <a:spLocks noGrp="1"/>
-          </p:cNvSpPr>
-          <p:nvPr>
-            <p:ph idx="1"/>
-          </p:nvPr>
-        </p:nvSpPr>
-        <p:spPr>
-          <a:xfrm>
-            <a:off x="457200" y="1600200"/>
-            <a:ext cx="8435280" cy="4876800"/>
-          </a:xfrm>
-        </p:spPr>
-        <p:txBody>
-          <a:bodyPr>
-            <a:normAutofit lnSpcReduction="10000"/>
-          </a:bodyPr>
-          <a:lstStyle/>
-          <a:p>
-            <a:r>
-              <a:rPr lang="en-GB" b="0" i="0" u="none" strike="noStrike" dirty="0">
-                <a:solidFill>
-                  <a:srgbClr val="C9D1D9"/>
-                </a:solidFill>
-                <a:effectLst/>
-                <a:latin typeface="+mj-lt"/>
-                <a:hlinkClick r:id="rId3"/>
-              </a:rPr>
-              <a:t>What Are NumPy and SciPy</a:t>
-            </a:r>
-            <a:endParaRPr lang="en-GB" b="0" i="0" dirty="0">
-              <a:solidFill>
-                <a:srgbClr val="C9D1D9"/>
-              </a:solidFill>
-              <a:effectLst/>
-              <a:latin typeface="+mj-lt"/>
-            </a:endParaRPr>
-          </a:p>
-          <a:p>
-            <a:pPr algn="l">
-              <a:buFont typeface="Arial" panose="020B0604020202020204" pitchFamily="34" charset="0"/>
-              <a:buChar char="•"/>
-            </a:pPr>
-            <a:r>
-              <a:rPr lang="en-GB" b="0" i="0" u="sng" dirty="0">
-                <a:solidFill>
-                  <a:srgbClr val="C9D1D9"/>
-                </a:solidFill>
-                <a:effectLst/>
-                <a:latin typeface="+mj-lt"/>
-                <a:hlinkClick r:id="rId4"/>
-              </a:rPr>
-              <a:t>Creating and Manipulating NumPy Arrays</a:t>
-            </a:r>
-            <a:endParaRPr lang="en-GB" b="0" i="0" dirty="0">
-              <a:solidFill>
-                <a:srgbClr val="C9D1D9"/>
-              </a:solidFill>
-              <a:effectLst/>
-              <a:latin typeface="+mj-lt"/>
-            </a:endParaRPr>
-          </a:p>
-          <a:p>
-            <a:pPr algn="l">
-              <a:buFont typeface="Arial" panose="020B0604020202020204" pitchFamily="34" charset="0"/>
-              <a:buChar char="•"/>
-            </a:pPr>
-            <a:r>
-              <a:rPr lang="en-GB" b="0" i="0" u="none" strike="noStrike" dirty="0">
-                <a:solidFill>
-                  <a:srgbClr val="C9D1D9"/>
-                </a:solidFill>
-                <a:effectLst/>
-                <a:latin typeface="+mj-lt"/>
-                <a:hlinkClick r:id="rId5"/>
-              </a:rPr>
-              <a:t>Array Operations</a:t>
-            </a:r>
-            <a:endParaRPr lang="en-GB" b="0" i="0" dirty="0">
-              <a:solidFill>
-                <a:srgbClr val="C9D1D9"/>
-              </a:solidFill>
-              <a:effectLst/>
-              <a:latin typeface="+mj-lt"/>
-            </a:endParaRPr>
-          </a:p>
-          <a:p>
-            <a:pPr algn="l">
-              <a:buFont typeface="Arial" panose="020B0604020202020204" pitchFamily="34" charset="0"/>
-              <a:buChar char="•"/>
-            </a:pPr>
-            <a:r>
-              <a:rPr lang="en-GB" b="0" i="0" u="none" strike="noStrike" dirty="0">
-                <a:solidFill>
-                  <a:srgbClr val="C9D1D9"/>
-                </a:solidFill>
-                <a:effectLst/>
-                <a:latin typeface="+mj-lt"/>
-                <a:hlinkClick r:id="rId6"/>
-              </a:rPr>
-              <a:t>Calculus</a:t>
-            </a:r>
-            <a:endParaRPr lang="en-GB" b="0" i="0" dirty="0">
-              <a:solidFill>
-                <a:srgbClr val="C9D1D9"/>
-              </a:solidFill>
-              <a:effectLst/>
-              <a:latin typeface="+mj-lt"/>
-            </a:endParaRPr>
-          </a:p>
-          <a:p>
-            <a:pPr algn="l">
-              <a:buFont typeface="Arial" panose="020B0604020202020204" pitchFamily="34" charset="0"/>
-              <a:buChar char="•"/>
-            </a:pPr>
-            <a:r>
-              <a:rPr lang="en-GB" b="0" i="0" u="none" strike="noStrike" dirty="0">
-                <a:solidFill>
-                  <a:srgbClr val="C9D1D9"/>
-                </a:solidFill>
-                <a:effectLst/>
-                <a:latin typeface="+mj-lt"/>
-                <a:hlinkClick r:id="rId7"/>
-              </a:rPr>
-              <a:t>Built-In Functions</a:t>
-            </a:r>
-            <a:endParaRPr lang="en-GB" b="0" i="0" dirty="0">
-              <a:solidFill>
-                <a:srgbClr val="C9D1D9"/>
-              </a:solidFill>
-              <a:effectLst/>
-              <a:latin typeface="+mj-lt"/>
-            </a:endParaRPr>
-          </a:p>
-          <a:p>
-            <a:pPr algn="l">
-              <a:buFont typeface="Arial" panose="020B0604020202020204" pitchFamily="34" charset="0"/>
-              <a:buChar char="•"/>
-            </a:pPr>
-            <a:r>
-              <a:rPr lang="en-GB" b="0" i="0" u="none" strike="noStrike" dirty="0">
-                <a:solidFill>
-                  <a:srgbClr val="C9D1D9"/>
-                </a:solidFill>
-                <a:effectLst/>
-                <a:latin typeface="+mj-lt"/>
-                <a:hlinkClick r:id="rId8"/>
-              </a:rPr>
-              <a:t>Initial Value Problems</a:t>
-            </a:r>
-            <a:endParaRPr lang="en-GB" b="0" i="0" dirty="0">
-              <a:solidFill>
-                <a:srgbClr val="C9D1D9"/>
-              </a:solidFill>
-              <a:effectLst/>
-              <a:latin typeface="+mj-lt"/>
-            </a:endParaRPr>
-          </a:p>
-          <a:p>
-            <a:pPr algn="l">
-              <a:buFont typeface="Arial" panose="020B0604020202020204" pitchFamily="34" charset="0"/>
-              <a:buChar char="•"/>
-            </a:pPr>
-            <a:r>
-              <a:rPr lang="en-GB" b="0" i="0" u="none" strike="noStrike" dirty="0">
-                <a:solidFill>
-                  <a:srgbClr val="C9D1D9"/>
-                </a:solidFill>
-                <a:effectLst/>
-                <a:latin typeface="+mj-lt"/>
-                <a:hlinkClick r:id="rId9"/>
-              </a:rPr>
-              <a:t>Other Features</a:t>
-            </a:r>
-            <a:endParaRPr lang="en-GB" b="0" i="0" dirty="0">
-              <a:solidFill>
-                <a:srgbClr val="C9D1D9"/>
-              </a:solidFill>
-              <a:effectLst/>
-              <a:latin typeface="+mj-lt"/>
-            </a:endParaRPr>
-          </a:p>
-          <a:p>
-            <a:pPr algn="l">
-              <a:buFont typeface="Arial" panose="020B0604020202020204" pitchFamily="34" charset="0"/>
-              <a:buChar char="•"/>
-            </a:pPr>
-            <a:r>
-              <a:rPr lang="en-GB" b="0" i="0" u="none" strike="noStrike" dirty="0">
-                <a:solidFill>
-                  <a:srgbClr val="C9D1D9"/>
-                </a:solidFill>
-                <a:effectLst/>
-                <a:latin typeface="+mj-lt"/>
-                <a:hlinkClick r:id="rId10"/>
-              </a:rPr>
-              <a:t>Performance Comparison</a:t>
-            </a:r>
-            <a:endParaRPr lang="en-GB" b="0" i="0" dirty="0">
-              <a:solidFill>
-                <a:srgbClr val="C9D1D9"/>
-              </a:solidFill>
-              <a:effectLst/>
-              <a:latin typeface="+mj-lt"/>
-            </a:endParaRPr>
-          </a:p>
-          <a:p>
-            <a:pPr algn="l">
-              <a:buFont typeface="Arial" panose="020B0604020202020204" pitchFamily="34" charset="0"/>
-              <a:buChar char="•"/>
-            </a:pPr>
-            <a:r>
-              <a:rPr lang="en-GB" b="0" i="0" u="none" strike="noStrike" dirty="0">
-                <a:solidFill>
-                  <a:srgbClr val="C9D1D9"/>
-                </a:solidFill>
-                <a:effectLst/>
-                <a:latin typeface="+mj-lt"/>
-                <a:hlinkClick r:id="rId11"/>
-              </a:rPr>
-              <a:t>Projects</a:t>
-            </a:r>
-            <a:endParaRPr lang="en-GB" b="0" i="0" dirty="0">
-              <a:solidFill>
-                <a:srgbClr val="C9D1D9"/>
-              </a:solidFill>
-              <a:effectLst/>
-              <a:latin typeface="+mj-lt"/>
-            </a:endParaRPr>
-          </a:p>
-          <a:p>
-            <a:endParaRPr lang="en-GB" dirty="0"/>
-          </a:p>
-        </p:txBody>
-      </p:sp>
-    </p:spTree>
-    <p:extLst>
-      <p:ext uri="{BB962C8B-B14F-4D97-AF65-F5344CB8AC3E}">
-        <p14:creationId xmlns:p14="http://schemas.microsoft.com/office/powerpoint/2010/main" val="4074605344"/>
-      </p:ext>
-    </p:extLst>
-  </p:cSld>
-  <p:clrMapOvr>
-    <a:masterClrMapping/>
-  </p:clrMapOvr>
-  <mc:AlternateContent xmlns:mc="http://schemas.openxmlformats.org/markup-compatibility/2006" xmlns:p14="http://schemas.microsoft.com/office/powerpoint/2010/main">
-    <mc:Choice Requires="p14">
-      <p:transition p14:dur="10"/>
-    </mc:Choice>
-    <mc:Fallback xmlns="">
-      <p:transition/>
-    </mc:Fallback>
-  </mc:AlternateContent>
-</p:sld>
-</file>
-
-<file path=ppt/slides/slide6.xml><?xml version="1.0" encoding="utf-8"?>
-<p:sld xmlns:a="http://schemas.openxmlformats.org/drawingml/2006/main" xmlns:r="http://schemas.openxmlformats.org/officeDocument/2006/relationships" xmlns:p="http://schemas.openxmlformats.org/presentationml/2006/main">
-  <p:cSld>
-    <p:spTree>
-      <p:nvGrpSpPr>
-        <p:cNvPr id="1" name=""/>
-        <p:cNvGrpSpPr/>
-        <p:nvPr/>
-      </p:nvGrpSpPr>
-      <p:grpSpPr>
-        <a:xfrm>
-          <a:off x="0" y="0"/>
-          <a:ext cx="0" cy="0"/>
-          <a:chOff x="0" y="0"/>
-          <a:chExt cx="0" cy="0"/>
-        </a:xfrm>
-      </p:grpSpPr>
-      <p:sp>
-        <p:nvSpPr>
-          <p:cNvPr id="2" name="Title 1"/>
-          <p:cNvSpPr>
-            <a:spLocks noGrp="1"/>
-          </p:cNvSpPr>
-          <p:nvPr>
-            <p:ph type="title"/>
-          </p:nvPr>
-        </p:nvSpPr>
-        <p:spPr/>
-        <p:txBody>
-          <a:bodyPr/>
-          <a:lstStyle/>
-          <a:p>
-            <a:r>
-              <a:rPr lang="en-GB" sz="4000" dirty="0"/>
               <a:t>Feedback</a:t>
             </a:r>
           </a:p>
@@ -4938,7 +4709,7 @@
 </p:sld>
 </file>
 
-<file path=ppt/slides/slide7.xml><?xml version="1.0" encoding="utf-8"?>
+<file path=ppt/slides/slide6.xml><?xml version="1.0" encoding="utf-8"?>
 <p:sld xmlns:a="http://schemas.openxmlformats.org/drawingml/2006/main" xmlns:r="http://schemas.openxmlformats.org/officeDocument/2006/relationships" xmlns:p="http://schemas.openxmlformats.org/presentationml/2006/main">
   <p:cSld>
     <p:spTree>

--- a/Numerical Computing Python Slides.pptx
+++ b/Numerical Computing Python Slides.pptx
@@ -15,7 +15,7 @@
     <p:sldId id="504" r:id="rId3"/>
     <p:sldId id="267" r:id="rId4"/>
     <p:sldId id="281" r:id="rId5"/>
-    <p:sldId id="329" r:id="rId6"/>
+    <p:sldId id="335" r:id="rId6"/>
     <p:sldId id="280" r:id="rId7"/>
   </p:sldIdLst>
   <p:sldSz cx="9144000" cy="6858000" type="screen4x3"/>
@@ -124,7 +124,7 @@
             <p14:sldId id="504"/>
             <p14:sldId id="267"/>
             <p14:sldId id="281"/>
-            <p14:sldId id="329"/>
+            <p14:sldId id="335"/>
             <p14:sldId id="280"/>
           </p14:sldIdLst>
         </p14:section>
@@ -149,6 +149,42 @@
     </p:ext>
   </p:extLst>
 </p:presentation>
+</file>
+
+<file path=ppt/revisionInfo.xml><?xml version="1.0" encoding="utf-8"?>
+<p1510:revInfo xmlns:a="http://schemas.openxmlformats.org/drawingml/2006/main" xmlns:r="http://schemas.openxmlformats.org/officeDocument/2006/relationships" xmlns:p1510="http://schemas.microsoft.com/office/powerpoint/2015/10/main">
+  <p1510:revLst>
+    <p1510:client id="{18BE6547-EBCA-4BAC-8661-EDBCC80A1096}" v="1" dt="2022-10-10T15:18:44.388"/>
+  </p1510:revLst>
+</p1510:revInfo>
+</file>
+
+<file path=ppt/changesInfos/changesInfo1.xml><?xml version="1.0" encoding="utf-8"?>
+<pc:chgInfo xmlns:a="http://schemas.openxmlformats.org/drawingml/2006/main" xmlns:r="http://schemas.openxmlformats.org/officeDocument/2006/relationships" xmlns:ac="http://schemas.microsoft.com/office/drawing/2013/main/command" xmlns:pc="http://schemas.microsoft.com/office/powerpoint/2013/main/command">
+  <pc:docChgLst>
+    <pc:chgData name="Cooling, Chris" userId="6dcf99c9-2ba5-410a-8445-0893a3d1421f" providerId="ADAL" clId="{18BE6547-EBCA-4BAC-8661-EDBCC80A1096}"/>
+    <pc:docChg chg="addSld delSld modSld modSection">
+      <pc:chgData name="Cooling, Chris" userId="6dcf99c9-2ba5-410a-8445-0893a3d1421f" providerId="ADAL" clId="{18BE6547-EBCA-4BAC-8661-EDBCC80A1096}" dt="2022-10-10T15:18:45.500" v="1" actId="47"/>
+      <pc:docMkLst>
+        <pc:docMk/>
+      </pc:docMkLst>
+      <pc:sldChg chg="del">
+        <pc:chgData name="Cooling, Chris" userId="6dcf99c9-2ba5-410a-8445-0893a3d1421f" providerId="ADAL" clId="{18BE6547-EBCA-4BAC-8661-EDBCC80A1096}" dt="2022-10-10T15:18:45.500" v="1" actId="47"/>
+        <pc:sldMkLst>
+          <pc:docMk/>
+          <pc:sldMk cId="2122788927" sldId="329"/>
+        </pc:sldMkLst>
+      </pc:sldChg>
+      <pc:sldChg chg="add">
+        <pc:chgData name="Cooling, Chris" userId="6dcf99c9-2ba5-410a-8445-0893a3d1421f" providerId="ADAL" clId="{18BE6547-EBCA-4BAC-8661-EDBCC80A1096}" dt="2022-10-10T15:18:44.387" v="0"/>
+        <pc:sldMkLst>
+          <pc:docMk/>
+          <pc:sldMk cId="466020703" sldId="335"/>
+        </pc:sldMkLst>
+      </pc:sldChg>
+    </pc:docChg>
+  </pc:docChgLst>
+</pc:chgInfo>
 </file>
 
 <file path=ppt/handoutMasters/handoutMaster1.xml><?xml version="1.0" encoding="utf-8"?>
@@ -400,7 +436,7 @@
           <a:p>
             <a:fld id="{88EB714B-C3CC-4216-88C1-02913905B1CF}" type="datetimeFigureOut">
               <a:rPr lang="en-GB" smtClean="0"/>
-              <a:t>20/05/2022</a:t>
+              <a:t>10/10/2022</a:t>
             </a:fld>
             <a:endParaRPr lang="en-GB"/>
           </a:p>
@@ -1781,7 +1817,7 @@
           <a:p>
             <a:fld id="{EB0080F8-EA1C-491D-963C-2C881B2F918F}" type="datetimeFigureOut">
               <a:rPr lang="en-GB" smtClean="0"/>
-              <a:t>20/05/2022</a:t>
+              <a:t>10/10/2022</a:t>
             </a:fld>
             <a:endParaRPr lang="en-GB"/>
           </a:p>
@@ -1931,7 +1967,7 @@
           <a:p>
             <a:fld id="{EB0080F8-EA1C-491D-963C-2C881B2F918F}" type="datetimeFigureOut">
               <a:rPr lang="en-GB" smtClean="0"/>
-              <a:t>20/05/2022</a:t>
+              <a:t>10/10/2022</a:t>
             </a:fld>
             <a:endParaRPr lang="en-GB"/>
           </a:p>
@@ -3464,7 +3500,7 @@
           <a:p>
             <a:fld id="{EB0080F8-EA1C-491D-963C-2C881B2F918F}" type="datetimeFigureOut">
               <a:rPr lang="en-GB" smtClean="0"/>
-              <a:t>20/05/2022</a:t>
+              <a:t>10/10/2022</a:t>
             </a:fld>
             <a:endParaRPr lang="en-GB"/>
           </a:p>
@@ -4592,6 +4628,36 @@
           <a:chExt cx="0" cy="0"/>
         </a:xfrm>
       </p:grpSpPr>
+      <p:pic>
+        <p:nvPicPr>
+          <p:cNvPr id="5" name="Picture 4" descr="Qr code&#10;&#10;Description automatically generated">
+            <a:extLst>
+              <a:ext uri="{FF2B5EF4-FFF2-40B4-BE49-F238E27FC236}">
+                <a16:creationId xmlns:a16="http://schemas.microsoft.com/office/drawing/2014/main" id="{6EC95C70-AC70-4FEA-AC75-84A729884BE8}"/>
+              </a:ext>
+            </a:extLst>
+          </p:cNvPr>
+          <p:cNvPicPr>
+            <a:picLocks noChangeAspect="1"/>
+          </p:cNvPicPr>
+          <p:nvPr/>
+        </p:nvPicPr>
+        <p:blipFill>
+          <a:blip r:embed="rId3"/>
+          <a:stretch>
+            <a:fillRect/>
+          </a:stretch>
+        </p:blipFill>
+        <p:spPr>
+          <a:xfrm>
+            <a:off x="3111335" y="3921107"/>
+            <a:ext cx="2921330" cy="2921330"/>
+          </a:xfrm>
+          <a:prstGeom prst="rect">
+            <a:avLst/>
+          </a:prstGeom>
+        </p:spPr>
+      </p:pic>
       <p:sp>
         <p:nvSpPr>
           <p:cNvPr id="2" name="Title 1"/>
@@ -4627,12 +4693,12 @@
         <p:spPr>
           <a:xfrm>
             <a:off x="457200" y="1600200"/>
-            <a:ext cx="8435280" cy="4876800"/>
+            <a:ext cx="8435280" cy="2787732"/>
           </a:xfrm>
         </p:spPr>
         <p:txBody>
           <a:bodyPr>
-            <a:normAutofit/>
+            <a:normAutofit lnSpcReduction="10000"/>
           </a:bodyPr>
           <a:lstStyle/>
           <a:p>
@@ -4644,30 +4710,16 @@
           <a:p>
             <a:pPr lvl="1"/>
             <a:r>
+              <a:rPr lang="en-GB" sz="2600" dirty="0"/>
+              <a:t>The link is </a:t>
+            </a:r>
+            <a:r>
               <a:rPr lang="en-GB" sz="2600" dirty="0">
-                <a:latin typeface="+mj-lt"/>
+                <a:hlinkClick r:id="rId4"/>
               </a:rPr>
-              <a:t>The link is </a:t>
-            </a:r>
-            <a:r>
-              <a:rPr lang="en-GB" sz="2600" u="sng" dirty="0">
-                <a:solidFill>
-                  <a:srgbClr val="000000"/>
-                </a:solidFill>
-                <a:effectLst/>
-                <a:latin typeface="+mj-lt"/>
-                <a:ea typeface="Times New Roman" panose="02020603050405020304" pitchFamily="18" charset="0"/>
-                <a:cs typeface="Calibri" panose="020F0502020204030204" pitchFamily="34" charset="0"/>
-                <a:hlinkClick r:id="rId3"/>
-              </a:rPr>
-              <a:t>tinyurl.com/rcds2021-22</a:t>
-            </a:r>
-            <a:endParaRPr lang="en-GB" sz="2600" dirty="0">
-              <a:effectLst/>
-              <a:latin typeface="+mj-lt"/>
-              <a:ea typeface="Times New Roman" panose="02020603050405020304" pitchFamily="18" charset="0"/>
-              <a:cs typeface="Times New Roman" panose="02020603050405020304" pitchFamily="18" charset="0"/>
-            </a:endParaRPr>
+              <a:t>https://tinyurl.com/rcds2022-23</a:t>
+            </a:r>
+            <a:endParaRPr lang="en-GB" sz="2600" dirty="0"/>
           </a:p>
           <a:p>
             <a:pPr lvl="1"/>
@@ -4691,7 +4743,7 @@
     </p:spTree>
     <p:extLst>
       <p:ext uri="{BB962C8B-B14F-4D97-AF65-F5344CB8AC3E}">
-        <p14:creationId xmlns:p14="http://schemas.microsoft.com/office/powerpoint/2010/main" val="2122788927"/>
+        <p14:creationId xmlns:p14="http://schemas.microsoft.com/office/powerpoint/2010/main" val="466020703"/>
       </p:ext>
     </p:extLst>
   </p:cSld>

--- a/Numerical Computing Python Slides.pptx
+++ b/Numerical Computing Python Slides.pptx
@@ -12,7 +12,7 @@
   </p:handoutMasterIdLst>
   <p:sldIdLst>
     <p:sldId id="264" r:id="rId2"/>
-    <p:sldId id="504" r:id="rId3"/>
+    <p:sldId id="505" r:id="rId3"/>
     <p:sldId id="267" r:id="rId4"/>
     <p:sldId id="281" r:id="rId5"/>
     <p:sldId id="335" r:id="rId6"/>
@@ -121,7 +121,7 @@
         <p14:section name="Introduction" id="{45EEEAF5-8C61-4410-A3AB-B2CD0B57ECF0}">
           <p14:sldIdLst>
             <p14:sldId id="264"/>
-            <p14:sldId id="504"/>
+            <p14:sldId id="505"/>
             <p14:sldId id="267"/>
             <p14:sldId id="281"/>
             <p14:sldId id="335"/>
@@ -154,7 +154,7 @@
 <file path=ppt/revisionInfo.xml><?xml version="1.0" encoding="utf-8"?>
 <p1510:revInfo xmlns:a="http://schemas.openxmlformats.org/drawingml/2006/main" xmlns:r="http://schemas.openxmlformats.org/officeDocument/2006/relationships" xmlns:p1510="http://schemas.microsoft.com/office/powerpoint/2015/10/main">
   <p1510:revLst>
-    <p1510:client id="{18BE6547-EBCA-4BAC-8661-EDBCC80A1096}" v="1" dt="2022-10-10T15:18:44.388"/>
+    <p1510:client id="{1E1EC1F8-9783-400D-8D10-903AAA037EE1}" v="1" dt="2023-02-24T16:44:05.753"/>
   </p1510:revLst>
 </p1510:revInfo>
 </file>
@@ -180,6 +180,29 @@
         <pc:sldMkLst>
           <pc:docMk/>
           <pc:sldMk cId="466020703" sldId="335"/>
+        </pc:sldMkLst>
+      </pc:sldChg>
+    </pc:docChg>
+  </pc:docChgLst>
+  <pc:docChgLst>
+    <pc:chgData name="Cooling, Chris" userId="6dcf99c9-2ba5-410a-8445-0893a3d1421f" providerId="ADAL" clId="{1E1EC1F8-9783-400D-8D10-903AAA037EE1}"/>
+    <pc:docChg chg="addSld delSld modSld modSection">
+      <pc:chgData name="Cooling, Chris" userId="6dcf99c9-2ba5-410a-8445-0893a3d1421f" providerId="ADAL" clId="{1E1EC1F8-9783-400D-8D10-903AAA037EE1}" dt="2023-02-24T16:44:07.880" v="1" actId="47"/>
+      <pc:docMkLst>
+        <pc:docMk/>
+      </pc:docMkLst>
+      <pc:sldChg chg="del">
+        <pc:chgData name="Cooling, Chris" userId="6dcf99c9-2ba5-410a-8445-0893a3d1421f" providerId="ADAL" clId="{1E1EC1F8-9783-400D-8D10-903AAA037EE1}" dt="2023-02-24T16:44:07.880" v="1" actId="47"/>
+        <pc:sldMkLst>
+          <pc:docMk/>
+          <pc:sldMk cId="3686223621" sldId="504"/>
+        </pc:sldMkLst>
+      </pc:sldChg>
+      <pc:sldChg chg="add">
+        <pc:chgData name="Cooling, Chris" userId="6dcf99c9-2ba5-410a-8445-0893a3d1421f" providerId="ADAL" clId="{1E1EC1F8-9783-400D-8D10-903AAA037EE1}" dt="2023-02-24T16:44:05.752" v="0"/>
+        <pc:sldMkLst>
+          <pc:docMk/>
+          <pc:sldMk cId="3965787735" sldId="505"/>
         </pc:sldMkLst>
       </pc:sldChg>
     </pc:docChg>
@@ -436,7 +459,7 @@
           <a:p>
             <a:fld id="{88EB714B-C3CC-4216-88C1-02913905B1CF}" type="datetimeFigureOut">
               <a:rPr lang="en-GB" smtClean="0"/>
-              <a:t>10/10/2022</a:t>
+              <a:t>24/02/2023</a:t>
             </a:fld>
             <a:endParaRPr lang="en-GB"/>
           </a:p>
@@ -999,6 +1022,29 @@
           <a:bodyPr/>
           <a:lstStyle/>
           <a:p>
+            <a:pPr marL="0" marR="0" lvl="0" indent="0" algn="l" defTabSz="914400" rtl="0" eaLnBrk="1" fontAlgn="auto" latinLnBrk="0" hangingPunct="1">
+              <a:lnSpc>
+                <a:spcPct val="100000"/>
+              </a:lnSpc>
+              <a:spcBef>
+                <a:spcPts val="0"/>
+              </a:spcBef>
+              <a:spcAft>
+                <a:spcPts val="0"/>
+              </a:spcAft>
+              <a:buClrTx/>
+              <a:buSzTx/>
+              <a:buFontTx/>
+              <a:buNone/>
+              <a:tabLst/>
+              <a:defRPr/>
+            </a:pPr>
+            <a:r>
+              <a:rPr lang="en-GB" dirty="0"/>
+              <a:t>No additional notes.</a:t>
+            </a:r>
+          </a:p>
+          <a:p>
             <a:endParaRPr lang="en-GB" dirty="0"/>
           </a:p>
         </p:txBody>
@@ -1010,7 +1056,7 @@
             <a:spLocks noGrp="1"/>
           </p:cNvSpPr>
           <p:nvPr>
-            <p:ph type="sldNum" sz="quarter" idx="10"/>
+            <p:ph type="sldNum" sz="quarter" idx="5"/>
           </p:nvPr>
         </p:nvSpPr>
         <p:spPr/>
@@ -1018,9 +1064,9 @@
           <a:bodyPr/>
           <a:lstStyle/>
           <a:p>
-            <a:fld id="{6A641EC8-C9F8-4A58-A1A7-F7D817526EEC}" type="slidenum">
+            <a:fld id="{3AE2EC8F-0D0C-480E-9701-891381D03195}" type="slidenum">
               <a:rPr lang="en-GB" smtClean="0"/>
-              <a:t>3</a:t>
+              <a:t>2</a:t>
             </a:fld>
             <a:endParaRPr lang="en-GB"/>
           </a:p>
@@ -1029,7 +1075,7 @@
     </p:spTree>
     <p:extLst>
       <p:ext uri="{BB962C8B-B14F-4D97-AF65-F5344CB8AC3E}">
-        <p14:creationId xmlns:p14="http://schemas.microsoft.com/office/powerpoint/2010/main" val="2283586298"/>
+        <p14:creationId xmlns:p14="http://schemas.microsoft.com/office/powerpoint/2010/main" val="2116338273"/>
       </p:ext>
     </p:extLst>
   </p:cSld>
@@ -1104,7 +1150,7 @@
           <a:p>
             <a:fld id="{6A641EC8-C9F8-4A58-A1A7-F7D817526EEC}" type="slidenum">
               <a:rPr lang="en-GB" smtClean="0"/>
-              <a:t>4</a:t>
+              <a:t>3</a:t>
             </a:fld>
             <a:endParaRPr lang="en-GB"/>
           </a:p>
@@ -1113,7 +1159,7 @@
     </p:spTree>
     <p:extLst>
       <p:ext uri="{BB962C8B-B14F-4D97-AF65-F5344CB8AC3E}">
-        <p14:creationId xmlns:p14="http://schemas.microsoft.com/office/powerpoint/2010/main" val="4146208164"/>
+        <p14:creationId xmlns:p14="http://schemas.microsoft.com/office/powerpoint/2010/main" val="2283586298"/>
       </p:ext>
     </p:extLst>
   </p:cSld>
@@ -1188,6 +1234,90 @@
           <a:p>
             <a:fld id="{6A641EC8-C9F8-4A58-A1A7-F7D817526EEC}" type="slidenum">
               <a:rPr lang="en-GB" smtClean="0"/>
+              <a:t>4</a:t>
+            </a:fld>
+            <a:endParaRPr lang="en-GB"/>
+          </a:p>
+        </p:txBody>
+      </p:sp>
+    </p:spTree>
+    <p:extLst>
+      <p:ext uri="{BB962C8B-B14F-4D97-AF65-F5344CB8AC3E}">
+        <p14:creationId xmlns:p14="http://schemas.microsoft.com/office/powerpoint/2010/main" val="4146208164"/>
+      </p:ext>
+    </p:extLst>
+  </p:cSld>
+  <p:clrMapOvr>
+    <a:masterClrMapping/>
+  </p:clrMapOvr>
+</p:notes>
+</file>
+
+<file path=ppt/notesSlides/notesSlide5.xml><?xml version="1.0" encoding="utf-8"?>
+<p:notes xmlns:a="http://schemas.openxmlformats.org/drawingml/2006/main" xmlns:r="http://schemas.openxmlformats.org/officeDocument/2006/relationships" xmlns:p="http://schemas.openxmlformats.org/presentationml/2006/main">
+  <p:cSld>
+    <p:spTree>
+      <p:nvGrpSpPr>
+        <p:cNvPr id="1" name=""/>
+        <p:cNvGrpSpPr/>
+        <p:nvPr/>
+      </p:nvGrpSpPr>
+      <p:grpSpPr>
+        <a:xfrm>
+          <a:off x="0" y="0"/>
+          <a:ext cx="0" cy="0"/>
+          <a:chOff x="0" y="0"/>
+          <a:chExt cx="0" cy="0"/>
+        </a:xfrm>
+      </p:grpSpPr>
+      <p:sp>
+        <p:nvSpPr>
+          <p:cNvPr id="2" name="Slide Image Placeholder 1"/>
+          <p:cNvSpPr>
+            <a:spLocks noGrp="1" noRot="1" noChangeAspect="1"/>
+          </p:cNvSpPr>
+          <p:nvPr>
+            <p:ph type="sldImg"/>
+          </p:nvPr>
+        </p:nvSpPr>
+        <p:spPr/>
+      </p:sp>
+      <p:sp>
+        <p:nvSpPr>
+          <p:cNvPr id="3" name="Notes Placeholder 2"/>
+          <p:cNvSpPr>
+            <a:spLocks noGrp="1"/>
+          </p:cNvSpPr>
+          <p:nvPr>
+            <p:ph type="body" idx="1"/>
+          </p:nvPr>
+        </p:nvSpPr>
+        <p:spPr/>
+        <p:txBody>
+          <a:bodyPr/>
+          <a:lstStyle/>
+          <a:p>
+            <a:endParaRPr lang="en-GB" dirty="0"/>
+          </a:p>
+        </p:txBody>
+      </p:sp>
+      <p:sp>
+        <p:nvSpPr>
+          <p:cNvPr id="4" name="Slide Number Placeholder 3"/>
+          <p:cNvSpPr>
+            <a:spLocks noGrp="1"/>
+          </p:cNvSpPr>
+          <p:nvPr>
+            <p:ph type="sldNum" sz="quarter" idx="10"/>
+          </p:nvPr>
+        </p:nvSpPr>
+        <p:spPr/>
+        <p:txBody>
+          <a:bodyPr/>
+          <a:lstStyle/>
+          <a:p>
+            <a:fld id="{6A641EC8-C9F8-4A58-A1A7-F7D817526EEC}" type="slidenum">
+              <a:rPr lang="en-GB" smtClean="0"/>
               <a:t>5</a:t>
             </a:fld>
             <a:endParaRPr lang="en-GB"/>
@@ -1207,7 +1337,7 @@
 </p:notes>
 </file>
 
-<file path=ppt/notesSlides/notesSlide5.xml><?xml version="1.0" encoding="utf-8"?>
+<file path=ppt/notesSlides/notesSlide6.xml><?xml version="1.0" encoding="utf-8"?>
 <p:notes xmlns:a="http://schemas.openxmlformats.org/drawingml/2006/main" xmlns:r="http://schemas.openxmlformats.org/officeDocument/2006/relationships" xmlns:p="http://schemas.openxmlformats.org/presentationml/2006/main">
   <p:cSld>
     <p:spTree>
@@ -1817,7 +1947,7 @@
           <a:p>
             <a:fld id="{EB0080F8-EA1C-491D-963C-2C881B2F918F}" type="datetimeFigureOut">
               <a:rPr lang="en-GB" smtClean="0"/>
-              <a:t>10/10/2022</a:t>
+              <a:t>24/02/2023</a:t>
             </a:fld>
             <a:endParaRPr lang="en-GB"/>
           </a:p>
@@ -1967,7 +2097,7 @@
           <a:p>
             <a:fld id="{EB0080F8-EA1C-491D-963C-2C881B2F918F}" type="datetimeFigureOut">
               <a:rPr lang="en-GB" smtClean="0"/>
-              <a:t>10/10/2022</a:t>
+              <a:t>24/02/2023</a:t>
             </a:fld>
             <a:endParaRPr lang="en-GB"/>
           </a:p>
@@ -3500,7 +3630,7 @@
           <a:p>
             <a:fld id="{EB0080F8-EA1C-491D-963C-2C881B2F918F}" type="datetimeFigureOut">
               <a:rPr lang="en-GB" smtClean="0"/>
-              <a:t>10/10/2022</a:t>
+              <a:t>24/02/2023</a:t>
             </a:fld>
             <a:endParaRPr lang="en-GB"/>
           </a:p>
@@ -4046,7 +4176,7 @@
         <p:spPr>
           <a:xfrm>
             <a:off x="401319" y="1431416"/>
-            <a:ext cx="8388117" cy="4587644"/>
+            <a:ext cx="8388117" cy="4549506"/>
           </a:xfrm>
         </p:spPr>
         <p:txBody>
@@ -4086,7 +4216,7 @@
                 <a:ea typeface="Times New Roman" panose="02020603050405020304" pitchFamily="18" charset="0"/>
                 <a:cs typeface="Calibri" panose="020F0502020204030204" pitchFamily="34" charset="0"/>
               </a:rPr>
-              <a:t>If you are not a Postgraduate Research student and didn’t book via Inkpath, your attendance will be marked on a separate database.</a:t>
+              <a:t>If you are a Postgraduate Research student, this is required for receiving your Graduate School credit for this course.</a:t>
             </a:r>
             <a:endParaRPr lang="en-GB" sz="2800" dirty="0"/>
           </a:p>
@@ -4132,7 +4262,7 @@
     </p:spTree>
     <p:extLst>
       <p:ext uri="{BB962C8B-B14F-4D97-AF65-F5344CB8AC3E}">
-        <p14:creationId xmlns:p14="http://schemas.microsoft.com/office/powerpoint/2010/main" val="3686223621"/>
+        <p14:creationId xmlns:p14="http://schemas.microsoft.com/office/powerpoint/2010/main" val="3965787735"/>
       </p:ext>
     </p:extLst>
   </p:cSld>

--- a/Numerical Computing Python Slides.pptx
+++ b/Numerical Computing Python Slides.pptx
@@ -151,14 +151,6 @@
 </p:presentation>
 </file>
 
-<file path=ppt/revisionInfo.xml><?xml version="1.0" encoding="utf-8"?>
-<p1510:revInfo xmlns:a="http://schemas.openxmlformats.org/drawingml/2006/main" xmlns:r="http://schemas.openxmlformats.org/officeDocument/2006/relationships" xmlns:p1510="http://schemas.microsoft.com/office/powerpoint/2015/10/main">
-  <p1510:revLst>
-    <p1510:client id="{1E1EC1F8-9783-400D-8D10-903AAA037EE1}" v="1" dt="2023-02-24T16:44:05.753"/>
-  </p1510:revLst>
-</p1510:revInfo>
-</file>
-
 <file path=ppt/changesInfos/changesInfo1.xml><?xml version="1.0" encoding="utf-8"?>
 <pc:chgInfo xmlns:a="http://schemas.openxmlformats.org/drawingml/2006/main" xmlns:r="http://schemas.openxmlformats.org/officeDocument/2006/relationships" xmlns:ac="http://schemas.microsoft.com/office/drawing/2013/main/command" xmlns:pc="http://schemas.microsoft.com/office/powerpoint/2013/main/command">
   <pc:docChgLst>
@@ -181,6 +173,30 @@
           <pc:docMk/>
           <pc:sldMk cId="466020703" sldId="335"/>
         </pc:sldMkLst>
+      </pc:sldChg>
+    </pc:docChg>
+  </pc:docChgLst>
+  <pc:docChgLst>
+    <pc:chgData name="Cooling, Chris" userId="6dcf99c9-2ba5-410a-8445-0893a3d1421f" providerId="ADAL" clId="{6A68C7B7-6ED7-486A-A40A-9ED7E1D6A472}"/>
+    <pc:docChg chg="modSld">
+      <pc:chgData name="Cooling, Chris" userId="6dcf99c9-2ba5-410a-8445-0893a3d1421f" providerId="ADAL" clId="{6A68C7B7-6ED7-486A-A40A-9ED7E1D6A472}" dt="2023-11-03T15:57:52.709" v="0"/>
+      <pc:docMkLst>
+        <pc:docMk/>
+      </pc:docMkLst>
+      <pc:sldChg chg="modSp mod">
+        <pc:chgData name="Cooling, Chris" userId="6dcf99c9-2ba5-410a-8445-0893a3d1421f" providerId="ADAL" clId="{6A68C7B7-6ED7-486A-A40A-9ED7E1D6A472}" dt="2023-11-03T15:57:52.709" v="0"/>
+        <pc:sldMkLst>
+          <pc:docMk/>
+          <pc:sldMk cId="466020703" sldId="335"/>
+        </pc:sldMkLst>
+        <pc:spChg chg="mod">
+          <ac:chgData name="Cooling, Chris" userId="6dcf99c9-2ba5-410a-8445-0893a3d1421f" providerId="ADAL" clId="{6A68C7B7-6ED7-486A-A40A-9ED7E1D6A472}" dt="2023-11-03T15:57:52.709" v="0"/>
+          <ac:spMkLst>
+            <pc:docMk/>
+            <pc:sldMk cId="466020703" sldId="335"/>
+            <ac:spMk id="3" creationId="{00000000-0000-0000-0000-000000000000}"/>
+          </ac:spMkLst>
+        </pc:spChg>
       </pc:sldChg>
     </pc:docChg>
   </pc:docChgLst>
@@ -459,7 +475,7 @@
           <a:p>
             <a:fld id="{88EB714B-C3CC-4216-88C1-02913905B1CF}" type="datetimeFigureOut">
               <a:rPr lang="en-GB" smtClean="0"/>
-              <a:t>24/02/2023</a:t>
+              <a:t>03/11/2023</a:t>
             </a:fld>
             <a:endParaRPr lang="en-GB"/>
           </a:p>
@@ -1947,7 +1963,7 @@
           <a:p>
             <a:fld id="{EB0080F8-EA1C-491D-963C-2C881B2F918F}" type="datetimeFigureOut">
               <a:rPr lang="en-GB" smtClean="0"/>
-              <a:t>24/02/2023</a:t>
+              <a:t>03/11/2023</a:t>
             </a:fld>
             <a:endParaRPr lang="en-GB"/>
           </a:p>
@@ -2097,7 +2113,7 @@
           <a:p>
             <a:fld id="{EB0080F8-EA1C-491D-963C-2C881B2F918F}" type="datetimeFigureOut">
               <a:rPr lang="en-GB" smtClean="0"/>
-              <a:t>24/02/2023</a:t>
+              <a:t>03/11/2023</a:t>
             </a:fld>
             <a:endParaRPr lang="en-GB"/>
           </a:p>
@@ -3630,7 +3646,7 @@
           <a:p>
             <a:fld id="{EB0080F8-EA1C-491D-963C-2C881B2F918F}" type="datetimeFigureOut">
               <a:rPr lang="en-GB" smtClean="0"/>
-              <a:t>24/02/2023</a:t>
+              <a:t>03/11/2023</a:t>
             </a:fld>
             <a:endParaRPr lang="en-GB"/>
           </a:p>
@@ -4841,21 +4857,38 @@
             <a:pPr lvl="1"/>
             <a:r>
               <a:rPr lang="en-GB" sz="2600" dirty="0"/>
-              <a:t>The link is </a:t>
-            </a:r>
-            <a:r>
-              <a:rPr lang="en-GB" sz="2600" dirty="0">
+              <a:t>The link </a:t>
+            </a:r>
+            <a:r>
+              <a:rPr lang="en-GB" sz="2600"/>
+              <a:t>is </a:t>
+            </a:r>
+            <a:r>
+              <a:rPr lang="en-GB" sz="2600" b="0" i="0" u="sng">
+                <a:solidFill>
+                  <a:srgbClr val="0563C1"/>
+                </a:solidFill>
+                <a:effectLst/>
                 <a:hlinkClick r:id="rId4"/>
               </a:rPr>
-              <a:t>https://tinyurl.com/rcds2022-23</a:t>
-            </a:r>
-            <a:endParaRPr lang="en-GB" sz="2600" dirty="0"/>
+              <a:t>https://tinyurl.com/feedback-rcds</a:t>
+            </a:r>
+            <a:endParaRPr lang="en-GB" sz="2600" b="0" i="0" u="sng">
+              <a:solidFill>
+                <a:srgbClr val="0563C1"/>
+              </a:solidFill>
+              <a:effectLst/>
+            </a:endParaRPr>
           </a:p>
           <a:p>
             <a:pPr lvl="1"/>
             <a:r>
+              <a:rPr lang="en-GB" sz="2600"/>
+              <a:t>You </a:t>
+            </a:r>
+            <a:r>
               <a:rPr lang="en-GB" sz="2600" dirty="0"/>
-              <a:t>You should also have received an email with this link</a:t>
+              <a:t>should also have received an email with this link</a:t>
             </a:r>
           </a:p>
           <a:p>
